--- a/Presentation/DraftPresentation.pptx
+++ b/Presentation/DraftPresentation.pptx
@@ -2,12 +2,18 @@
 <file path=ppt/presentation.xml><?xml version="1.0" encoding="utf-8"?>
 <p:presentation xmlns:a="http://schemas.openxmlformats.org/drawingml/2006/main" xmlns:r="http://schemas.openxmlformats.org/officeDocument/2006/relationships" xmlns:p="http://schemas.openxmlformats.org/presentationml/2006/main" saveSubsetFonts="1">
   <p:sldMasterIdLst>
-    <p:sldMasterId id="2147483648" r:id="rId1"/>
+    <p:sldMasterId id="2147484304" r:id="rId1"/>
   </p:sldMasterIdLst>
   <p:sldIdLst>
-    <p:sldId id="256" r:id="rId2"/>
-    <p:sldId id="257" r:id="rId3"/>
-    <p:sldId id="258" r:id="rId4"/>
+    <p:sldId id="259" r:id="rId2"/>
+    <p:sldId id="261" r:id="rId3"/>
+    <p:sldId id="262" r:id="rId4"/>
+    <p:sldId id="263" r:id="rId5"/>
+    <p:sldId id="264" r:id="rId6"/>
+    <p:sldId id="257" r:id="rId7"/>
+    <p:sldId id="256" r:id="rId8"/>
+    <p:sldId id="265" r:id="rId9"/>
+    <p:sldId id="258" r:id="rId10"/>
   </p:sldIdLst>
   <p:sldSz cx="12192000" cy="6858000"/>
   <p:notesSz cx="6858000" cy="9144000"/>
@@ -15,7 +21,7 @@
     <a:defPPr>
       <a:defRPr lang="en-US"/>
     </a:defPPr>
-    <a:lvl1pPr marL="0" algn="l" defTabSz="914400" rtl="0" eaLnBrk="1" latinLnBrk="0" hangingPunct="1">
+    <a:lvl1pPr marL="0" algn="l" defTabSz="457200" rtl="0" eaLnBrk="1" latinLnBrk="0" hangingPunct="1">
       <a:defRPr sz="1800" kern="1200">
         <a:solidFill>
           <a:schemeClr val="tx1"/>
@@ -25,7 +31,7 @@
         <a:cs typeface="+mn-cs"/>
       </a:defRPr>
     </a:lvl1pPr>
-    <a:lvl2pPr marL="457200" algn="l" defTabSz="914400" rtl="0" eaLnBrk="1" latinLnBrk="0" hangingPunct="1">
+    <a:lvl2pPr marL="457200" algn="l" defTabSz="457200" rtl="0" eaLnBrk="1" latinLnBrk="0" hangingPunct="1">
       <a:defRPr sz="1800" kern="1200">
         <a:solidFill>
           <a:schemeClr val="tx1"/>
@@ -35,7 +41,7 @@
         <a:cs typeface="+mn-cs"/>
       </a:defRPr>
     </a:lvl2pPr>
-    <a:lvl3pPr marL="914400" algn="l" defTabSz="914400" rtl="0" eaLnBrk="1" latinLnBrk="0" hangingPunct="1">
+    <a:lvl3pPr marL="914400" algn="l" defTabSz="457200" rtl="0" eaLnBrk="1" latinLnBrk="0" hangingPunct="1">
       <a:defRPr sz="1800" kern="1200">
         <a:solidFill>
           <a:schemeClr val="tx1"/>
@@ -45,7 +51,7 @@
         <a:cs typeface="+mn-cs"/>
       </a:defRPr>
     </a:lvl3pPr>
-    <a:lvl4pPr marL="1371600" algn="l" defTabSz="914400" rtl="0" eaLnBrk="1" latinLnBrk="0" hangingPunct="1">
+    <a:lvl4pPr marL="1371600" algn="l" defTabSz="457200" rtl="0" eaLnBrk="1" latinLnBrk="0" hangingPunct="1">
       <a:defRPr sz="1800" kern="1200">
         <a:solidFill>
           <a:schemeClr val="tx1"/>
@@ -55,7 +61,7 @@
         <a:cs typeface="+mn-cs"/>
       </a:defRPr>
     </a:lvl4pPr>
-    <a:lvl5pPr marL="1828800" algn="l" defTabSz="914400" rtl="0" eaLnBrk="1" latinLnBrk="0" hangingPunct="1">
+    <a:lvl5pPr marL="1828800" algn="l" defTabSz="457200" rtl="0" eaLnBrk="1" latinLnBrk="0" hangingPunct="1">
       <a:defRPr sz="1800" kern="1200">
         <a:solidFill>
           <a:schemeClr val="tx1"/>
@@ -65,7 +71,7 @@
         <a:cs typeface="+mn-cs"/>
       </a:defRPr>
     </a:lvl5pPr>
-    <a:lvl6pPr marL="2286000" algn="l" defTabSz="914400" rtl="0" eaLnBrk="1" latinLnBrk="0" hangingPunct="1">
+    <a:lvl6pPr marL="2286000" algn="l" defTabSz="457200" rtl="0" eaLnBrk="1" latinLnBrk="0" hangingPunct="1">
       <a:defRPr sz="1800" kern="1200">
         <a:solidFill>
           <a:schemeClr val="tx1"/>
@@ -75,7 +81,7 @@
         <a:cs typeface="+mn-cs"/>
       </a:defRPr>
     </a:lvl6pPr>
-    <a:lvl7pPr marL="2743200" algn="l" defTabSz="914400" rtl="0" eaLnBrk="1" latinLnBrk="0" hangingPunct="1">
+    <a:lvl7pPr marL="2743200" algn="l" defTabSz="457200" rtl="0" eaLnBrk="1" latinLnBrk="0" hangingPunct="1">
       <a:defRPr sz="1800" kern="1200">
         <a:solidFill>
           <a:schemeClr val="tx1"/>
@@ -85,7 +91,7 @@
         <a:cs typeface="+mn-cs"/>
       </a:defRPr>
     </a:lvl7pPr>
-    <a:lvl8pPr marL="3200400" algn="l" defTabSz="914400" rtl="0" eaLnBrk="1" latinLnBrk="0" hangingPunct="1">
+    <a:lvl8pPr marL="3200400" algn="l" defTabSz="457200" rtl="0" eaLnBrk="1" latinLnBrk="0" hangingPunct="1">
       <a:defRPr sz="1800" kern="1200">
         <a:solidFill>
           <a:schemeClr val="tx1"/>
@@ -95,7 +101,7 @@
         <a:cs typeface="+mn-cs"/>
       </a:defRPr>
     </a:lvl8pPr>
-    <a:lvl9pPr marL="3657600" algn="l" defTabSz="914400" rtl="0" eaLnBrk="1" latinLnBrk="0" hangingPunct="1">
+    <a:lvl9pPr marL="3657600" algn="l" defTabSz="457200" rtl="0" eaLnBrk="1" latinLnBrk="0" hangingPunct="1">
       <a:defRPr sz="1800" kern="1200">
         <a:solidFill>
           <a:schemeClr val="tx1"/>
@@ -106,11 +112,16 @@
       </a:defRPr>
     </a:lvl9pPr>
   </p:defaultTextStyle>
+  <p:extLst>
+    <p:ext uri="{EFAFB233-063F-42B5-8137-9DF3F51BA10A}">
+      <p15:sldGuideLst xmlns:p15="http://schemas.microsoft.com/office/powerpoint/2012/main"/>
+    </p:ext>
+  </p:extLst>
 </p:presentation>
 </file>
 
 <file path=ppt/slideLayouts/slideLayout1.xml><?xml version="1.0" encoding="utf-8"?>
-<p:sldLayout xmlns:a="http://schemas.openxmlformats.org/drawingml/2006/main" xmlns:r="http://schemas.openxmlformats.org/officeDocument/2006/relationships" xmlns:p="http://schemas.openxmlformats.org/presentationml/2006/main" type="title" preserve="1">
+<p:sldLayout xmlns:a="http://schemas.openxmlformats.org/drawingml/2006/main" xmlns:r="http://schemas.openxmlformats.org/officeDocument/2006/relationships" xmlns:p="http://schemas.openxmlformats.org/presentationml/2006/main" showMasterSp="0" type="title" preserve="1">
   <p:cSld name="Title Slide">
     <p:spTree>
       <p:nvGrpSpPr>
@@ -128,31 +139,291 @@
       </p:grpSpPr>
       <p:sp>
         <p:nvSpPr>
-          <p:cNvPr id="2" name="Title 1">
-            <a:extLst>
-              <a:ext uri="{FF2B5EF4-FFF2-40B4-BE49-F238E27FC236}">
-                <a16:creationId xmlns:a16="http://schemas.microsoft.com/office/drawing/2014/main" id="{00F0B902-8161-4CC8-9BB3-8745BF447AA7}"/>
-              </a:ext>
-            </a:extLst>
-          </p:cNvPr>
-          <p:cNvSpPr>
-            <a:spLocks noGrp="1"/>
-          </p:cNvSpPr>
-          <p:nvPr>
-            <p:ph type="ctrTitle"/>
-          </p:nvPr>
+          <p:cNvPr id="7" name="Rectangle 6"/>
+          <p:cNvSpPr/>
+          <p:nvPr/>
         </p:nvSpPr>
         <p:spPr>
           <a:xfrm>
-            <a:off x="1524000" y="1122363"/>
-            <a:ext cx="9144000" cy="2387600"/>
+            <a:off x="920834" y="1346946"/>
+            <a:ext cx="10222992" cy="80683"/>
+          </a:xfrm>
+          <a:prstGeom prst="rect">
+            <a:avLst/>
+          </a:prstGeom>
+          <a:blipFill dpi="0" rotWithShape="1">
+            <a:blip r:embed="rId2">
+              <a:alphaModFix amt="83000"/>
+              <a:lum bright="70000" contrast="-70000"/>
+              <a:extLst>
+                <a:ext uri="{BEBA8EAE-BF5A-486C-A8C5-ECC9F3942E4B}">
+                  <a14:imgProps xmlns:a14="http://schemas.microsoft.com/office/drawing/2010/main">
+                    <a14:imgLayer r:embed="rId3">
+                      <a14:imgEffect>
+                        <a14:sharpenSoften amount="61000"/>
+                      </a14:imgEffect>
+                    </a14:imgLayer>
+                  </a14:imgProps>
+                </a:ext>
+                <a:ext uri="{28A0092B-C50C-407E-A947-70E740481C1C}">
+                  <a14:useLocalDpi xmlns:a14="http://schemas.microsoft.com/office/drawing/2010/main" val="0"/>
+                </a:ext>
+              </a:extLst>
+            </a:blip>
+            <a:srcRect/>
+            <a:tile tx="0" ty="-762000" sx="92000" sy="89000" flip="xy" algn="ctr"/>
+          </a:blipFill>
+          <a:ln>
+            <a:noFill/>
+          </a:ln>
+        </p:spPr>
+        <p:style>
+          <a:lnRef idx="2">
+            <a:schemeClr val="accent1">
+              <a:shade val="50000"/>
+            </a:schemeClr>
+          </a:lnRef>
+          <a:fillRef idx="1">
+            <a:schemeClr val="accent1"/>
+          </a:fillRef>
+          <a:effectRef idx="0">
+            <a:schemeClr val="accent1"/>
+          </a:effectRef>
+          <a:fontRef idx="minor">
+            <a:schemeClr val="lt1"/>
+          </a:fontRef>
+        </p:style>
+      </p:sp>
+      <p:sp>
+        <p:nvSpPr>
+          <p:cNvPr id="8" name="Rectangle 7"/>
+          <p:cNvSpPr/>
+          <p:nvPr/>
+        </p:nvSpPr>
+        <p:spPr>
+          <a:xfrm>
+            <a:off x="920834" y="4299696"/>
+            <a:ext cx="10222992" cy="80683"/>
+          </a:xfrm>
+          <a:prstGeom prst="rect">
+            <a:avLst/>
+          </a:prstGeom>
+          <a:blipFill dpi="0" rotWithShape="1">
+            <a:blip r:embed="rId2">
+              <a:alphaModFix amt="83000"/>
+              <a:lum bright="70000" contrast="-70000"/>
+              <a:extLst>
+                <a:ext uri="{BEBA8EAE-BF5A-486C-A8C5-ECC9F3942E4B}">
+                  <a14:imgProps xmlns:a14="http://schemas.microsoft.com/office/drawing/2010/main">
+                    <a14:imgLayer r:embed="rId3">
+                      <a14:imgEffect>
+                        <a14:sharpenSoften amount="61000"/>
+                      </a14:imgEffect>
+                    </a14:imgLayer>
+                  </a14:imgProps>
+                </a:ext>
+                <a:ext uri="{28A0092B-C50C-407E-A947-70E740481C1C}">
+                  <a14:useLocalDpi xmlns:a14="http://schemas.microsoft.com/office/drawing/2010/main" val="0"/>
+                </a:ext>
+              </a:extLst>
+            </a:blip>
+            <a:srcRect/>
+            <a:tile tx="0" ty="-717550" sx="92000" sy="89000" flip="xy" algn="ctr"/>
+          </a:blipFill>
+          <a:ln>
+            <a:noFill/>
+          </a:ln>
+        </p:spPr>
+        <p:style>
+          <a:lnRef idx="2">
+            <a:schemeClr val="accent1">
+              <a:shade val="50000"/>
+            </a:schemeClr>
+          </a:lnRef>
+          <a:fillRef idx="1">
+            <a:schemeClr val="accent1"/>
+          </a:fillRef>
+          <a:effectRef idx="0">
+            <a:schemeClr val="accent1"/>
+          </a:effectRef>
+          <a:fontRef idx="minor">
+            <a:schemeClr val="lt1"/>
+          </a:fontRef>
+        </p:style>
+      </p:sp>
+      <p:sp>
+        <p:nvSpPr>
+          <p:cNvPr id="9" name="Rectangle 8"/>
+          <p:cNvSpPr/>
+          <p:nvPr/>
+        </p:nvSpPr>
+        <p:spPr>
+          <a:xfrm>
+            <a:off x="920834" y="1484779"/>
+            <a:ext cx="10222992" cy="2743200"/>
+          </a:xfrm>
+          <a:prstGeom prst="rect">
+            <a:avLst/>
+          </a:prstGeom>
+          <a:blipFill dpi="0" rotWithShape="1">
+            <a:blip r:embed="rId2">
+              <a:alphaModFix amt="83000"/>
+              <a:lum bright="70000" contrast="-70000"/>
+              <a:extLst>
+                <a:ext uri="{BEBA8EAE-BF5A-486C-A8C5-ECC9F3942E4B}">
+                  <a14:imgProps xmlns:a14="http://schemas.microsoft.com/office/drawing/2010/main">
+                    <a14:imgLayer r:embed="rId3">
+                      <a14:imgEffect>
+                        <a14:sharpenSoften amount="61000"/>
+                      </a14:imgEffect>
+                    </a14:imgLayer>
+                  </a14:imgProps>
+                </a:ext>
+                <a:ext uri="{28A0092B-C50C-407E-A947-70E740481C1C}">
+                  <a14:useLocalDpi xmlns:a14="http://schemas.microsoft.com/office/drawing/2010/main" val="0"/>
+                </a:ext>
+              </a:extLst>
+            </a:blip>
+            <a:srcRect/>
+            <a:tile tx="0" ty="-704850" sx="92000" sy="89000" flip="xy" algn="ctr"/>
+          </a:blipFill>
+          <a:ln>
+            <a:noFill/>
+          </a:ln>
+        </p:spPr>
+        <p:style>
+          <a:lnRef idx="2">
+            <a:schemeClr val="accent1">
+              <a:shade val="50000"/>
+            </a:schemeClr>
+          </a:lnRef>
+          <a:fillRef idx="1">
+            <a:schemeClr val="accent1"/>
+          </a:fillRef>
+          <a:effectRef idx="0">
+            <a:schemeClr val="accent1"/>
+          </a:effectRef>
+          <a:fontRef idx="minor">
+            <a:schemeClr val="lt1"/>
+          </a:fontRef>
+        </p:style>
+      </p:sp>
+      <p:grpSp>
+        <p:nvGrpSpPr>
+          <p:cNvPr id="10" name="Group 9"/>
+          <p:cNvGrpSpPr/>
+          <p:nvPr/>
+        </p:nvGrpSpPr>
+        <p:grpSpPr>
+          <a:xfrm>
+            <a:off x="9649215" y="4068923"/>
+            <a:ext cx="1080904" cy="1080902"/>
+            <a:chOff x="9685338" y="4460675"/>
+            <a:chExt cx="1080904" cy="1080902"/>
+          </a:xfrm>
+        </p:grpSpPr>
+        <p:sp>
+          <p:nvSpPr>
+            <p:cNvPr id="11" name="Oval 10"/>
+            <p:cNvSpPr/>
+            <p:nvPr/>
+          </p:nvSpPr>
+          <p:spPr>
+            <a:xfrm>
+              <a:off x="9685338" y="4460675"/>
+              <a:ext cx="1080904" cy="1080902"/>
+            </a:xfrm>
+            <a:prstGeom prst="ellipse">
+              <a:avLst/>
+            </a:prstGeom>
+            <a:blipFill dpi="0" rotWithShape="1">
+              <a:blip r:embed="rId4">
+                <a:duotone>
+                  <a:schemeClr val="accent1">
+                    <a:shade val="45000"/>
+                    <a:satMod val="135000"/>
+                  </a:schemeClr>
+                  <a:prstClr val="white"/>
+                </a:duotone>
+                <a:extLst>
+                  <a:ext uri="{BEBA8EAE-BF5A-486C-A8C5-ECC9F3942E4B}">
+                    <a14:imgProps xmlns:a14="http://schemas.microsoft.com/office/drawing/2010/main">
+                      <a14:imgLayer r:embed="rId5">
+                        <a14:imgEffect>
+                          <a14:saturation sat="95000"/>
+                        </a14:imgEffect>
+                      </a14:imgLayer>
+                    </a14:imgProps>
+                  </a:ext>
+                </a:extLst>
+              </a:blip>
+              <a:srcRect/>
+              <a:tile tx="0" ty="0" sx="85000" sy="85000" flip="none" algn="tl"/>
+            </a:blipFill>
+            <a:ln w="25400" cap="flat" cmpd="sng" algn="ctr">
+              <a:noFill/>
+              <a:prstDash val="solid"/>
+            </a:ln>
+            <a:effectLst/>
+          </p:spPr>
+        </p:sp>
+        <p:sp>
+          <p:nvSpPr>
+            <p:cNvPr id="12" name="Oval 11"/>
+            <p:cNvSpPr/>
+            <p:nvPr/>
+          </p:nvSpPr>
+          <p:spPr>
+            <a:xfrm>
+              <a:off x="9793429" y="4568765"/>
+              <a:ext cx="864723" cy="864722"/>
+            </a:xfrm>
+            <a:prstGeom prst="ellipse">
+              <a:avLst/>
+            </a:prstGeom>
+            <a:noFill/>
+            <a:ln w="25400" cap="flat" cmpd="sng" algn="ctr">
+              <a:solidFill>
+                <a:sysClr val="window" lastClr="FFFFFF"/>
+              </a:solidFill>
+              <a:prstDash val="solid"/>
+            </a:ln>
+            <a:effectLst/>
+          </p:spPr>
+        </p:sp>
+      </p:grpSp>
+      <p:sp>
+        <p:nvSpPr>
+          <p:cNvPr id="2" name="Title 1"/>
+          <p:cNvSpPr>
+            <a:spLocks noGrp="1"/>
+          </p:cNvSpPr>
+          <p:nvPr>
+            <p:ph type="ctrTitle"/>
+          </p:nvPr>
+        </p:nvSpPr>
+        <p:spPr>
+          <a:xfrm>
+            <a:off x="1051560" y="1432223"/>
+            <a:ext cx="9966960" cy="3035808"/>
           </a:xfrm>
         </p:spPr>
         <p:txBody>
-          <a:bodyPr anchor="b"/>
+          <a:bodyPr anchor="ctr">
+            <a:noAutofit/>
+          </a:bodyPr>
           <a:lstStyle>
-            <a:lvl1pPr algn="ctr">
-              <a:defRPr sz="6000"/>
+            <a:lvl1pPr algn="l">
+              <a:lnSpc>
+                <a:spcPct val="85000"/>
+              </a:lnSpc>
+              <a:defRPr sz="7200" b="1" cap="none" baseline="0">
+                <a:blipFill dpi="0" rotWithShape="1">
+                  <a:blip r:embed="rId4"/>
+                  <a:srcRect/>
+                  <a:tile tx="6350" ty="-127000" sx="65000" sy="64000" flip="none" algn="tl"/>
+                </a:blipFill>
+              </a:defRPr>
             </a:lvl1pPr>
           </a:lstStyle>
           <a:p>
@@ -160,18 +431,13 @@
               <a:rPr lang="en-US"/>
               <a:t>Click to edit Master title style</a:t>
             </a:r>
-          </a:p>
-        </p:txBody>
-      </p:sp>
-      <p:sp>
-        <p:nvSpPr>
-          <p:cNvPr id="3" name="Subtitle 2">
-            <a:extLst>
-              <a:ext uri="{FF2B5EF4-FFF2-40B4-BE49-F238E27FC236}">
-                <a16:creationId xmlns:a16="http://schemas.microsoft.com/office/drawing/2014/main" id="{B0C88A3D-6227-49B9-A050-D73502D055B1}"/>
-              </a:ext>
-            </a:extLst>
-          </p:cNvPr>
+            <a:endParaRPr lang="en-US" dirty="0"/>
+          </a:p>
+        </p:txBody>
+      </p:sp>
+      <p:sp>
+        <p:nvSpPr>
+          <p:cNvPr id="3" name="Subtitle 2"/>
           <p:cNvSpPr>
             <a:spLocks noGrp="1"/>
           </p:cNvSpPr>
@@ -181,132 +447,130 @@
         </p:nvSpPr>
         <p:spPr>
           <a:xfrm>
-            <a:off x="1524000" y="3602038"/>
-            <a:ext cx="9144000" cy="1655762"/>
+            <a:off x="1069848" y="4389120"/>
+            <a:ext cx="7891272" cy="1069848"/>
           </a:xfrm>
         </p:spPr>
         <p:txBody>
+          <a:bodyPr>
+            <a:normAutofit/>
+          </a:bodyPr>
+          <a:lstStyle>
+            <a:lvl1pPr marL="0" indent="0" algn="l">
+              <a:buNone/>
+              <a:defRPr sz="2200">
+                <a:solidFill>
+                  <a:schemeClr val="tx1"/>
+                </a:solidFill>
+              </a:defRPr>
+            </a:lvl1pPr>
+            <a:lvl2pPr marL="457200" indent="0" algn="ctr">
+              <a:buNone/>
+              <a:defRPr sz="2200"/>
+            </a:lvl2pPr>
+            <a:lvl3pPr marL="914400" indent="0" algn="ctr">
+              <a:buNone/>
+              <a:defRPr sz="2200"/>
+            </a:lvl3pPr>
+            <a:lvl4pPr marL="1371600" indent="0" algn="ctr">
+              <a:buNone/>
+              <a:defRPr sz="2000"/>
+            </a:lvl4pPr>
+            <a:lvl5pPr marL="1828800" indent="0" algn="ctr">
+              <a:buNone/>
+              <a:defRPr sz="2000"/>
+            </a:lvl5pPr>
+            <a:lvl6pPr marL="2286000" indent="0" algn="ctr">
+              <a:buNone/>
+              <a:defRPr sz="2000"/>
+            </a:lvl6pPr>
+            <a:lvl7pPr marL="2743200" indent="0" algn="ctr">
+              <a:buNone/>
+              <a:defRPr sz="2000"/>
+            </a:lvl7pPr>
+            <a:lvl8pPr marL="3200400" indent="0" algn="ctr">
+              <a:buNone/>
+              <a:defRPr sz="2000"/>
+            </a:lvl8pPr>
+            <a:lvl9pPr marL="3657600" indent="0" algn="ctr">
+              <a:buNone/>
+              <a:defRPr sz="2000"/>
+            </a:lvl9pPr>
+          </a:lstStyle>
+          <a:p>
+            <a:r>
+              <a:rPr lang="en-US"/>
+              <a:t>Click to edit Master subtitle style</a:t>
+            </a:r>
+            <a:endParaRPr lang="en-US" dirty="0"/>
+          </a:p>
+        </p:txBody>
+      </p:sp>
+      <p:sp>
+        <p:nvSpPr>
+          <p:cNvPr id="4" name="Date Placeholder 3"/>
+          <p:cNvSpPr>
+            <a:spLocks noGrp="1"/>
+          </p:cNvSpPr>
+          <p:nvPr>
+            <p:ph type="dt" sz="half" idx="10"/>
+          </p:nvPr>
+        </p:nvSpPr>
+        <p:spPr/>
+        <p:txBody>
+          <a:bodyPr/>
+          <a:lstStyle/>
+          <a:p>
+            <a:fld id="{C751E306-7163-4998-B8D2-ABA0A8BB88DE}" type="datetimeFigureOut">
+              <a:rPr lang="en-US" smtClean="0"/>
+              <a:t>2/18/2018</a:t>
+            </a:fld>
+            <a:endParaRPr lang="en-US"/>
+          </a:p>
+        </p:txBody>
+      </p:sp>
+      <p:sp>
+        <p:nvSpPr>
+          <p:cNvPr id="5" name="Footer Placeholder 4"/>
+          <p:cNvSpPr>
+            <a:spLocks noGrp="1"/>
+          </p:cNvSpPr>
+          <p:nvPr>
+            <p:ph type="ftr" sz="quarter" idx="11"/>
+          </p:nvPr>
+        </p:nvSpPr>
+        <p:spPr/>
+        <p:txBody>
+          <a:bodyPr/>
+          <a:lstStyle/>
+          <a:p>
+            <a:endParaRPr lang="en-US"/>
+          </a:p>
+        </p:txBody>
+      </p:sp>
+      <p:sp>
+        <p:nvSpPr>
+          <p:cNvPr id="6" name="Slide Number Placeholder 5"/>
+          <p:cNvSpPr>
+            <a:spLocks noGrp="1"/>
+          </p:cNvSpPr>
+          <p:nvPr>
+            <p:ph type="sldNum" sz="quarter" idx="12"/>
+          </p:nvPr>
+        </p:nvSpPr>
+        <p:spPr>
+          <a:xfrm>
+            <a:off x="9592733" y="4289334"/>
+            <a:ext cx="1193868" cy="640080"/>
+          </a:xfrm>
+        </p:spPr>
+        <p:txBody>
           <a:bodyPr/>
           <a:lstStyle>
-            <a:lvl1pPr marL="0" indent="0" algn="ctr">
-              <a:buNone/>
-              <a:defRPr sz="2400"/>
+            <a:lvl1pPr>
+              <a:defRPr sz="2800" b="1"/>
             </a:lvl1pPr>
-            <a:lvl2pPr marL="457200" indent="0" algn="ctr">
-              <a:buNone/>
-              <a:defRPr sz="2000"/>
-            </a:lvl2pPr>
-            <a:lvl3pPr marL="914400" indent="0" algn="ctr">
-              <a:buNone/>
-              <a:defRPr sz="1800"/>
-            </a:lvl3pPr>
-            <a:lvl4pPr marL="1371600" indent="0" algn="ctr">
-              <a:buNone/>
-              <a:defRPr sz="1600"/>
-            </a:lvl4pPr>
-            <a:lvl5pPr marL="1828800" indent="0" algn="ctr">
-              <a:buNone/>
-              <a:defRPr sz="1600"/>
-            </a:lvl5pPr>
-            <a:lvl6pPr marL="2286000" indent="0" algn="ctr">
-              <a:buNone/>
-              <a:defRPr sz="1600"/>
-            </a:lvl6pPr>
-            <a:lvl7pPr marL="2743200" indent="0" algn="ctr">
-              <a:buNone/>
-              <a:defRPr sz="1600"/>
-            </a:lvl7pPr>
-            <a:lvl8pPr marL="3200400" indent="0" algn="ctr">
-              <a:buNone/>
-              <a:defRPr sz="1600"/>
-            </a:lvl8pPr>
-            <a:lvl9pPr marL="3657600" indent="0" algn="ctr">
-              <a:buNone/>
-              <a:defRPr sz="1600"/>
-            </a:lvl9pPr>
           </a:lstStyle>
-          <a:p>
-            <a:r>
-              <a:rPr lang="en-US"/>
-              <a:t>Click to edit Master subtitle style</a:t>
-            </a:r>
-          </a:p>
-        </p:txBody>
-      </p:sp>
-      <p:sp>
-        <p:nvSpPr>
-          <p:cNvPr id="4" name="Date Placeholder 3">
-            <a:extLst>
-              <a:ext uri="{FF2B5EF4-FFF2-40B4-BE49-F238E27FC236}">
-                <a16:creationId xmlns:a16="http://schemas.microsoft.com/office/drawing/2014/main" id="{7A2E172B-957B-4649-939E-D998ADCC57F8}"/>
-              </a:ext>
-            </a:extLst>
-          </p:cNvPr>
-          <p:cNvSpPr>
-            <a:spLocks noGrp="1"/>
-          </p:cNvSpPr>
-          <p:nvPr>
-            <p:ph type="dt" sz="half" idx="10"/>
-          </p:nvPr>
-        </p:nvSpPr>
-        <p:spPr/>
-        <p:txBody>
-          <a:bodyPr/>
-          <a:lstStyle/>
-          <a:p>
-            <a:fld id="{C751E306-7163-4998-B8D2-ABA0A8BB88DE}" type="datetimeFigureOut">
-              <a:rPr lang="en-US" smtClean="0"/>
-              <a:t>2/14/2018</a:t>
-            </a:fld>
-            <a:endParaRPr lang="en-US"/>
-          </a:p>
-        </p:txBody>
-      </p:sp>
-      <p:sp>
-        <p:nvSpPr>
-          <p:cNvPr id="5" name="Footer Placeholder 4">
-            <a:extLst>
-              <a:ext uri="{FF2B5EF4-FFF2-40B4-BE49-F238E27FC236}">
-                <a16:creationId xmlns:a16="http://schemas.microsoft.com/office/drawing/2014/main" id="{43994F00-F76B-40BD-9F10-F0A8A444C1D8}"/>
-              </a:ext>
-            </a:extLst>
-          </p:cNvPr>
-          <p:cNvSpPr>
-            <a:spLocks noGrp="1"/>
-          </p:cNvSpPr>
-          <p:nvPr>
-            <p:ph type="ftr" sz="quarter" idx="11"/>
-          </p:nvPr>
-        </p:nvSpPr>
-        <p:spPr/>
-        <p:txBody>
-          <a:bodyPr/>
-          <a:lstStyle/>
-          <a:p>
-            <a:endParaRPr lang="en-US"/>
-          </a:p>
-        </p:txBody>
-      </p:sp>
-      <p:sp>
-        <p:nvSpPr>
-          <p:cNvPr id="6" name="Slide Number Placeholder 5">
-            <a:extLst>
-              <a:ext uri="{FF2B5EF4-FFF2-40B4-BE49-F238E27FC236}">
-                <a16:creationId xmlns:a16="http://schemas.microsoft.com/office/drawing/2014/main" id="{9FCCA39B-9511-407D-817C-5E74E9ABBF36}"/>
-              </a:ext>
-            </a:extLst>
-          </p:cNvPr>
-          <p:cNvSpPr>
-            <a:spLocks noGrp="1"/>
-          </p:cNvSpPr>
-          <p:nvPr>
-            <p:ph type="sldNum" sz="quarter" idx="12"/>
-          </p:nvPr>
-        </p:nvSpPr>
-        <p:spPr/>
-        <p:txBody>
-          <a:bodyPr/>
-          <a:lstStyle/>
           <a:p>
             <a:fld id="{C3F8840D-3609-45DC-8C59-3165533D1988}" type="slidenum">
               <a:rPr lang="en-US" smtClean="0"/>
@@ -319,13 +583,18 @@
     </p:spTree>
     <p:extLst>
       <p:ext uri="{BB962C8B-B14F-4D97-AF65-F5344CB8AC3E}">
-        <p14:creationId xmlns:p14="http://schemas.microsoft.com/office/powerpoint/2010/main" val="1900014075"/>
+        <p14:creationId xmlns:p14="http://schemas.microsoft.com/office/powerpoint/2010/main" val="939029060"/>
       </p:ext>
     </p:extLst>
   </p:cSld>
   <p:clrMapOvr>
     <a:masterClrMapping/>
   </p:clrMapOvr>
+  <p:extLst>
+    <p:ext uri="{DCECCB84-F9BA-43D5-87BE-67443E8EF086}">
+      <p15:sldGuideLst xmlns:p15="http://schemas.microsoft.com/office/powerpoint/2012/main"/>
+    </p:ext>
+  </p:extLst>
 </p:sldLayout>
 </file>
 
@@ -348,13 +617,7 @@
       </p:grpSpPr>
       <p:sp>
         <p:nvSpPr>
-          <p:cNvPr id="2" name="Title 1">
-            <a:extLst>
-              <a:ext uri="{FF2B5EF4-FFF2-40B4-BE49-F238E27FC236}">
-                <a16:creationId xmlns:a16="http://schemas.microsoft.com/office/drawing/2014/main" id="{C5039401-9875-4730-A624-6E864D0F760D}"/>
-              </a:ext>
-            </a:extLst>
-          </p:cNvPr>
+          <p:cNvPr id="2" name="Title 1"/>
           <p:cNvSpPr>
             <a:spLocks noGrp="1"/>
           </p:cNvSpPr>
@@ -371,18 +634,13 @@
               <a:rPr lang="en-US"/>
               <a:t>Click to edit Master title style</a:t>
             </a:r>
-          </a:p>
-        </p:txBody>
-      </p:sp>
-      <p:sp>
-        <p:nvSpPr>
-          <p:cNvPr id="3" name="Vertical Text Placeholder 2">
-            <a:extLst>
-              <a:ext uri="{FF2B5EF4-FFF2-40B4-BE49-F238E27FC236}">
-                <a16:creationId xmlns:a16="http://schemas.microsoft.com/office/drawing/2014/main" id="{001F3E6E-2F74-4FA2-8435-FE44E7DD0421}"/>
-              </a:ext>
-            </a:extLst>
-          </p:cNvPr>
+            <a:endParaRPr lang="en-US" dirty="0"/>
+          </a:p>
+        </p:txBody>
+      </p:sp>
+      <p:sp>
+        <p:nvSpPr>
+          <p:cNvPr id="3" name="Vertical Text Placeholder 2"/>
           <p:cNvSpPr>
             <a:spLocks noGrp="1"/>
           </p:cNvSpPr>
@@ -428,18 +686,13 @@
               <a:rPr lang="en-US"/>
               <a:t>Fifth level</a:t>
             </a:r>
-          </a:p>
-        </p:txBody>
-      </p:sp>
-      <p:sp>
-        <p:nvSpPr>
-          <p:cNvPr id="4" name="Date Placeholder 3">
-            <a:extLst>
-              <a:ext uri="{FF2B5EF4-FFF2-40B4-BE49-F238E27FC236}">
-                <a16:creationId xmlns:a16="http://schemas.microsoft.com/office/drawing/2014/main" id="{6FD5569A-9D3E-43BD-B2B0-B2C13B57C2BA}"/>
-              </a:ext>
-            </a:extLst>
-          </p:cNvPr>
+            <a:endParaRPr lang="en-US" dirty="0"/>
+          </a:p>
+        </p:txBody>
+      </p:sp>
+      <p:sp>
+        <p:nvSpPr>
+          <p:cNvPr id="4" name="Date Placeholder 3"/>
           <p:cNvSpPr>
             <a:spLocks noGrp="1"/>
           </p:cNvSpPr>
@@ -454,7 +707,7 @@
           <a:p>
             <a:fld id="{C751E306-7163-4998-B8D2-ABA0A8BB88DE}" type="datetimeFigureOut">
               <a:rPr lang="en-US" smtClean="0"/>
-              <a:t>2/14/2018</a:t>
+              <a:t>2/18/2018</a:t>
             </a:fld>
             <a:endParaRPr lang="en-US"/>
           </a:p>
@@ -462,13 +715,7 @@
       </p:sp>
       <p:sp>
         <p:nvSpPr>
-          <p:cNvPr id="5" name="Footer Placeholder 4">
-            <a:extLst>
-              <a:ext uri="{FF2B5EF4-FFF2-40B4-BE49-F238E27FC236}">
-                <a16:creationId xmlns:a16="http://schemas.microsoft.com/office/drawing/2014/main" id="{00FEFFD8-E125-4684-B580-1689734F8AF5}"/>
-              </a:ext>
-            </a:extLst>
-          </p:cNvPr>
+          <p:cNvPr id="5" name="Footer Placeholder 4"/>
           <p:cNvSpPr>
             <a:spLocks noGrp="1"/>
           </p:cNvSpPr>
@@ -487,13 +734,7 @@
       </p:sp>
       <p:sp>
         <p:nvSpPr>
-          <p:cNvPr id="6" name="Slide Number Placeholder 5">
-            <a:extLst>
-              <a:ext uri="{FF2B5EF4-FFF2-40B4-BE49-F238E27FC236}">
-                <a16:creationId xmlns:a16="http://schemas.microsoft.com/office/drawing/2014/main" id="{6C5DDEDD-2059-4933-8555-F68ED815E75F}"/>
-              </a:ext>
-            </a:extLst>
-          </p:cNvPr>
+          <p:cNvPr id="6" name="Slide Number Placeholder 5"/>
           <p:cNvSpPr>
             <a:spLocks noGrp="1"/>
           </p:cNvSpPr>
@@ -517,7 +758,7 @@
     </p:spTree>
     <p:extLst>
       <p:ext uri="{BB962C8B-B14F-4D97-AF65-F5344CB8AC3E}">
-        <p14:creationId xmlns:p14="http://schemas.microsoft.com/office/powerpoint/2010/main" val="3456033879"/>
+        <p14:creationId xmlns:p14="http://schemas.microsoft.com/office/powerpoint/2010/main" val="1403885727"/>
       </p:ext>
     </p:extLst>
   </p:cSld>
@@ -546,13 +787,7 @@
       </p:grpSpPr>
       <p:sp>
         <p:nvSpPr>
-          <p:cNvPr id="2" name="Vertical Title 1">
-            <a:extLst>
-              <a:ext uri="{FF2B5EF4-FFF2-40B4-BE49-F238E27FC236}">
-                <a16:creationId xmlns:a16="http://schemas.microsoft.com/office/drawing/2014/main" id="{DE4CF310-B15F-42B3-89C3-2AEA5BD05167}"/>
-              </a:ext>
-            </a:extLst>
-          </p:cNvPr>
+          <p:cNvPr id="2" name="Vertical Title 1"/>
           <p:cNvSpPr>
             <a:spLocks noGrp="1"/>
           </p:cNvSpPr>
@@ -562,8 +797,8 @@
         </p:nvSpPr>
         <p:spPr>
           <a:xfrm>
-            <a:off x="8724900" y="365125"/>
-            <a:ext cx="2628900" cy="5811838"/>
+            <a:off x="8724900" y="533400"/>
+            <a:ext cx="2552700" cy="5638800"/>
           </a:xfrm>
         </p:spPr>
         <p:txBody>
@@ -574,18 +809,13 @@
               <a:rPr lang="en-US"/>
               <a:t>Click to edit Master title style</a:t>
             </a:r>
-          </a:p>
-        </p:txBody>
-      </p:sp>
-      <p:sp>
-        <p:nvSpPr>
-          <p:cNvPr id="3" name="Vertical Text Placeholder 2">
-            <a:extLst>
-              <a:ext uri="{FF2B5EF4-FFF2-40B4-BE49-F238E27FC236}">
-                <a16:creationId xmlns:a16="http://schemas.microsoft.com/office/drawing/2014/main" id="{9D80D61A-AAAA-45B7-9937-518E5FEE0DDB}"/>
-              </a:ext>
-            </a:extLst>
-          </p:cNvPr>
+            <a:endParaRPr lang="en-US" dirty="0"/>
+          </a:p>
+        </p:txBody>
+      </p:sp>
+      <p:sp>
+        <p:nvSpPr>
+          <p:cNvPr id="3" name="Vertical Text Placeholder 2"/>
           <p:cNvSpPr>
             <a:spLocks noGrp="1"/>
           </p:cNvSpPr>
@@ -595,8 +825,8 @@
         </p:nvSpPr>
         <p:spPr>
           <a:xfrm>
-            <a:off x="838200" y="365125"/>
-            <a:ext cx="7734300" cy="5811838"/>
+            <a:off x="1066800" y="533400"/>
+            <a:ext cx="7505700" cy="5638800"/>
           </a:xfrm>
         </p:spPr>
         <p:txBody>
@@ -636,18 +866,13 @@
               <a:rPr lang="en-US"/>
               <a:t>Fifth level</a:t>
             </a:r>
-          </a:p>
-        </p:txBody>
-      </p:sp>
-      <p:sp>
-        <p:nvSpPr>
-          <p:cNvPr id="4" name="Date Placeholder 3">
-            <a:extLst>
-              <a:ext uri="{FF2B5EF4-FFF2-40B4-BE49-F238E27FC236}">
-                <a16:creationId xmlns:a16="http://schemas.microsoft.com/office/drawing/2014/main" id="{2C7D911E-9F04-4BC8-97AE-FC98CB3033A2}"/>
-              </a:ext>
-            </a:extLst>
-          </p:cNvPr>
+            <a:endParaRPr lang="en-US" dirty="0"/>
+          </a:p>
+        </p:txBody>
+      </p:sp>
+      <p:sp>
+        <p:nvSpPr>
+          <p:cNvPr id="4" name="Date Placeholder 3"/>
           <p:cNvSpPr>
             <a:spLocks noGrp="1"/>
           </p:cNvSpPr>
@@ -662,7 +887,7 @@
           <a:p>
             <a:fld id="{C751E306-7163-4998-B8D2-ABA0A8BB88DE}" type="datetimeFigureOut">
               <a:rPr lang="en-US" smtClean="0"/>
-              <a:t>2/14/2018</a:t>
+              <a:t>2/18/2018</a:t>
             </a:fld>
             <a:endParaRPr lang="en-US"/>
           </a:p>
@@ -670,13 +895,7 @@
       </p:sp>
       <p:sp>
         <p:nvSpPr>
-          <p:cNvPr id="5" name="Footer Placeholder 4">
-            <a:extLst>
-              <a:ext uri="{FF2B5EF4-FFF2-40B4-BE49-F238E27FC236}">
-                <a16:creationId xmlns:a16="http://schemas.microsoft.com/office/drawing/2014/main" id="{B1FE99FA-B365-4915-91FB-2D3D9F2B646C}"/>
-              </a:ext>
-            </a:extLst>
-          </p:cNvPr>
+          <p:cNvPr id="5" name="Footer Placeholder 4"/>
           <p:cNvSpPr>
             <a:spLocks noGrp="1"/>
           </p:cNvSpPr>
@@ -695,13 +914,7 @@
       </p:sp>
       <p:sp>
         <p:nvSpPr>
-          <p:cNvPr id="6" name="Slide Number Placeholder 5">
-            <a:extLst>
-              <a:ext uri="{FF2B5EF4-FFF2-40B4-BE49-F238E27FC236}">
-                <a16:creationId xmlns:a16="http://schemas.microsoft.com/office/drawing/2014/main" id="{326FF6BB-2AB7-4A5E-AE94-F254240A462C}"/>
-              </a:ext>
-            </a:extLst>
-          </p:cNvPr>
+          <p:cNvPr id="6" name="Slide Number Placeholder 5"/>
           <p:cNvSpPr>
             <a:spLocks noGrp="1"/>
           </p:cNvSpPr>
@@ -725,7 +938,7 @@
     </p:spTree>
     <p:extLst>
       <p:ext uri="{BB962C8B-B14F-4D97-AF65-F5344CB8AC3E}">
-        <p14:creationId xmlns:p14="http://schemas.microsoft.com/office/powerpoint/2010/main" val="2280492324"/>
+        <p14:creationId xmlns:p14="http://schemas.microsoft.com/office/powerpoint/2010/main" val="2406502465"/>
       </p:ext>
     </p:extLst>
   </p:cSld>
@@ -754,13 +967,7 @@
       </p:grpSpPr>
       <p:sp>
         <p:nvSpPr>
-          <p:cNvPr id="2" name="Title 1">
-            <a:extLst>
-              <a:ext uri="{FF2B5EF4-FFF2-40B4-BE49-F238E27FC236}">
-                <a16:creationId xmlns:a16="http://schemas.microsoft.com/office/drawing/2014/main" id="{FC0EE8EF-746E-4E66-8198-4E2FCD518803}"/>
-              </a:ext>
-            </a:extLst>
-          </p:cNvPr>
+          <p:cNvPr id="2" name="Title 1"/>
           <p:cNvSpPr>
             <a:spLocks noGrp="1"/>
           </p:cNvSpPr>
@@ -777,18 +984,13 @@
               <a:rPr lang="en-US"/>
               <a:t>Click to edit Master title style</a:t>
             </a:r>
-          </a:p>
-        </p:txBody>
-      </p:sp>
-      <p:sp>
-        <p:nvSpPr>
-          <p:cNvPr id="3" name="Content Placeholder 2">
-            <a:extLst>
-              <a:ext uri="{FF2B5EF4-FFF2-40B4-BE49-F238E27FC236}">
-                <a16:creationId xmlns:a16="http://schemas.microsoft.com/office/drawing/2014/main" id="{BB944E0B-2D47-44C7-BDCC-83BFBB263D0A}"/>
-              </a:ext>
-            </a:extLst>
-          </p:cNvPr>
+            <a:endParaRPr lang="en-US" dirty="0"/>
+          </a:p>
+        </p:txBody>
+      </p:sp>
+      <p:sp>
+        <p:nvSpPr>
+          <p:cNvPr id="3" name="Content Placeholder 2"/>
           <p:cNvSpPr>
             <a:spLocks noGrp="1"/>
           </p:cNvSpPr>
@@ -834,18 +1036,13 @@
               <a:rPr lang="en-US"/>
               <a:t>Fifth level</a:t>
             </a:r>
-          </a:p>
-        </p:txBody>
-      </p:sp>
-      <p:sp>
-        <p:nvSpPr>
-          <p:cNvPr id="4" name="Date Placeholder 3">
-            <a:extLst>
-              <a:ext uri="{FF2B5EF4-FFF2-40B4-BE49-F238E27FC236}">
-                <a16:creationId xmlns:a16="http://schemas.microsoft.com/office/drawing/2014/main" id="{9FF965D0-994A-4E2D-AA4B-8B911CA42A39}"/>
-              </a:ext>
-            </a:extLst>
-          </p:cNvPr>
+            <a:endParaRPr lang="en-US" dirty="0"/>
+          </a:p>
+        </p:txBody>
+      </p:sp>
+      <p:sp>
+        <p:nvSpPr>
+          <p:cNvPr id="4" name="Date Placeholder 3"/>
           <p:cNvSpPr>
             <a:spLocks noGrp="1"/>
           </p:cNvSpPr>
@@ -860,7 +1057,7 @@
           <a:p>
             <a:fld id="{C751E306-7163-4998-B8D2-ABA0A8BB88DE}" type="datetimeFigureOut">
               <a:rPr lang="en-US" smtClean="0"/>
-              <a:t>2/14/2018</a:t>
+              <a:t>2/18/2018</a:t>
             </a:fld>
             <a:endParaRPr lang="en-US"/>
           </a:p>
@@ -868,13 +1065,7 @@
       </p:sp>
       <p:sp>
         <p:nvSpPr>
-          <p:cNvPr id="5" name="Footer Placeholder 4">
-            <a:extLst>
-              <a:ext uri="{FF2B5EF4-FFF2-40B4-BE49-F238E27FC236}">
-                <a16:creationId xmlns:a16="http://schemas.microsoft.com/office/drawing/2014/main" id="{A206D096-5225-441A-B2D1-1213433A2028}"/>
-              </a:ext>
-            </a:extLst>
-          </p:cNvPr>
+          <p:cNvPr id="5" name="Footer Placeholder 4"/>
           <p:cNvSpPr>
             <a:spLocks noGrp="1"/>
           </p:cNvSpPr>
@@ -893,13 +1084,7 @@
       </p:sp>
       <p:sp>
         <p:nvSpPr>
-          <p:cNvPr id="6" name="Slide Number Placeholder 5">
-            <a:extLst>
-              <a:ext uri="{FF2B5EF4-FFF2-40B4-BE49-F238E27FC236}">
-                <a16:creationId xmlns:a16="http://schemas.microsoft.com/office/drawing/2014/main" id="{2E2B29FC-5C0C-4B97-8EBA-285723DD8E2F}"/>
-              </a:ext>
-            </a:extLst>
-          </p:cNvPr>
+          <p:cNvPr id="6" name="Slide Number Placeholder 5"/>
           <p:cNvSpPr>
             <a:spLocks noGrp="1"/>
           </p:cNvSpPr>
@@ -923,7 +1108,7 @@
     </p:spTree>
     <p:extLst>
       <p:ext uri="{BB962C8B-B14F-4D97-AF65-F5344CB8AC3E}">
-        <p14:creationId xmlns:p14="http://schemas.microsoft.com/office/powerpoint/2010/main" val="1400824524"/>
+        <p14:creationId xmlns:p14="http://schemas.microsoft.com/office/powerpoint/2010/main" val="1181483305"/>
       </p:ext>
     </p:extLst>
   </p:cSld>
@@ -934,7 +1119,7 @@
 </file>
 
 <file path=ppt/slideLayouts/slideLayout3.xml><?xml version="1.0" encoding="utf-8"?>
-<p:sldLayout xmlns:a="http://schemas.openxmlformats.org/drawingml/2006/main" xmlns:r="http://schemas.openxmlformats.org/officeDocument/2006/relationships" xmlns:p="http://schemas.openxmlformats.org/presentationml/2006/main" type="secHead" preserve="1">
+<p:sldLayout xmlns:a="http://schemas.openxmlformats.org/drawingml/2006/main" xmlns:r="http://schemas.openxmlformats.org/officeDocument/2006/relationships" xmlns:p="http://schemas.openxmlformats.org/presentationml/2006/main" showMasterSp="0" type="secHead" preserve="1">
   <p:cSld name="Section Header">
     <p:spTree>
       <p:nvGrpSpPr>
@@ -952,31 +1137,87 @@
       </p:grpSpPr>
       <p:sp>
         <p:nvSpPr>
-          <p:cNvPr id="2" name="Title 1">
-            <a:extLst>
-              <a:ext uri="{FF2B5EF4-FFF2-40B4-BE49-F238E27FC236}">
-                <a16:creationId xmlns:a16="http://schemas.microsoft.com/office/drawing/2014/main" id="{D081FF80-C474-481F-8AC4-506A11C46230}"/>
-              </a:ext>
-            </a:extLst>
-          </p:cNvPr>
-          <p:cNvSpPr>
-            <a:spLocks noGrp="1"/>
-          </p:cNvSpPr>
-          <p:nvPr>
-            <p:ph type="title"/>
-          </p:nvPr>
+          <p:cNvPr id="7" name="Rectangle 6"/>
+          <p:cNvSpPr/>
+          <p:nvPr/>
         </p:nvSpPr>
         <p:spPr>
           <a:xfrm>
-            <a:off x="831850" y="1709738"/>
-            <a:ext cx="10515600" cy="2852737"/>
+            <a:off x="0" y="4917989"/>
+            <a:ext cx="12192000" cy="1940010"/>
+          </a:xfrm>
+          <a:prstGeom prst="rect">
+            <a:avLst/>
+          </a:prstGeom>
+          <a:blipFill dpi="0" rotWithShape="1">
+            <a:blip r:embed="rId2">
+              <a:alphaModFix amt="83000"/>
+              <a:lum bright="70000" contrast="-70000"/>
+              <a:extLst>
+                <a:ext uri="{BEBA8EAE-BF5A-486C-A8C5-ECC9F3942E4B}">
+                  <a14:imgProps xmlns:a14="http://schemas.microsoft.com/office/drawing/2010/main">
+                    <a14:imgLayer r:embed="rId3">
+                      <a14:imgEffect>
+                        <a14:sharpenSoften amount="61000"/>
+                      </a14:imgEffect>
+                    </a14:imgLayer>
+                  </a14:imgProps>
+                </a:ext>
+                <a:ext uri="{28A0092B-C50C-407E-A947-70E740481C1C}">
+                  <a14:useLocalDpi xmlns:a14="http://schemas.microsoft.com/office/drawing/2010/main" val="0"/>
+                </a:ext>
+              </a:extLst>
+            </a:blip>
+            <a:srcRect/>
+            <a:tile tx="0" ty="-704850" sx="92000" sy="89000" flip="xy" algn="ctr"/>
+          </a:blipFill>
+          <a:ln>
+            <a:noFill/>
+          </a:ln>
+        </p:spPr>
+        <p:style>
+          <a:lnRef idx="2">
+            <a:schemeClr val="accent1">
+              <a:shade val="50000"/>
+            </a:schemeClr>
+          </a:lnRef>
+          <a:fillRef idx="1">
+            <a:schemeClr val="accent1"/>
+          </a:fillRef>
+          <a:effectRef idx="0">
+            <a:schemeClr val="accent1"/>
+          </a:effectRef>
+          <a:fontRef idx="minor">
+            <a:schemeClr val="lt1"/>
+          </a:fontRef>
+        </p:style>
+      </p:sp>
+      <p:sp>
+        <p:nvSpPr>
+          <p:cNvPr id="2" name="Title 1"/>
+          <p:cNvSpPr>
+            <a:spLocks noGrp="1"/>
+          </p:cNvSpPr>
+          <p:nvPr>
+            <p:ph type="title"/>
+          </p:nvPr>
+        </p:nvSpPr>
+        <p:spPr>
+          <a:xfrm>
+            <a:off x="2167128" y="1225296"/>
+            <a:ext cx="9281160" cy="3520440"/>
           </a:xfrm>
         </p:spPr>
         <p:txBody>
-          <a:bodyPr anchor="b"/>
+          <a:bodyPr anchor="ctr">
+            <a:normAutofit/>
+          </a:bodyPr>
           <a:lstStyle>
             <a:lvl1pPr>
-              <a:defRPr sz="6000"/>
+              <a:lnSpc>
+                <a:spcPct val="85000"/>
+              </a:lnSpc>
+              <a:defRPr sz="7200" b="1"/>
             </a:lvl1pPr>
           </a:lstStyle>
           <a:p>
@@ -984,18 +1225,13 @@
               <a:rPr lang="en-US"/>
               <a:t>Click to edit Master title style</a:t>
             </a:r>
-          </a:p>
-        </p:txBody>
-      </p:sp>
-      <p:sp>
-        <p:nvSpPr>
-          <p:cNvPr id="3" name="Text Placeholder 2">
-            <a:extLst>
-              <a:ext uri="{FF2B5EF4-FFF2-40B4-BE49-F238E27FC236}">
-                <a16:creationId xmlns:a16="http://schemas.microsoft.com/office/drawing/2014/main" id="{4D4AD483-7697-4EA2-9272-6437D08837B1}"/>
-              </a:ext>
-            </a:extLst>
-          </p:cNvPr>
+            <a:endParaRPr lang="en-US" dirty="0"/>
+          </a:p>
+        </p:txBody>
+      </p:sp>
+      <p:sp>
+        <p:nvSpPr>
+          <p:cNvPr id="3" name="Text Placeholder 2"/>
           <p:cNvSpPr>
             <a:spLocks noGrp="1"/>
           </p:cNvSpPr>
@@ -1005,26 +1241,26 @@
         </p:nvSpPr>
         <p:spPr>
           <a:xfrm>
-            <a:off x="831850" y="4589463"/>
-            <a:ext cx="10515600" cy="1500187"/>
+            <a:off x="2165774" y="5020056"/>
+            <a:ext cx="9052560" cy="1066800"/>
           </a:xfrm>
         </p:spPr>
         <p:txBody>
-          <a:bodyPr/>
+          <a:bodyPr anchor="t">
+            <a:normAutofit/>
+          </a:bodyPr>
           <a:lstStyle>
             <a:lvl1pPr marL="0" indent="0">
               <a:buNone/>
-              <a:defRPr sz="2400">
+              <a:defRPr sz="2000">
                 <a:solidFill>
-                  <a:schemeClr val="tx1">
-                    <a:tint val="75000"/>
-                  </a:schemeClr>
+                  <a:schemeClr val="tx1"/>
                 </a:solidFill>
               </a:defRPr>
             </a:lvl1pPr>
             <a:lvl2pPr marL="457200" indent="0">
               <a:buNone/>
-              <a:defRPr sz="2000">
+              <a:defRPr sz="1800">
                 <a:solidFill>
                   <a:schemeClr val="tx1">
                     <a:tint val="75000"/>
@@ -1034,7 +1270,7 @@
             </a:lvl2pPr>
             <a:lvl3pPr marL="914400" indent="0">
               <a:buNone/>
-              <a:defRPr sz="1800">
+              <a:defRPr sz="1600">
                 <a:solidFill>
                   <a:schemeClr val="tx1">
                     <a:tint val="75000"/>
@@ -1044,7 +1280,7 @@
             </a:lvl3pPr>
             <a:lvl4pPr marL="1371600" indent="0">
               <a:buNone/>
-              <a:defRPr sz="1600">
+              <a:defRPr sz="1400">
                 <a:solidFill>
                   <a:schemeClr val="tx1">
                     <a:tint val="75000"/>
@@ -1054,7 +1290,7 @@
             </a:lvl4pPr>
             <a:lvl5pPr marL="1828800" indent="0">
               <a:buNone/>
-              <a:defRPr sz="1600">
+              <a:defRPr sz="1400">
                 <a:solidFill>
                   <a:schemeClr val="tx1">
                     <a:tint val="75000"/>
@@ -1064,7 +1300,7 @@
             </a:lvl5pPr>
             <a:lvl6pPr marL="2286000" indent="0">
               <a:buNone/>
-              <a:defRPr sz="1600">
+              <a:defRPr sz="1400">
                 <a:solidFill>
                   <a:schemeClr val="tx1">
                     <a:tint val="75000"/>
@@ -1074,7 +1310,7 @@
             </a:lvl6pPr>
             <a:lvl7pPr marL="2743200" indent="0">
               <a:buNone/>
-              <a:defRPr sz="1600">
+              <a:defRPr sz="1400">
                 <a:solidFill>
                   <a:schemeClr val="tx1">
                     <a:tint val="75000"/>
@@ -1084,7 +1320,7 @@
             </a:lvl7pPr>
             <a:lvl8pPr marL="3200400" indent="0">
               <a:buNone/>
-              <a:defRPr sz="1600">
+              <a:defRPr sz="1400">
                 <a:solidFill>
                   <a:schemeClr val="tx1">
                     <a:tint val="75000"/>
@@ -1094,7 +1330,7 @@
             </a:lvl8pPr>
             <a:lvl9pPr marL="3657600" indent="0">
               <a:buNone/>
-              <a:defRPr sz="1600">
+              <a:defRPr sz="1400">
                 <a:solidFill>
                   <a:schemeClr val="tx1">
                     <a:tint val="75000"/>
@@ -1114,13 +1350,7 @@
       </p:sp>
       <p:sp>
         <p:nvSpPr>
-          <p:cNvPr id="4" name="Date Placeholder 3">
-            <a:extLst>
-              <a:ext uri="{FF2B5EF4-FFF2-40B4-BE49-F238E27FC236}">
-                <a16:creationId xmlns:a16="http://schemas.microsoft.com/office/drawing/2014/main" id="{6FF6ABD9-2CCB-433A-B963-63B3E6EA0904}"/>
-              </a:ext>
-            </a:extLst>
-          </p:cNvPr>
+          <p:cNvPr id="4" name="Date Placeholder 3"/>
           <p:cNvSpPr>
             <a:spLocks noGrp="1"/>
           </p:cNvSpPr>
@@ -1128,14 +1358,19 @@
             <p:ph type="dt" sz="half" idx="10"/>
           </p:nvPr>
         </p:nvSpPr>
-        <p:spPr/>
+        <p:spPr>
+          <a:xfrm>
+            <a:off x="8593667" y="6272784"/>
+            <a:ext cx="2644309" cy="365125"/>
+          </a:xfrm>
+        </p:spPr>
         <p:txBody>
           <a:bodyPr/>
           <a:lstStyle/>
           <a:p>
             <a:fld id="{C751E306-7163-4998-B8D2-ABA0A8BB88DE}" type="datetimeFigureOut">
               <a:rPr lang="en-US" smtClean="0"/>
-              <a:t>2/14/2018</a:t>
+              <a:t>2/18/2018</a:t>
             </a:fld>
             <a:endParaRPr lang="en-US"/>
           </a:p>
@@ -1143,13 +1378,7 @@
       </p:sp>
       <p:sp>
         <p:nvSpPr>
-          <p:cNvPr id="5" name="Footer Placeholder 4">
-            <a:extLst>
-              <a:ext uri="{FF2B5EF4-FFF2-40B4-BE49-F238E27FC236}">
-                <a16:creationId xmlns:a16="http://schemas.microsoft.com/office/drawing/2014/main" id="{E5D39C15-06C8-44F3-BD22-9E22462411C6}"/>
-              </a:ext>
-            </a:extLst>
-          </p:cNvPr>
+          <p:cNvPr id="5" name="Footer Placeholder 4"/>
           <p:cNvSpPr>
             <a:spLocks noGrp="1"/>
           </p:cNvSpPr>
@@ -1157,7 +1386,12 @@
             <p:ph type="ftr" sz="quarter" idx="11"/>
           </p:nvPr>
         </p:nvSpPr>
-        <p:spPr/>
+        <p:spPr>
+          <a:xfrm>
+            <a:off x="2182708" y="6272784"/>
+            <a:ext cx="6327648" cy="365125"/>
+          </a:xfrm>
+        </p:spPr>
         <p:txBody>
           <a:bodyPr/>
           <a:lstStyle/>
@@ -1166,15 +1400,93 @@
           </a:p>
         </p:txBody>
       </p:sp>
-      <p:sp>
-        <p:nvSpPr>
-          <p:cNvPr id="6" name="Slide Number Placeholder 5">
-            <a:extLst>
-              <a:ext uri="{FF2B5EF4-FFF2-40B4-BE49-F238E27FC236}">
-                <a16:creationId xmlns:a16="http://schemas.microsoft.com/office/drawing/2014/main" id="{AFDB98A8-8433-499F-8480-BB31B4CC1003}"/>
-              </a:ext>
-            </a:extLst>
-          </p:cNvPr>
+      <p:grpSp>
+        <p:nvGrpSpPr>
+          <p:cNvPr id="8" name="Group 7"/>
+          <p:cNvGrpSpPr/>
+          <p:nvPr/>
+        </p:nvGrpSpPr>
+        <p:grpSpPr>
+          <a:xfrm>
+            <a:off x="897399" y="2325848"/>
+            <a:ext cx="1080904" cy="1080902"/>
+            <a:chOff x="9685338" y="4460675"/>
+            <a:chExt cx="1080904" cy="1080902"/>
+          </a:xfrm>
+        </p:grpSpPr>
+        <p:sp>
+          <p:nvSpPr>
+            <p:cNvPr id="9" name="Oval 8"/>
+            <p:cNvSpPr/>
+            <p:nvPr/>
+          </p:nvSpPr>
+          <p:spPr>
+            <a:xfrm>
+              <a:off x="9685338" y="4460675"/>
+              <a:ext cx="1080904" cy="1080902"/>
+            </a:xfrm>
+            <a:prstGeom prst="ellipse">
+              <a:avLst/>
+            </a:prstGeom>
+            <a:blipFill dpi="0" rotWithShape="1">
+              <a:blip r:embed="rId4">
+                <a:duotone>
+                  <a:schemeClr val="accent1">
+                    <a:shade val="45000"/>
+                    <a:satMod val="135000"/>
+                  </a:schemeClr>
+                  <a:prstClr val="white"/>
+                </a:duotone>
+                <a:extLst>
+                  <a:ext uri="{BEBA8EAE-BF5A-486C-A8C5-ECC9F3942E4B}">
+                    <a14:imgProps xmlns:a14="http://schemas.microsoft.com/office/drawing/2010/main">
+                      <a14:imgLayer r:embed="rId5">
+                        <a14:imgEffect>
+                          <a14:saturation sat="95000"/>
+                        </a14:imgEffect>
+                      </a14:imgLayer>
+                    </a14:imgProps>
+                  </a:ext>
+                </a:extLst>
+              </a:blip>
+              <a:srcRect/>
+              <a:tile tx="0" ty="0" sx="85000" sy="85000" flip="none" algn="tl"/>
+            </a:blipFill>
+            <a:ln w="25400" cap="flat" cmpd="sng" algn="ctr">
+              <a:noFill/>
+              <a:prstDash val="solid"/>
+            </a:ln>
+            <a:effectLst/>
+          </p:spPr>
+        </p:sp>
+        <p:sp>
+          <p:nvSpPr>
+            <p:cNvPr id="10" name="Oval 9"/>
+            <p:cNvSpPr/>
+            <p:nvPr/>
+          </p:nvSpPr>
+          <p:spPr>
+            <a:xfrm>
+              <a:off x="9793429" y="4568765"/>
+              <a:ext cx="864723" cy="864722"/>
+            </a:xfrm>
+            <a:prstGeom prst="ellipse">
+              <a:avLst/>
+            </a:prstGeom>
+            <a:noFill/>
+            <a:ln w="25400" cap="flat" cmpd="sng" algn="ctr">
+              <a:solidFill>
+                <a:sysClr val="window" lastClr="FFFFFF"/>
+              </a:solidFill>
+              <a:prstDash val="solid"/>
+            </a:ln>
+            <a:effectLst/>
+          </p:spPr>
+        </p:sp>
+      </p:grpSp>
+      <p:sp>
+        <p:nvSpPr>
+          <p:cNvPr id="6" name="Slide Number Placeholder 5"/>
           <p:cNvSpPr>
             <a:spLocks noGrp="1"/>
           </p:cNvSpPr>
@@ -1182,10 +1494,19 @@
             <p:ph type="sldNum" sz="quarter" idx="12"/>
           </p:nvPr>
         </p:nvSpPr>
-        <p:spPr/>
+        <p:spPr>
+          <a:xfrm>
+            <a:off x="843702" y="2506133"/>
+            <a:ext cx="1188298" cy="720332"/>
+          </a:xfrm>
+        </p:spPr>
         <p:txBody>
           <a:bodyPr/>
-          <a:lstStyle/>
+          <a:lstStyle>
+            <a:lvl1pPr>
+              <a:defRPr sz="2800"/>
+            </a:lvl1pPr>
+          </a:lstStyle>
           <a:p>
             <a:fld id="{C3F8840D-3609-45DC-8C59-3165533D1988}" type="slidenum">
               <a:rPr lang="en-US" smtClean="0"/>
@@ -1198,7 +1519,7 @@
     </p:spTree>
     <p:extLst>
       <p:ext uri="{BB962C8B-B14F-4D97-AF65-F5344CB8AC3E}">
-        <p14:creationId xmlns:p14="http://schemas.microsoft.com/office/powerpoint/2010/main" val="2214933378"/>
+        <p14:creationId xmlns:p14="http://schemas.microsoft.com/office/powerpoint/2010/main" val="2873237804"/>
       </p:ext>
     </p:extLst>
   </p:cSld>
@@ -1227,13 +1548,7 @@
       </p:grpSpPr>
       <p:sp>
         <p:nvSpPr>
-          <p:cNvPr id="2" name="Title 1">
-            <a:extLst>
-              <a:ext uri="{FF2B5EF4-FFF2-40B4-BE49-F238E27FC236}">
-                <a16:creationId xmlns:a16="http://schemas.microsoft.com/office/drawing/2014/main" id="{D11C02FA-EABC-471D-A45F-EB280F9D491E}"/>
-              </a:ext>
-            </a:extLst>
-          </p:cNvPr>
+          <p:cNvPr id="2" name="Title 1"/>
           <p:cNvSpPr>
             <a:spLocks noGrp="1"/>
           </p:cNvSpPr>
@@ -1250,18 +1565,13 @@
               <a:rPr lang="en-US"/>
               <a:t>Click to edit Master title style</a:t>
             </a:r>
-          </a:p>
-        </p:txBody>
-      </p:sp>
-      <p:sp>
-        <p:nvSpPr>
-          <p:cNvPr id="3" name="Content Placeholder 2">
-            <a:extLst>
-              <a:ext uri="{FF2B5EF4-FFF2-40B4-BE49-F238E27FC236}">
-                <a16:creationId xmlns:a16="http://schemas.microsoft.com/office/drawing/2014/main" id="{5F221F78-D07C-4175-95BB-465F904F5BE8}"/>
-              </a:ext>
-            </a:extLst>
-          </p:cNvPr>
+            <a:endParaRPr lang="en-US" dirty="0"/>
+          </a:p>
+        </p:txBody>
+      </p:sp>
+      <p:sp>
+        <p:nvSpPr>
+          <p:cNvPr id="3" name="Content Placeholder 2"/>
           <p:cNvSpPr>
             <a:spLocks noGrp="1"/>
           </p:cNvSpPr>
@@ -1271,13 +1581,41 @@
         </p:nvSpPr>
         <p:spPr>
           <a:xfrm>
-            <a:off x="838200" y="1825625"/>
-            <a:ext cx="5181600" cy="4351338"/>
+            <a:off x="1069848" y="2194560"/>
+            <a:ext cx="4754880" cy="3977640"/>
           </a:xfrm>
         </p:spPr>
         <p:txBody>
           <a:bodyPr/>
-          <a:lstStyle/>
+          <a:lstStyle>
+            <a:lvl1pPr>
+              <a:defRPr sz="2000"/>
+            </a:lvl1pPr>
+            <a:lvl2pPr>
+              <a:defRPr sz="1800"/>
+            </a:lvl2pPr>
+            <a:lvl3pPr>
+              <a:defRPr sz="1600"/>
+            </a:lvl3pPr>
+            <a:lvl4pPr>
+              <a:defRPr sz="1600"/>
+            </a:lvl4pPr>
+            <a:lvl5pPr>
+              <a:defRPr sz="1600"/>
+            </a:lvl5pPr>
+            <a:lvl6pPr>
+              <a:defRPr sz="1600"/>
+            </a:lvl6pPr>
+            <a:lvl7pPr>
+              <a:defRPr sz="1600"/>
+            </a:lvl7pPr>
+            <a:lvl8pPr>
+              <a:defRPr sz="1600"/>
+            </a:lvl8pPr>
+            <a:lvl9pPr>
+              <a:defRPr sz="1600"/>
+            </a:lvl9pPr>
+          </a:lstStyle>
           <a:p>
             <a:pPr lvl="0"/>
             <a:r>
@@ -1312,18 +1650,13 @@
               <a:rPr lang="en-US"/>
               <a:t>Fifth level</a:t>
             </a:r>
-          </a:p>
-        </p:txBody>
-      </p:sp>
-      <p:sp>
-        <p:nvSpPr>
-          <p:cNvPr id="4" name="Content Placeholder 3">
-            <a:extLst>
-              <a:ext uri="{FF2B5EF4-FFF2-40B4-BE49-F238E27FC236}">
-                <a16:creationId xmlns:a16="http://schemas.microsoft.com/office/drawing/2014/main" id="{0275A164-1676-44BD-A7D1-2CD53A9085B9}"/>
-              </a:ext>
-            </a:extLst>
-          </p:cNvPr>
+            <a:endParaRPr lang="en-US" dirty="0"/>
+          </a:p>
+        </p:txBody>
+      </p:sp>
+      <p:sp>
+        <p:nvSpPr>
+          <p:cNvPr id="4" name="Content Placeholder 3"/>
           <p:cNvSpPr>
             <a:spLocks noGrp="1"/>
           </p:cNvSpPr>
@@ -1333,13 +1666,41 @@
         </p:nvSpPr>
         <p:spPr>
           <a:xfrm>
-            <a:off x="6172200" y="1825625"/>
-            <a:ext cx="5181600" cy="4351338"/>
+            <a:off x="6364224" y="2194560"/>
+            <a:ext cx="4754880" cy="3977640"/>
           </a:xfrm>
         </p:spPr>
         <p:txBody>
           <a:bodyPr/>
-          <a:lstStyle/>
+          <a:lstStyle>
+            <a:lvl1pPr>
+              <a:defRPr sz="2000"/>
+            </a:lvl1pPr>
+            <a:lvl2pPr>
+              <a:defRPr sz="1800"/>
+            </a:lvl2pPr>
+            <a:lvl3pPr>
+              <a:defRPr sz="1600"/>
+            </a:lvl3pPr>
+            <a:lvl4pPr>
+              <a:defRPr sz="1600"/>
+            </a:lvl4pPr>
+            <a:lvl5pPr>
+              <a:defRPr sz="1600"/>
+            </a:lvl5pPr>
+            <a:lvl6pPr>
+              <a:defRPr sz="1600"/>
+            </a:lvl6pPr>
+            <a:lvl7pPr>
+              <a:defRPr sz="1600"/>
+            </a:lvl7pPr>
+            <a:lvl8pPr>
+              <a:defRPr sz="1600"/>
+            </a:lvl8pPr>
+            <a:lvl9pPr>
+              <a:defRPr sz="1600"/>
+            </a:lvl9pPr>
+          </a:lstStyle>
           <a:p>
             <a:pPr lvl="0"/>
             <a:r>
@@ -1374,18 +1735,13 @@
               <a:rPr lang="en-US"/>
               <a:t>Fifth level</a:t>
             </a:r>
-          </a:p>
-        </p:txBody>
-      </p:sp>
-      <p:sp>
-        <p:nvSpPr>
-          <p:cNvPr id="5" name="Date Placeholder 4">
-            <a:extLst>
-              <a:ext uri="{FF2B5EF4-FFF2-40B4-BE49-F238E27FC236}">
-                <a16:creationId xmlns:a16="http://schemas.microsoft.com/office/drawing/2014/main" id="{F2925C71-5A46-4CED-A545-63D79EE6C5C8}"/>
-              </a:ext>
-            </a:extLst>
-          </p:cNvPr>
+            <a:endParaRPr lang="en-US" dirty="0"/>
+          </a:p>
+        </p:txBody>
+      </p:sp>
+      <p:sp>
+        <p:nvSpPr>
+          <p:cNvPr id="5" name="Date Placeholder 4"/>
           <p:cNvSpPr>
             <a:spLocks noGrp="1"/>
           </p:cNvSpPr>
@@ -1400,7 +1756,7 @@
           <a:p>
             <a:fld id="{C751E306-7163-4998-B8D2-ABA0A8BB88DE}" type="datetimeFigureOut">
               <a:rPr lang="en-US" smtClean="0"/>
-              <a:t>2/14/2018</a:t>
+              <a:t>2/18/2018</a:t>
             </a:fld>
             <a:endParaRPr lang="en-US"/>
           </a:p>
@@ -1408,13 +1764,7 @@
       </p:sp>
       <p:sp>
         <p:nvSpPr>
-          <p:cNvPr id="6" name="Footer Placeholder 5">
-            <a:extLst>
-              <a:ext uri="{FF2B5EF4-FFF2-40B4-BE49-F238E27FC236}">
-                <a16:creationId xmlns:a16="http://schemas.microsoft.com/office/drawing/2014/main" id="{1049D84A-41B9-488B-A0D8-346782652014}"/>
-              </a:ext>
-            </a:extLst>
-          </p:cNvPr>
+          <p:cNvPr id="6" name="Footer Placeholder 5"/>
           <p:cNvSpPr>
             <a:spLocks noGrp="1"/>
           </p:cNvSpPr>
@@ -1433,13 +1783,7 @@
       </p:sp>
       <p:sp>
         <p:nvSpPr>
-          <p:cNvPr id="7" name="Slide Number Placeholder 6">
-            <a:extLst>
-              <a:ext uri="{FF2B5EF4-FFF2-40B4-BE49-F238E27FC236}">
-                <a16:creationId xmlns:a16="http://schemas.microsoft.com/office/drawing/2014/main" id="{AD82B4B3-601A-4588-B284-13FC32FEC6E7}"/>
-              </a:ext>
-            </a:extLst>
-          </p:cNvPr>
+          <p:cNvPr id="7" name="Slide Number Placeholder 6"/>
           <p:cNvSpPr>
             <a:spLocks noGrp="1"/>
           </p:cNvSpPr>
@@ -1463,13 +1807,18 @@
     </p:spTree>
     <p:extLst>
       <p:ext uri="{BB962C8B-B14F-4D97-AF65-F5344CB8AC3E}">
-        <p14:creationId xmlns:p14="http://schemas.microsoft.com/office/powerpoint/2010/main" val="286415080"/>
+        <p14:creationId xmlns:p14="http://schemas.microsoft.com/office/powerpoint/2010/main" val="2012482048"/>
       </p:ext>
     </p:extLst>
   </p:cSld>
   <p:clrMapOvr>
     <a:masterClrMapping/>
   </p:clrMapOvr>
+  <p:extLst>
+    <p:ext uri="{DCECCB84-F9BA-43D5-87BE-67443E8EF086}">
+      <p15:sldGuideLst xmlns:p15="http://schemas.microsoft.com/office/powerpoint/2012/main"/>
+    </p:ext>
+  </p:extLst>
 </p:sldLayout>
 </file>
 
@@ -1492,65 +1841,57 @@
       </p:grpSpPr>
       <p:sp>
         <p:nvSpPr>
-          <p:cNvPr id="2" name="Title 1">
-            <a:extLst>
-              <a:ext uri="{FF2B5EF4-FFF2-40B4-BE49-F238E27FC236}">
-                <a16:creationId xmlns:a16="http://schemas.microsoft.com/office/drawing/2014/main" id="{2DE4ED5A-D50B-41D7-8658-32AD065ABEB8}"/>
-              </a:ext>
-            </a:extLst>
-          </p:cNvPr>
+          <p:cNvPr id="10" name="Title 9"/>
           <p:cNvSpPr>
             <a:spLocks noGrp="1"/>
           </p:cNvSpPr>
           <p:nvPr>
             <p:ph type="title"/>
+          </p:nvPr>
+        </p:nvSpPr>
+        <p:spPr/>
+        <p:txBody>
+          <a:bodyPr/>
+          <a:lstStyle/>
+          <a:p>
+            <a:r>
+              <a:rPr lang="en-US"/>
+              <a:t>Click to edit Master title style</a:t>
+            </a:r>
+            <a:endParaRPr lang="en-US" dirty="0"/>
+          </a:p>
+        </p:txBody>
+      </p:sp>
+      <p:sp>
+        <p:nvSpPr>
+          <p:cNvPr id="3" name="Text Placeholder 2"/>
+          <p:cNvSpPr>
+            <a:spLocks noGrp="1"/>
+          </p:cNvSpPr>
+          <p:nvPr>
+            <p:ph type="body" idx="1"/>
           </p:nvPr>
         </p:nvSpPr>
         <p:spPr>
           <a:xfrm>
-            <a:off x="839788" y="365125"/>
-            <a:ext cx="10515600" cy="1325563"/>
+            <a:off x="1066800" y="2048256"/>
+            <a:ext cx="4754880" cy="640080"/>
           </a:xfrm>
         </p:spPr>
         <p:txBody>
-          <a:bodyPr/>
-          <a:lstStyle/>
-          <a:p>
-            <a:r>
-              <a:rPr lang="en-US"/>
-              <a:t>Click to edit Master title style</a:t>
-            </a:r>
-          </a:p>
-        </p:txBody>
-      </p:sp>
-      <p:sp>
-        <p:nvSpPr>
-          <p:cNvPr id="3" name="Text Placeholder 2">
-            <a:extLst>
-              <a:ext uri="{FF2B5EF4-FFF2-40B4-BE49-F238E27FC236}">
-                <a16:creationId xmlns:a16="http://schemas.microsoft.com/office/drawing/2014/main" id="{3FA5AA60-9344-4133-AE6B-0A9BF98324A6}"/>
-              </a:ext>
-            </a:extLst>
-          </p:cNvPr>
-          <p:cNvSpPr>
-            <a:spLocks noGrp="1"/>
-          </p:cNvSpPr>
-          <p:nvPr>
-            <p:ph type="body" idx="1"/>
-          </p:nvPr>
-        </p:nvSpPr>
-        <p:spPr>
-          <a:xfrm>
-            <a:off x="839788" y="1681163"/>
-            <a:ext cx="5157787" cy="823912"/>
-          </a:xfrm>
-        </p:spPr>
-        <p:txBody>
-          <a:bodyPr anchor="b"/>
+          <a:bodyPr anchor="ctr">
+            <a:normAutofit/>
+          </a:bodyPr>
           <a:lstStyle>
             <a:lvl1pPr marL="0" indent="0">
               <a:buNone/>
-              <a:defRPr sz="2400" b="1"/>
+              <a:defRPr sz="2000" b="1">
+                <a:solidFill>
+                  <a:schemeClr val="accent1">
+                    <a:lumMod val="75000"/>
+                  </a:schemeClr>
+                </a:solidFill>
+              </a:defRPr>
             </a:lvl1pPr>
             <a:lvl2pPr marL="457200" indent="0">
               <a:buNone/>
@@ -1596,13 +1937,7 @@
       </p:sp>
       <p:sp>
         <p:nvSpPr>
-          <p:cNvPr id="4" name="Content Placeholder 3">
-            <a:extLst>
-              <a:ext uri="{FF2B5EF4-FFF2-40B4-BE49-F238E27FC236}">
-                <a16:creationId xmlns:a16="http://schemas.microsoft.com/office/drawing/2014/main" id="{CD08715A-A0A7-4172-95D9-0345C97BC397}"/>
-              </a:ext>
-            </a:extLst>
-          </p:cNvPr>
+          <p:cNvPr id="4" name="Content Placeholder 3"/>
           <p:cNvSpPr>
             <a:spLocks noGrp="1"/>
           </p:cNvSpPr>
@@ -1612,13 +1947,41 @@
         </p:nvSpPr>
         <p:spPr>
           <a:xfrm>
-            <a:off x="839788" y="2505075"/>
-            <a:ext cx="5157787" cy="3684588"/>
+            <a:off x="1069848" y="2743200"/>
+            <a:ext cx="4754880" cy="3291840"/>
           </a:xfrm>
         </p:spPr>
         <p:txBody>
           <a:bodyPr/>
-          <a:lstStyle/>
+          <a:lstStyle>
+            <a:lvl1pPr>
+              <a:defRPr sz="2000"/>
+            </a:lvl1pPr>
+            <a:lvl2pPr>
+              <a:defRPr sz="1800"/>
+            </a:lvl2pPr>
+            <a:lvl3pPr>
+              <a:defRPr sz="1600"/>
+            </a:lvl3pPr>
+            <a:lvl4pPr>
+              <a:defRPr sz="1600"/>
+            </a:lvl4pPr>
+            <a:lvl5pPr>
+              <a:defRPr sz="1600"/>
+            </a:lvl5pPr>
+            <a:lvl6pPr>
+              <a:defRPr sz="1600"/>
+            </a:lvl6pPr>
+            <a:lvl7pPr>
+              <a:defRPr sz="1600"/>
+            </a:lvl7pPr>
+            <a:lvl8pPr>
+              <a:defRPr sz="1600"/>
+            </a:lvl8pPr>
+            <a:lvl9pPr>
+              <a:defRPr sz="1600"/>
+            </a:lvl9pPr>
+          </a:lstStyle>
           <a:p>
             <a:pPr lvl="0"/>
             <a:r>
@@ -1653,18 +2016,13 @@
               <a:rPr lang="en-US"/>
               <a:t>Fifth level</a:t>
             </a:r>
-          </a:p>
-        </p:txBody>
-      </p:sp>
-      <p:sp>
-        <p:nvSpPr>
-          <p:cNvPr id="5" name="Text Placeholder 4">
-            <a:extLst>
-              <a:ext uri="{FF2B5EF4-FFF2-40B4-BE49-F238E27FC236}">
-                <a16:creationId xmlns:a16="http://schemas.microsoft.com/office/drawing/2014/main" id="{FB45F174-8985-4EE2-8D09-B0C5C4B096F5}"/>
-              </a:ext>
-            </a:extLst>
-          </p:cNvPr>
+            <a:endParaRPr lang="en-US" dirty="0"/>
+          </a:p>
+        </p:txBody>
+      </p:sp>
+      <p:sp>
+        <p:nvSpPr>
+          <p:cNvPr id="5" name="Text Placeholder 4"/>
           <p:cNvSpPr>
             <a:spLocks noGrp="1"/>
           </p:cNvSpPr>
@@ -1674,16 +2032,24 @@
         </p:nvSpPr>
         <p:spPr>
           <a:xfrm>
-            <a:off x="6172200" y="1681163"/>
-            <a:ext cx="5183188" cy="823912"/>
+            <a:off x="6364224" y="2048256"/>
+            <a:ext cx="4754880" cy="640080"/>
           </a:xfrm>
         </p:spPr>
         <p:txBody>
-          <a:bodyPr anchor="b"/>
+          <a:bodyPr anchor="ctr">
+            <a:normAutofit/>
+          </a:bodyPr>
           <a:lstStyle>
             <a:lvl1pPr marL="0" indent="0">
               <a:buNone/>
-              <a:defRPr sz="2400" b="1"/>
+              <a:defRPr sz="2000" b="1">
+                <a:solidFill>
+                  <a:schemeClr val="accent1">
+                    <a:lumMod val="75000"/>
+                  </a:schemeClr>
+                </a:solidFill>
+              </a:defRPr>
             </a:lvl1pPr>
             <a:lvl2pPr marL="457200" indent="0">
               <a:buNone/>
@@ -1729,13 +2095,7 @@
       </p:sp>
       <p:sp>
         <p:nvSpPr>
-          <p:cNvPr id="6" name="Content Placeholder 5">
-            <a:extLst>
-              <a:ext uri="{FF2B5EF4-FFF2-40B4-BE49-F238E27FC236}">
-                <a16:creationId xmlns:a16="http://schemas.microsoft.com/office/drawing/2014/main" id="{1BA18E51-3B2A-428B-A859-0BA045C39455}"/>
-              </a:ext>
-            </a:extLst>
-          </p:cNvPr>
+          <p:cNvPr id="6" name="Content Placeholder 5"/>
           <p:cNvSpPr>
             <a:spLocks noGrp="1"/>
           </p:cNvSpPr>
@@ -1745,13 +2105,41 @@
         </p:nvSpPr>
         <p:spPr>
           <a:xfrm>
-            <a:off x="6172200" y="2505075"/>
-            <a:ext cx="5183188" cy="3684588"/>
+            <a:off x="6364224" y="2743200"/>
+            <a:ext cx="4754880" cy="3291840"/>
           </a:xfrm>
         </p:spPr>
         <p:txBody>
           <a:bodyPr/>
-          <a:lstStyle/>
+          <a:lstStyle>
+            <a:lvl1pPr>
+              <a:defRPr sz="2000"/>
+            </a:lvl1pPr>
+            <a:lvl2pPr>
+              <a:defRPr sz="1800"/>
+            </a:lvl2pPr>
+            <a:lvl3pPr>
+              <a:defRPr sz="1600"/>
+            </a:lvl3pPr>
+            <a:lvl4pPr>
+              <a:defRPr sz="1600"/>
+            </a:lvl4pPr>
+            <a:lvl5pPr>
+              <a:defRPr sz="1600"/>
+            </a:lvl5pPr>
+            <a:lvl6pPr>
+              <a:defRPr sz="1600"/>
+            </a:lvl6pPr>
+            <a:lvl7pPr>
+              <a:defRPr sz="1600"/>
+            </a:lvl7pPr>
+            <a:lvl8pPr>
+              <a:defRPr sz="1600"/>
+            </a:lvl8pPr>
+            <a:lvl9pPr>
+              <a:defRPr sz="1600"/>
+            </a:lvl9pPr>
+          </a:lstStyle>
           <a:p>
             <a:pPr lvl="0"/>
             <a:r>
@@ -1786,18 +2174,13 @@
               <a:rPr lang="en-US"/>
               <a:t>Fifth level</a:t>
             </a:r>
-          </a:p>
-        </p:txBody>
-      </p:sp>
-      <p:sp>
-        <p:nvSpPr>
-          <p:cNvPr id="7" name="Date Placeholder 6">
-            <a:extLst>
-              <a:ext uri="{FF2B5EF4-FFF2-40B4-BE49-F238E27FC236}">
-                <a16:creationId xmlns:a16="http://schemas.microsoft.com/office/drawing/2014/main" id="{F20B2A34-EC9F-429B-B276-14B19FE2C3C3}"/>
-              </a:ext>
-            </a:extLst>
-          </p:cNvPr>
+            <a:endParaRPr lang="en-US" dirty="0"/>
+          </a:p>
+        </p:txBody>
+      </p:sp>
+      <p:sp>
+        <p:nvSpPr>
+          <p:cNvPr id="7" name="Date Placeholder 6"/>
           <p:cNvSpPr>
             <a:spLocks noGrp="1"/>
           </p:cNvSpPr>
@@ -1812,7 +2195,7 @@
           <a:p>
             <a:fld id="{C751E306-7163-4998-B8D2-ABA0A8BB88DE}" type="datetimeFigureOut">
               <a:rPr lang="en-US" smtClean="0"/>
-              <a:t>2/14/2018</a:t>
+              <a:t>2/18/2018</a:t>
             </a:fld>
             <a:endParaRPr lang="en-US"/>
           </a:p>
@@ -1820,13 +2203,7 @@
       </p:sp>
       <p:sp>
         <p:nvSpPr>
-          <p:cNvPr id="8" name="Footer Placeholder 7">
-            <a:extLst>
-              <a:ext uri="{FF2B5EF4-FFF2-40B4-BE49-F238E27FC236}">
-                <a16:creationId xmlns:a16="http://schemas.microsoft.com/office/drawing/2014/main" id="{691C53BE-3C72-4942-B93A-4DCEA4FA1F03}"/>
-              </a:ext>
-            </a:extLst>
-          </p:cNvPr>
+          <p:cNvPr id="8" name="Footer Placeholder 7"/>
           <p:cNvSpPr>
             <a:spLocks noGrp="1"/>
           </p:cNvSpPr>
@@ -1845,13 +2222,7 @@
       </p:sp>
       <p:sp>
         <p:nvSpPr>
-          <p:cNvPr id="9" name="Slide Number Placeholder 8">
-            <a:extLst>
-              <a:ext uri="{FF2B5EF4-FFF2-40B4-BE49-F238E27FC236}">
-                <a16:creationId xmlns:a16="http://schemas.microsoft.com/office/drawing/2014/main" id="{A72B8D6C-98A7-4B9B-A198-1DF1F6B8F976}"/>
-              </a:ext>
-            </a:extLst>
-          </p:cNvPr>
+          <p:cNvPr id="9" name="Slide Number Placeholder 8"/>
           <p:cNvSpPr>
             <a:spLocks noGrp="1"/>
           </p:cNvSpPr>
@@ -1875,13 +2246,18 @@
     </p:spTree>
     <p:extLst>
       <p:ext uri="{BB962C8B-B14F-4D97-AF65-F5344CB8AC3E}">
-        <p14:creationId xmlns:p14="http://schemas.microsoft.com/office/powerpoint/2010/main" val="3819582688"/>
+        <p14:creationId xmlns:p14="http://schemas.microsoft.com/office/powerpoint/2010/main" val="1453968955"/>
       </p:ext>
     </p:extLst>
   </p:cSld>
   <p:clrMapOvr>
     <a:masterClrMapping/>
   </p:clrMapOvr>
+  <p:extLst>
+    <p:ext uri="{DCECCB84-F9BA-43D5-87BE-67443E8EF086}">
+      <p15:sldGuideLst xmlns:p15="http://schemas.microsoft.com/office/powerpoint/2012/main"/>
+    </p:ext>
+  </p:extLst>
 </p:sldLayout>
 </file>
 
@@ -1904,13 +2280,7 @@
       </p:grpSpPr>
       <p:sp>
         <p:nvSpPr>
-          <p:cNvPr id="2" name="Title 1">
-            <a:extLst>
-              <a:ext uri="{FF2B5EF4-FFF2-40B4-BE49-F238E27FC236}">
-                <a16:creationId xmlns:a16="http://schemas.microsoft.com/office/drawing/2014/main" id="{71D9A27E-EEBD-47CA-8A9C-17C9C56F4F16}"/>
-              </a:ext>
-            </a:extLst>
-          </p:cNvPr>
+          <p:cNvPr id="6" name="Title 5"/>
           <p:cNvSpPr>
             <a:spLocks noGrp="1"/>
           </p:cNvSpPr>
@@ -1927,18 +2297,13 @@
               <a:rPr lang="en-US"/>
               <a:t>Click to edit Master title style</a:t>
             </a:r>
-          </a:p>
-        </p:txBody>
-      </p:sp>
-      <p:sp>
-        <p:nvSpPr>
-          <p:cNvPr id="3" name="Date Placeholder 2">
-            <a:extLst>
-              <a:ext uri="{FF2B5EF4-FFF2-40B4-BE49-F238E27FC236}">
-                <a16:creationId xmlns:a16="http://schemas.microsoft.com/office/drawing/2014/main" id="{56E6A6A5-034D-440D-A086-0D65318A99C1}"/>
-              </a:ext>
-            </a:extLst>
-          </p:cNvPr>
+            <a:endParaRPr lang="en-US" dirty="0"/>
+          </a:p>
+        </p:txBody>
+      </p:sp>
+      <p:sp>
+        <p:nvSpPr>
+          <p:cNvPr id="3" name="Date Placeholder 2"/>
           <p:cNvSpPr>
             <a:spLocks noGrp="1"/>
           </p:cNvSpPr>
@@ -1953,7 +2318,7 @@
           <a:p>
             <a:fld id="{C751E306-7163-4998-B8D2-ABA0A8BB88DE}" type="datetimeFigureOut">
               <a:rPr lang="en-US" smtClean="0"/>
-              <a:t>2/14/2018</a:t>
+              <a:t>2/18/2018</a:t>
             </a:fld>
             <a:endParaRPr lang="en-US"/>
           </a:p>
@@ -1961,13 +2326,7 @@
       </p:sp>
       <p:sp>
         <p:nvSpPr>
-          <p:cNvPr id="4" name="Footer Placeholder 3">
-            <a:extLst>
-              <a:ext uri="{FF2B5EF4-FFF2-40B4-BE49-F238E27FC236}">
-                <a16:creationId xmlns:a16="http://schemas.microsoft.com/office/drawing/2014/main" id="{1A1D0917-1F96-4F06-B0EC-7FB7E9A41062}"/>
-              </a:ext>
-            </a:extLst>
-          </p:cNvPr>
+          <p:cNvPr id="4" name="Footer Placeholder 3"/>
           <p:cNvSpPr>
             <a:spLocks noGrp="1"/>
           </p:cNvSpPr>
@@ -1986,13 +2345,7 @@
       </p:sp>
       <p:sp>
         <p:nvSpPr>
-          <p:cNvPr id="5" name="Slide Number Placeholder 4">
-            <a:extLst>
-              <a:ext uri="{FF2B5EF4-FFF2-40B4-BE49-F238E27FC236}">
-                <a16:creationId xmlns:a16="http://schemas.microsoft.com/office/drawing/2014/main" id="{C9FDBC7A-D249-42B0-A5A9-CEF3AF44B902}"/>
-              </a:ext>
-            </a:extLst>
-          </p:cNvPr>
+          <p:cNvPr id="5" name="Slide Number Placeholder 4"/>
           <p:cNvSpPr>
             <a:spLocks noGrp="1"/>
           </p:cNvSpPr>
@@ -2016,7 +2369,7 @@
     </p:spTree>
     <p:extLst>
       <p:ext uri="{BB962C8B-B14F-4D97-AF65-F5344CB8AC3E}">
-        <p14:creationId xmlns:p14="http://schemas.microsoft.com/office/powerpoint/2010/main" val="487420487"/>
+        <p14:creationId xmlns:p14="http://schemas.microsoft.com/office/powerpoint/2010/main" val="3171645156"/>
       </p:ext>
     </p:extLst>
   </p:cSld>
@@ -2045,13 +2398,7 @@
       </p:grpSpPr>
       <p:sp>
         <p:nvSpPr>
-          <p:cNvPr id="2" name="Date Placeholder 1">
-            <a:extLst>
-              <a:ext uri="{FF2B5EF4-FFF2-40B4-BE49-F238E27FC236}">
-                <a16:creationId xmlns:a16="http://schemas.microsoft.com/office/drawing/2014/main" id="{DE4CACC1-B5E6-4498-A265-43BE15431663}"/>
-              </a:ext>
-            </a:extLst>
-          </p:cNvPr>
+          <p:cNvPr id="2" name="Date Placeholder 1"/>
           <p:cNvSpPr>
             <a:spLocks noGrp="1"/>
           </p:cNvSpPr>
@@ -2066,7 +2413,7 @@
           <a:p>
             <a:fld id="{C751E306-7163-4998-B8D2-ABA0A8BB88DE}" type="datetimeFigureOut">
               <a:rPr lang="en-US" smtClean="0"/>
-              <a:t>2/14/2018</a:t>
+              <a:t>2/18/2018</a:t>
             </a:fld>
             <a:endParaRPr lang="en-US"/>
           </a:p>
@@ -2074,13 +2421,7 @@
       </p:sp>
       <p:sp>
         <p:nvSpPr>
-          <p:cNvPr id="3" name="Footer Placeholder 2">
-            <a:extLst>
-              <a:ext uri="{FF2B5EF4-FFF2-40B4-BE49-F238E27FC236}">
-                <a16:creationId xmlns:a16="http://schemas.microsoft.com/office/drawing/2014/main" id="{62DF2891-1B06-4459-9EF1-202AA2828A25}"/>
-              </a:ext>
-            </a:extLst>
-          </p:cNvPr>
+          <p:cNvPr id="3" name="Footer Placeholder 2"/>
           <p:cNvSpPr>
             <a:spLocks noGrp="1"/>
           </p:cNvSpPr>
@@ -2099,13 +2440,7 @@
       </p:sp>
       <p:sp>
         <p:nvSpPr>
-          <p:cNvPr id="4" name="Slide Number Placeholder 3">
-            <a:extLst>
-              <a:ext uri="{FF2B5EF4-FFF2-40B4-BE49-F238E27FC236}">
-                <a16:creationId xmlns:a16="http://schemas.microsoft.com/office/drawing/2014/main" id="{0DDB1CCE-AE6F-42BC-AAF1-B924E093ABD3}"/>
-              </a:ext>
-            </a:extLst>
-          </p:cNvPr>
+          <p:cNvPr id="4" name="Slide Number Placeholder 3"/>
           <p:cNvSpPr>
             <a:spLocks noGrp="1"/>
           </p:cNvSpPr>
@@ -2129,18 +2464,23 @@
     </p:spTree>
     <p:extLst>
       <p:ext uri="{BB962C8B-B14F-4D97-AF65-F5344CB8AC3E}">
-        <p14:creationId xmlns:p14="http://schemas.microsoft.com/office/powerpoint/2010/main" val="938503061"/>
+        <p14:creationId xmlns:p14="http://schemas.microsoft.com/office/powerpoint/2010/main" val="1814715510"/>
       </p:ext>
     </p:extLst>
   </p:cSld>
   <p:clrMapOvr>
     <a:masterClrMapping/>
   </p:clrMapOvr>
+  <p:extLst>
+    <p:ext uri="{DCECCB84-F9BA-43D5-87BE-67443E8EF086}">
+      <p15:sldGuideLst xmlns:p15="http://schemas.microsoft.com/office/powerpoint/2012/main"/>
+    </p:ext>
+  </p:extLst>
 </p:sldLayout>
 </file>
 
 <file path=ppt/slideLayouts/slideLayout8.xml><?xml version="1.0" encoding="utf-8"?>
-<p:sldLayout xmlns:a="http://schemas.openxmlformats.org/drawingml/2006/main" xmlns:r="http://schemas.openxmlformats.org/officeDocument/2006/relationships" xmlns:p="http://schemas.openxmlformats.org/presentationml/2006/main" type="objTx" preserve="1">
+<p:sldLayout xmlns:a="http://schemas.openxmlformats.org/drawingml/2006/main" xmlns:r="http://schemas.openxmlformats.org/officeDocument/2006/relationships" xmlns:p="http://schemas.openxmlformats.org/presentationml/2006/main" showMasterSp="0" type="objTx" preserve="1">
   <p:cSld name="Content with Caption">
     <p:spTree>
       <p:nvGrpSpPr>
@@ -2158,31 +2498,84 @@
       </p:grpSpPr>
       <p:sp>
         <p:nvSpPr>
-          <p:cNvPr id="2" name="Title 1">
-            <a:extLst>
-              <a:ext uri="{FF2B5EF4-FFF2-40B4-BE49-F238E27FC236}">
-                <a16:creationId xmlns:a16="http://schemas.microsoft.com/office/drawing/2014/main" id="{1AC0B1A4-C7BE-43AC-9B0D-D1A59485DF31}"/>
-              </a:ext>
-            </a:extLst>
-          </p:cNvPr>
-          <p:cNvSpPr>
-            <a:spLocks noGrp="1"/>
-          </p:cNvSpPr>
-          <p:nvPr>
-            <p:ph type="title"/>
-          </p:nvPr>
+          <p:cNvPr id="8" name="Rectangle 7"/>
+          <p:cNvSpPr/>
+          <p:nvPr/>
         </p:nvSpPr>
         <p:spPr>
           <a:xfrm>
-            <a:off x="839788" y="457200"/>
-            <a:ext cx="3932237" cy="1600200"/>
+            <a:off x="8303740" y="0"/>
+            <a:ext cx="3888259" cy="6857999"/>
+          </a:xfrm>
+          <a:prstGeom prst="rect">
+            <a:avLst/>
+          </a:prstGeom>
+          <a:blipFill dpi="0" rotWithShape="1">
+            <a:blip r:embed="rId2">
+              <a:alphaModFix amt="60000"/>
+              <a:lum bright="70000" contrast="-70000"/>
+              <a:extLst>
+                <a:ext uri="{BEBA8EAE-BF5A-486C-A8C5-ECC9F3942E4B}">
+                  <a14:imgProps xmlns:a14="http://schemas.microsoft.com/office/drawing/2010/main">
+                    <a14:imgLayer r:embed="rId3">
+                      <a14:imgEffect>
+                        <a14:sharpenSoften amount="61000"/>
+                      </a14:imgEffect>
+                    </a14:imgLayer>
+                  </a14:imgProps>
+                </a:ext>
+                <a:ext uri="{28A0092B-C50C-407E-A947-70E740481C1C}">
+                  <a14:useLocalDpi xmlns:a14="http://schemas.microsoft.com/office/drawing/2010/main" val="0"/>
+                </a:ext>
+              </a:extLst>
+            </a:blip>
+            <a:srcRect/>
+            <a:tile tx="0" ty="-704850" sx="92000" sy="89000" flip="xy" algn="ctr"/>
+          </a:blipFill>
+          <a:ln>
+            <a:noFill/>
+          </a:ln>
+        </p:spPr>
+        <p:style>
+          <a:lnRef idx="2">
+            <a:schemeClr val="accent1">
+              <a:shade val="50000"/>
+            </a:schemeClr>
+          </a:lnRef>
+          <a:fillRef idx="1">
+            <a:schemeClr val="accent1"/>
+          </a:fillRef>
+          <a:effectRef idx="0">
+            <a:schemeClr val="accent1"/>
+          </a:effectRef>
+          <a:fontRef idx="minor">
+            <a:schemeClr val="lt1"/>
+          </a:fontRef>
+        </p:style>
+      </p:sp>
+      <p:sp>
+        <p:nvSpPr>
+          <p:cNvPr id="2" name="Title 1"/>
+          <p:cNvSpPr>
+            <a:spLocks noGrp="1"/>
+          </p:cNvSpPr>
+          <p:nvPr>
+            <p:ph type="title"/>
+          </p:nvPr>
+        </p:nvSpPr>
+        <p:spPr>
+          <a:xfrm>
+            <a:off x="8549640" y="685800"/>
+            <a:ext cx="3200400" cy="1737360"/>
           </a:xfrm>
         </p:spPr>
         <p:txBody>
-          <a:bodyPr anchor="b"/>
+          <a:bodyPr anchor="b">
+            <a:normAutofit/>
+          </a:bodyPr>
           <a:lstStyle>
             <a:lvl1pPr>
-              <a:defRPr sz="3200"/>
+              <a:defRPr sz="3200" b="1"/>
             </a:lvl1pPr>
           </a:lstStyle>
           <a:p>
@@ -2190,18 +2583,13 @@
               <a:rPr lang="en-US"/>
               <a:t>Click to edit Master title style</a:t>
             </a:r>
-          </a:p>
-        </p:txBody>
-      </p:sp>
-      <p:sp>
-        <p:nvSpPr>
-          <p:cNvPr id="3" name="Content Placeholder 2">
-            <a:extLst>
-              <a:ext uri="{FF2B5EF4-FFF2-40B4-BE49-F238E27FC236}">
-                <a16:creationId xmlns:a16="http://schemas.microsoft.com/office/drawing/2014/main" id="{79F2C4FF-883D-4F11-937F-F158E68479CC}"/>
-              </a:ext>
-            </a:extLst>
-          </p:cNvPr>
+            <a:endParaRPr lang="en-US" dirty="0"/>
+          </a:p>
+        </p:txBody>
+      </p:sp>
+      <p:sp>
+        <p:nvSpPr>
+          <p:cNvPr id="3" name="Content Placeholder 2"/>
           <p:cNvSpPr>
             <a:spLocks noGrp="1"/>
           </p:cNvSpPr>
@@ -2211,39 +2599,39 @@
         </p:nvSpPr>
         <p:spPr>
           <a:xfrm>
-            <a:off x="5183188" y="987425"/>
-            <a:ext cx="6172200" cy="4873625"/>
+            <a:off x="838200" y="685800"/>
+            <a:ext cx="6711696" cy="5020056"/>
           </a:xfrm>
         </p:spPr>
         <p:txBody>
           <a:bodyPr/>
           <a:lstStyle>
             <a:lvl1pPr>
-              <a:defRPr sz="3200"/>
+              <a:defRPr sz="2000"/>
             </a:lvl1pPr>
             <a:lvl2pPr>
-              <a:defRPr sz="2800"/>
+              <a:defRPr sz="1800"/>
             </a:lvl2pPr>
             <a:lvl3pPr>
-              <a:defRPr sz="2400"/>
+              <a:defRPr sz="1600"/>
             </a:lvl3pPr>
             <a:lvl4pPr>
-              <a:defRPr sz="2000"/>
+              <a:defRPr sz="1600"/>
             </a:lvl4pPr>
             <a:lvl5pPr>
-              <a:defRPr sz="2000"/>
+              <a:defRPr sz="1600"/>
             </a:lvl5pPr>
             <a:lvl6pPr>
-              <a:defRPr sz="2000"/>
+              <a:defRPr sz="1600"/>
             </a:lvl6pPr>
             <a:lvl7pPr>
-              <a:defRPr sz="2000"/>
+              <a:defRPr sz="1600"/>
             </a:lvl7pPr>
             <a:lvl8pPr>
-              <a:defRPr sz="2000"/>
+              <a:defRPr sz="1600"/>
             </a:lvl8pPr>
             <a:lvl9pPr>
-              <a:defRPr sz="2000"/>
+              <a:defRPr sz="1600"/>
             </a:lvl9pPr>
           </a:lstStyle>
           <a:p>
@@ -2280,18 +2668,13 @@
               <a:rPr lang="en-US"/>
               <a:t>Fifth level</a:t>
             </a:r>
-          </a:p>
-        </p:txBody>
-      </p:sp>
-      <p:sp>
-        <p:nvSpPr>
-          <p:cNvPr id="4" name="Text Placeholder 3">
-            <a:extLst>
-              <a:ext uri="{FF2B5EF4-FFF2-40B4-BE49-F238E27FC236}">
-                <a16:creationId xmlns:a16="http://schemas.microsoft.com/office/drawing/2014/main" id="{485016ED-4E9F-49BD-B5AE-9DAA0503AB5F}"/>
-              </a:ext>
-            </a:extLst>
-          </p:cNvPr>
+            <a:endParaRPr lang="en-US" dirty="0"/>
+          </a:p>
+        </p:txBody>
+      </p:sp>
+      <p:sp>
+        <p:nvSpPr>
+          <p:cNvPr id="4" name="Text Placeholder 3"/>
           <p:cNvSpPr>
             <a:spLocks noGrp="1"/>
           </p:cNvSpPr>
@@ -2301,48 +2684,62 @@
         </p:nvSpPr>
         <p:spPr>
           <a:xfrm>
-            <a:off x="839788" y="2057400"/>
-            <a:ext cx="3932237" cy="3811588"/>
+            <a:off x="8549640" y="2423160"/>
+            <a:ext cx="3200400" cy="3291840"/>
           </a:xfrm>
         </p:spPr>
         <p:txBody>
-          <a:bodyPr/>
+          <a:bodyPr>
+            <a:normAutofit/>
+          </a:bodyPr>
           <a:lstStyle>
             <a:lvl1pPr marL="0" indent="0">
-              <a:buNone/>
-              <a:defRPr sz="1600"/>
+              <a:lnSpc>
+                <a:spcPct val="100000"/>
+              </a:lnSpc>
+              <a:spcBef>
+                <a:spcPts val="1000"/>
+              </a:spcBef>
+              <a:buNone/>
+              <a:defRPr sz="1400">
+                <a:solidFill>
+                  <a:schemeClr val="accent1">
+                    <a:lumMod val="50000"/>
+                  </a:schemeClr>
+                </a:solidFill>
+              </a:defRPr>
             </a:lvl1pPr>
             <a:lvl2pPr marL="457200" indent="0">
               <a:buNone/>
-              <a:defRPr sz="1400"/>
+              <a:defRPr sz="1200"/>
             </a:lvl2pPr>
             <a:lvl3pPr marL="914400" indent="0">
               <a:buNone/>
-              <a:defRPr sz="1200"/>
+              <a:defRPr sz="1000"/>
             </a:lvl3pPr>
             <a:lvl4pPr marL="1371600" indent="0">
               <a:buNone/>
-              <a:defRPr sz="1000"/>
+              <a:defRPr sz="900"/>
             </a:lvl4pPr>
             <a:lvl5pPr marL="1828800" indent="0">
               <a:buNone/>
-              <a:defRPr sz="1000"/>
+              <a:defRPr sz="900"/>
             </a:lvl5pPr>
             <a:lvl6pPr marL="2286000" indent="0">
               <a:buNone/>
-              <a:defRPr sz="1000"/>
+              <a:defRPr sz="900"/>
             </a:lvl6pPr>
             <a:lvl7pPr marL="2743200" indent="0">
               <a:buNone/>
-              <a:defRPr sz="1000"/>
+              <a:defRPr sz="900"/>
             </a:lvl7pPr>
             <a:lvl8pPr marL="3200400" indent="0">
               <a:buNone/>
-              <a:defRPr sz="1000"/>
+              <a:defRPr sz="900"/>
             </a:lvl8pPr>
             <a:lvl9pPr marL="3657600" indent="0">
               <a:buNone/>
-              <a:defRPr sz="1000"/>
+              <a:defRPr sz="900"/>
             </a:lvl9pPr>
           </a:lstStyle>
           <a:p>
@@ -2356,13 +2753,7 @@
       </p:sp>
       <p:sp>
         <p:nvSpPr>
-          <p:cNvPr id="5" name="Date Placeholder 4">
-            <a:extLst>
-              <a:ext uri="{FF2B5EF4-FFF2-40B4-BE49-F238E27FC236}">
-                <a16:creationId xmlns:a16="http://schemas.microsoft.com/office/drawing/2014/main" id="{E743B807-6D47-4E8B-86D4-90DBB1B49070}"/>
-              </a:ext>
-            </a:extLst>
-          </p:cNvPr>
+          <p:cNvPr id="5" name="Date Placeholder 4"/>
           <p:cNvSpPr>
             <a:spLocks noGrp="1"/>
           </p:cNvSpPr>
@@ -2377,7 +2768,7 @@
           <a:p>
             <a:fld id="{C751E306-7163-4998-B8D2-ABA0A8BB88DE}" type="datetimeFigureOut">
               <a:rPr lang="en-US" smtClean="0"/>
-              <a:t>2/14/2018</a:t>
+              <a:t>2/18/2018</a:t>
             </a:fld>
             <a:endParaRPr lang="en-US"/>
           </a:p>
@@ -2385,13 +2776,7 @@
       </p:sp>
       <p:sp>
         <p:nvSpPr>
-          <p:cNvPr id="6" name="Footer Placeholder 5">
-            <a:extLst>
-              <a:ext uri="{FF2B5EF4-FFF2-40B4-BE49-F238E27FC236}">
-                <a16:creationId xmlns:a16="http://schemas.microsoft.com/office/drawing/2014/main" id="{9BBB2D15-74F0-4449-AD22-B4950AFE55FF}"/>
-              </a:ext>
-            </a:extLst>
-          </p:cNvPr>
+          <p:cNvPr id="6" name="Footer Placeholder 5"/>
           <p:cNvSpPr>
             <a:spLocks noGrp="1"/>
           </p:cNvSpPr>
@@ -2408,15 +2793,98 @@
           </a:p>
         </p:txBody>
       </p:sp>
-      <p:sp>
-        <p:nvSpPr>
-          <p:cNvPr id="7" name="Slide Number Placeholder 6">
-            <a:extLst>
-              <a:ext uri="{FF2B5EF4-FFF2-40B4-BE49-F238E27FC236}">
-                <a16:creationId xmlns:a16="http://schemas.microsoft.com/office/drawing/2014/main" id="{FBBCFB9E-F175-4EE9-8983-81CE191E09A0}"/>
-              </a:ext>
-            </a:extLst>
-          </p:cNvPr>
+      <p:grpSp>
+        <p:nvGrpSpPr>
+          <p:cNvPr id="9" name="Group 8"/>
+          <p:cNvGrpSpPr>
+            <a:grpSpLocks noChangeAspect="1"/>
+          </p:cNvGrpSpPr>
+          <p:nvPr/>
+        </p:nvGrpSpPr>
+        <p:grpSpPr>
+          <a:xfrm>
+            <a:off x="11401725" y="6229681"/>
+            <a:ext cx="457200" cy="457200"/>
+            <a:chOff x="11361456" y="6195813"/>
+            <a:chExt cx="548640" cy="548640"/>
+          </a:xfrm>
+        </p:grpSpPr>
+        <p:sp>
+          <p:nvSpPr>
+            <p:cNvPr id="10" name="Oval 9"/>
+            <p:cNvSpPr/>
+            <p:nvPr/>
+          </p:nvSpPr>
+          <p:spPr>
+            <a:xfrm>
+              <a:off x="11361456" y="6195813"/>
+              <a:ext cx="548640" cy="548640"/>
+            </a:xfrm>
+            <a:prstGeom prst="ellipse">
+              <a:avLst/>
+            </a:prstGeom>
+            <a:blipFill dpi="0" rotWithShape="1">
+              <a:blip r:embed="rId4">
+                <a:duotone>
+                  <a:schemeClr val="accent1">
+                    <a:shade val="45000"/>
+                    <a:satMod val="135000"/>
+                  </a:schemeClr>
+                  <a:prstClr val="white"/>
+                </a:duotone>
+                <a:extLst>
+                  <a:ext uri="{BEBA8EAE-BF5A-486C-A8C5-ECC9F3942E4B}">
+                    <a14:imgProps xmlns:a14="http://schemas.microsoft.com/office/drawing/2010/main">
+                      <a14:imgLayer r:embed="rId5">
+                        <a14:imgEffect>
+                          <a14:saturation sat="95000"/>
+                        </a14:imgEffect>
+                        <a14:imgEffect>
+                          <a14:brightnessContrast bright="-40000" contrast="20000"/>
+                        </a14:imgEffect>
+                      </a14:imgLayer>
+                    </a14:imgProps>
+                  </a:ext>
+                </a:extLst>
+              </a:blip>
+              <a:srcRect/>
+              <a:tile tx="50800" ty="0" sx="85000" sy="85000" flip="none" algn="tl"/>
+            </a:blipFill>
+            <a:ln w="25400" cap="flat" cmpd="sng" algn="ctr">
+              <a:noFill/>
+              <a:prstDash val="solid"/>
+            </a:ln>
+            <a:effectLst/>
+          </p:spPr>
+        </p:sp>
+        <p:sp>
+          <p:nvSpPr>
+            <p:cNvPr id="11" name="Oval 10"/>
+            <p:cNvSpPr/>
+            <p:nvPr/>
+          </p:nvSpPr>
+          <p:spPr>
+            <a:xfrm>
+              <a:off x="11396488" y="6230844"/>
+              <a:ext cx="478576" cy="478578"/>
+            </a:xfrm>
+            <a:prstGeom prst="ellipse">
+              <a:avLst/>
+            </a:prstGeom>
+            <a:noFill/>
+            <a:ln w="12700" cap="flat" cmpd="sng" algn="ctr">
+              <a:solidFill>
+                <a:sysClr val="window" lastClr="FFFFFF"/>
+              </a:solidFill>
+              <a:prstDash val="solid"/>
+            </a:ln>
+            <a:effectLst/>
+          </p:spPr>
+        </p:sp>
+      </p:grpSp>
+      <p:sp>
+        <p:nvSpPr>
+          <p:cNvPr id="7" name="Slide Number Placeholder 6"/>
           <p:cNvSpPr>
             <a:spLocks noGrp="1"/>
           </p:cNvSpPr>
@@ -2440,18 +2908,23 @@
     </p:spTree>
     <p:extLst>
       <p:ext uri="{BB962C8B-B14F-4D97-AF65-F5344CB8AC3E}">
-        <p14:creationId xmlns:p14="http://schemas.microsoft.com/office/powerpoint/2010/main" val="1711477359"/>
+        <p14:creationId xmlns:p14="http://schemas.microsoft.com/office/powerpoint/2010/main" val="2473817994"/>
       </p:ext>
     </p:extLst>
   </p:cSld>
   <p:clrMapOvr>
     <a:masterClrMapping/>
   </p:clrMapOvr>
+  <p:extLst>
+    <p:ext uri="{DCECCB84-F9BA-43D5-87BE-67443E8EF086}">
+      <p15:sldGuideLst xmlns:p15="http://schemas.microsoft.com/office/powerpoint/2012/main"/>
+    </p:ext>
+  </p:extLst>
 </p:sldLayout>
 </file>
 
 <file path=ppt/slideLayouts/slideLayout9.xml><?xml version="1.0" encoding="utf-8"?>
-<p:sldLayout xmlns:a="http://schemas.openxmlformats.org/drawingml/2006/main" xmlns:r="http://schemas.openxmlformats.org/officeDocument/2006/relationships" xmlns:p="http://schemas.openxmlformats.org/presentationml/2006/main" type="picTx" preserve="1">
+<p:sldLayout xmlns:a="http://schemas.openxmlformats.org/drawingml/2006/main" xmlns:r="http://schemas.openxmlformats.org/officeDocument/2006/relationships" xmlns:p="http://schemas.openxmlformats.org/presentationml/2006/main" showMasterSp="0" type="picTx" preserve="1">
   <p:cSld name="Picture with Caption">
     <p:spTree>
       <p:nvGrpSpPr>
@@ -2469,31 +2942,84 @@
       </p:grpSpPr>
       <p:sp>
         <p:nvSpPr>
-          <p:cNvPr id="2" name="Title 1">
-            <a:extLst>
-              <a:ext uri="{FF2B5EF4-FFF2-40B4-BE49-F238E27FC236}">
-                <a16:creationId xmlns:a16="http://schemas.microsoft.com/office/drawing/2014/main" id="{93C9010A-69AA-45B9-B887-75A26D27B421}"/>
-              </a:ext>
-            </a:extLst>
-          </p:cNvPr>
-          <p:cNvSpPr>
-            <a:spLocks noGrp="1"/>
-          </p:cNvSpPr>
-          <p:nvPr>
-            <p:ph type="title"/>
-          </p:nvPr>
+          <p:cNvPr id="11" name="Rectangle 10"/>
+          <p:cNvSpPr/>
+          <p:nvPr/>
         </p:nvSpPr>
         <p:spPr>
           <a:xfrm>
-            <a:off x="839788" y="457200"/>
-            <a:ext cx="3932237" cy="1600200"/>
+            <a:off x="8303740" y="0"/>
+            <a:ext cx="3888259" cy="6857999"/>
+          </a:xfrm>
+          <a:prstGeom prst="rect">
+            <a:avLst/>
+          </a:prstGeom>
+          <a:blipFill dpi="0" rotWithShape="1">
+            <a:blip r:embed="rId2">
+              <a:alphaModFix amt="60000"/>
+              <a:lum bright="70000" contrast="-70000"/>
+              <a:extLst>
+                <a:ext uri="{BEBA8EAE-BF5A-486C-A8C5-ECC9F3942E4B}">
+                  <a14:imgProps xmlns:a14="http://schemas.microsoft.com/office/drawing/2010/main">
+                    <a14:imgLayer r:embed="rId3">
+                      <a14:imgEffect>
+                        <a14:sharpenSoften amount="61000"/>
+                      </a14:imgEffect>
+                    </a14:imgLayer>
+                  </a14:imgProps>
+                </a:ext>
+                <a:ext uri="{28A0092B-C50C-407E-A947-70E740481C1C}">
+                  <a14:useLocalDpi xmlns:a14="http://schemas.microsoft.com/office/drawing/2010/main" val="0"/>
+                </a:ext>
+              </a:extLst>
+            </a:blip>
+            <a:srcRect/>
+            <a:tile tx="0" ty="-704850" sx="92000" sy="89000" flip="xy" algn="ctr"/>
+          </a:blipFill>
+          <a:ln>
+            <a:noFill/>
+          </a:ln>
+        </p:spPr>
+        <p:style>
+          <a:lnRef idx="2">
+            <a:schemeClr val="accent1">
+              <a:shade val="50000"/>
+            </a:schemeClr>
+          </a:lnRef>
+          <a:fillRef idx="1">
+            <a:schemeClr val="accent1"/>
+          </a:fillRef>
+          <a:effectRef idx="0">
+            <a:schemeClr val="accent1"/>
+          </a:effectRef>
+          <a:fontRef idx="minor">
+            <a:schemeClr val="lt1"/>
+          </a:fontRef>
+        </p:style>
+      </p:sp>
+      <p:sp>
+        <p:nvSpPr>
+          <p:cNvPr id="2" name="Title 1"/>
+          <p:cNvSpPr>
+            <a:spLocks noGrp="1"/>
+          </p:cNvSpPr>
+          <p:nvPr>
+            <p:ph type="title"/>
+          </p:nvPr>
+        </p:nvSpPr>
+        <p:spPr>
+          <a:xfrm>
+            <a:off x="8549640" y="685800"/>
+            <a:ext cx="3200400" cy="1737360"/>
           </a:xfrm>
         </p:spPr>
         <p:txBody>
-          <a:bodyPr anchor="b"/>
+          <a:bodyPr anchor="b">
+            <a:normAutofit/>
+          </a:bodyPr>
           <a:lstStyle>
             <a:lvl1pPr>
-              <a:defRPr sz="3200"/>
+              <a:defRPr sz="3200" b="1"/>
             </a:lvl1pPr>
           </a:lstStyle>
           <a:p>
@@ -2501,20 +3027,15 @@
               <a:rPr lang="en-US"/>
               <a:t>Click to edit Master title style</a:t>
             </a:r>
-          </a:p>
-        </p:txBody>
-      </p:sp>
-      <p:sp>
-        <p:nvSpPr>
-          <p:cNvPr id="3" name="Picture Placeholder 2">
-            <a:extLst>
-              <a:ext uri="{FF2B5EF4-FFF2-40B4-BE49-F238E27FC236}">
-                <a16:creationId xmlns:a16="http://schemas.microsoft.com/office/drawing/2014/main" id="{A489BE1B-F494-40F3-8061-CD797DA9E5C8}"/>
-              </a:ext>
-            </a:extLst>
-          </p:cNvPr>
-          <p:cNvSpPr>
-            <a:spLocks noGrp="1"/>
+            <a:endParaRPr lang="en-US" dirty="0"/>
+          </a:p>
+        </p:txBody>
+      </p:sp>
+      <p:sp>
+        <p:nvSpPr>
+          <p:cNvPr id="3" name="Picture Placeholder 2"/>
+          <p:cNvSpPr>
+            <a:spLocks noGrp="1" noChangeAspect="1"/>
           </p:cNvSpPr>
           <p:nvPr>
             <p:ph type="pic" idx="1"/>
@@ -2522,12 +3043,18 @@
         </p:nvSpPr>
         <p:spPr>
           <a:xfrm>
-            <a:off x="5183188" y="987425"/>
-            <a:ext cx="6172200" cy="4873625"/>
+            <a:off x="0" y="0"/>
+            <a:ext cx="8303740" cy="6858000"/>
           </a:xfrm>
+          <a:solidFill>
+            <a:schemeClr val="tx2">
+              <a:lumMod val="20000"/>
+              <a:lumOff val="80000"/>
+            </a:schemeClr>
+          </a:solidFill>
         </p:spPr>
         <p:txBody>
-          <a:bodyPr/>
+          <a:bodyPr anchor="t"/>
           <a:lstStyle>
             <a:lvl1pPr marL="0" indent="0">
               <a:buNone/>
@@ -2567,19 +3094,17 @@
             </a:lvl9pPr>
           </a:lstStyle>
           <a:p>
-            <a:endParaRPr lang="en-US"/>
-          </a:p>
-        </p:txBody>
-      </p:sp>
-      <p:sp>
-        <p:nvSpPr>
-          <p:cNvPr id="4" name="Text Placeholder 3">
-            <a:extLst>
-              <a:ext uri="{FF2B5EF4-FFF2-40B4-BE49-F238E27FC236}">
-                <a16:creationId xmlns:a16="http://schemas.microsoft.com/office/drawing/2014/main" id="{29B05CFF-280D-46D3-B9FB-79474298A18E}"/>
-              </a:ext>
-            </a:extLst>
-          </p:cNvPr>
+            <a:r>
+              <a:rPr lang="en-US"/>
+              <a:t>Click icon to add picture</a:t>
+            </a:r>
+            <a:endParaRPr lang="en-US" dirty="0"/>
+          </a:p>
+        </p:txBody>
+      </p:sp>
+      <p:sp>
+        <p:nvSpPr>
+          <p:cNvPr id="4" name="Text Placeholder 3"/>
           <p:cNvSpPr>
             <a:spLocks noGrp="1"/>
           </p:cNvSpPr>
@@ -2589,48 +3114,62 @@
         </p:nvSpPr>
         <p:spPr>
           <a:xfrm>
-            <a:off x="839788" y="2057400"/>
-            <a:ext cx="3932237" cy="3811588"/>
+            <a:off x="8549640" y="2423160"/>
+            <a:ext cx="3200400" cy="3291840"/>
           </a:xfrm>
         </p:spPr>
         <p:txBody>
-          <a:bodyPr/>
+          <a:bodyPr>
+            <a:normAutofit/>
+          </a:bodyPr>
           <a:lstStyle>
             <a:lvl1pPr marL="0" indent="0">
-              <a:buNone/>
-              <a:defRPr sz="1600"/>
+              <a:lnSpc>
+                <a:spcPct val="100000"/>
+              </a:lnSpc>
+              <a:spcBef>
+                <a:spcPts val="1000"/>
+              </a:spcBef>
+              <a:buNone/>
+              <a:defRPr sz="1400">
+                <a:solidFill>
+                  <a:schemeClr val="accent1">
+                    <a:lumMod val="50000"/>
+                  </a:schemeClr>
+                </a:solidFill>
+              </a:defRPr>
             </a:lvl1pPr>
             <a:lvl2pPr marL="457200" indent="0">
               <a:buNone/>
-              <a:defRPr sz="1400"/>
+              <a:defRPr sz="1200"/>
             </a:lvl2pPr>
             <a:lvl3pPr marL="914400" indent="0">
               <a:buNone/>
-              <a:defRPr sz="1200"/>
+              <a:defRPr sz="1000"/>
             </a:lvl3pPr>
             <a:lvl4pPr marL="1371600" indent="0">
               <a:buNone/>
-              <a:defRPr sz="1000"/>
+              <a:defRPr sz="900"/>
             </a:lvl4pPr>
             <a:lvl5pPr marL="1828800" indent="0">
               <a:buNone/>
-              <a:defRPr sz="1000"/>
+              <a:defRPr sz="900"/>
             </a:lvl5pPr>
             <a:lvl6pPr marL="2286000" indent="0">
               <a:buNone/>
-              <a:defRPr sz="1000"/>
+              <a:defRPr sz="900"/>
             </a:lvl6pPr>
             <a:lvl7pPr marL="2743200" indent="0">
               <a:buNone/>
-              <a:defRPr sz="1000"/>
+              <a:defRPr sz="900"/>
             </a:lvl7pPr>
             <a:lvl8pPr marL="3200400" indent="0">
               <a:buNone/>
-              <a:defRPr sz="1000"/>
+              <a:defRPr sz="900"/>
             </a:lvl8pPr>
             <a:lvl9pPr marL="3657600" indent="0">
               <a:buNone/>
-              <a:defRPr sz="1000"/>
+              <a:defRPr sz="900"/>
             </a:lvl9pPr>
           </a:lstStyle>
           <a:p>
@@ -2644,13 +3183,7 @@
       </p:sp>
       <p:sp>
         <p:nvSpPr>
-          <p:cNvPr id="5" name="Date Placeholder 4">
-            <a:extLst>
-              <a:ext uri="{FF2B5EF4-FFF2-40B4-BE49-F238E27FC236}">
-                <a16:creationId xmlns:a16="http://schemas.microsoft.com/office/drawing/2014/main" id="{7328DF00-1375-458E-8A60-80523B69A94A}"/>
-              </a:ext>
-            </a:extLst>
-          </p:cNvPr>
+          <p:cNvPr id="5" name="Date Placeholder 4"/>
           <p:cNvSpPr>
             <a:spLocks noGrp="1"/>
           </p:cNvSpPr>
@@ -2665,46 +3198,104 @@
           <a:p>
             <a:fld id="{C751E306-7163-4998-B8D2-ABA0A8BB88DE}" type="datetimeFigureOut">
               <a:rPr lang="en-US" smtClean="0"/>
-              <a:t>2/14/2018</a:t>
+              <a:t>2/18/2018</a:t>
             </a:fld>
             <a:endParaRPr lang="en-US"/>
           </a:p>
         </p:txBody>
       </p:sp>
-      <p:sp>
-        <p:nvSpPr>
-          <p:cNvPr id="6" name="Footer Placeholder 5">
-            <a:extLst>
-              <a:ext uri="{FF2B5EF4-FFF2-40B4-BE49-F238E27FC236}">
-                <a16:creationId xmlns:a16="http://schemas.microsoft.com/office/drawing/2014/main" id="{96BEEEF6-C9B2-42EE-8295-4B383BCC17DC}"/>
-              </a:ext>
-            </a:extLst>
-          </p:cNvPr>
-          <p:cNvSpPr>
-            <a:spLocks noGrp="1"/>
-          </p:cNvSpPr>
-          <p:nvPr>
-            <p:ph type="ftr" sz="quarter" idx="11"/>
-          </p:nvPr>
-        </p:nvSpPr>
-        <p:spPr/>
-        <p:txBody>
-          <a:bodyPr/>
-          <a:lstStyle/>
-          <a:p>
-            <a:endParaRPr lang="en-US"/>
-          </a:p>
-        </p:txBody>
-      </p:sp>
-      <p:sp>
-        <p:nvSpPr>
-          <p:cNvPr id="7" name="Slide Number Placeholder 6">
-            <a:extLst>
-              <a:ext uri="{FF2B5EF4-FFF2-40B4-BE49-F238E27FC236}">
-                <a16:creationId xmlns:a16="http://schemas.microsoft.com/office/drawing/2014/main" id="{E998B418-4A2F-4AA0-AE2E-14DE32193387}"/>
-              </a:ext>
-            </a:extLst>
-          </p:cNvPr>
+      <p:grpSp>
+        <p:nvGrpSpPr>
+          <p:cNvPr id="8" name="Group 7"/>
+          <p:cNvGrpSpPr>
+            <a:grpSpLocks noChangeAspect="1"/>
+          </p:cNvGrpSpPr>
+          <p:nvPr/>
+        </p:nvGrpSpPr>
+        <p:grpSpPr>
+          <a:xfrm>
+            <a:off x="11401725" y="6229681"/>
+            <a:ext cx="457200" cy="457200"/>
+            <a:chOff x="11361456" y="6195813"/>
+            <a:chExt cx="548640" cy="548640"/>
+          </a:xfrm>
+        </p:grpSpPr>
+        <p:sp>
+          <p:nvSpPr>
+            <p:cNvPr id="9" name="Oval 8"/>
+            <p:cNvSpPr/>
+            <p:nvPr/>
+          </p:nvSpPr>
+          <p:spPr>
+            <a:xfrm>
+              <a:off x="11361456" y="6195813"/>
+              <a:ext cx="548640" cy="548640"/>
+            </a:xfrm>
+            <a:prstGeom prst="ellipse">
+              <a:avLst/>
+            </a:prstGeom>
+            <a:blipFill dpi="0" rotWithShape="1">
+              <a:blip r:embed="rId4">
+                <a:duotone>
+                  <a:schemeClr val="accent1">
+                    <a:shade val="45000"/>
+                    <a:satMod val="135000"/>
+                  </a:schemeClr>
+                  <a:prstClr val="white"/>
+                </a:duotone>
+                <a:extLst>
+                  <a:ext uri="{BEBA8EAE-BF5A-486C-A8C5-ECC9F3942E4B}">
+                    <a14:imgProps xmlns:a14="http://schemas.microsoft.com/office/drawing/2010/main">
+                      <a14:imgLayer r:embed="rId5">
+                        <a14:imgEffect>
+                          <a14:saturation sat="95000"/>
+                        </a14:imgEffect>
+                        <a14:imgEffect>
+                          <a14:brightnessContrast bright="-40000" contrast="20000"/>
+                        </a14:imgEffect>
+                      </a14:imgLayer>
+                    </a14:imgProps>
+                  </a:ext>
+                </a:extLst>
+              </a:blip>
+              <a:srcRect/>
+              <a:tile tx="50800" ty="0" sx="85000" sy="85000" flip="none" algn="tl"/>
+            </a:blipFill>
+            <a:ln w="25400" cap="flat" cmpd="sng" algn="ctr">
+              <a:noFill/>
+              <a:prstDash val="solid"/>
+            </a:ln>
+            <a:effectLst/>
+          </p:spPr>
+        </p:sp>
+        <p:sp>
+          <p:nvSpPr>
+            <p:cNvPr id="10" name="Oval 9"/>
+            <p:cNvSpPr/>
+            <p:nvPr/>
+          </p:nvSpPr>
+          <p:spPr>
+            <a:xfrm>
+              <a:off x="11396488" y="6230844"/>
+              <a:ext cx="478576" cy="478578"/>
+            </a:xfrm>
+            <a:prstGeom prst="ellipse">
+              <a:avLst/>
+            </a:prstGeom>
+            <a:noFill/>
+            <a:ln w="12700" cap="flat" cmpd="sng" algn="ctr">
+              <a:solidFill>
+                <a:sysClr val="window" lastClr="FFFFFF"/>
+              </a:solidFill>
+              <a:prstDash val="solid"/>
+            </a:ln>
+            <a:effectLst/>
+          </p:spPr>
+        </p:sp>
+      </p:grpSp>
+      <p:sp>
+        <p:nvSpPr>
+          <p:cNvPr id="7" name="Slide Number Placeholder 6"/>
           <p:cNvSpPr>
             <a:spLocks noGrp="1"/>
           </p:cNvSpPr>
@@ -2728,7 +3319,7 @@
     </p:spTree>
     <p:extLst>
       <p:ext uri="{BB962C8B-B14F-4D97-AF65-F5344CB8AC3E}">
-        <p14:creationId xmlns:p14="http://schemas.microsoft.com/office/powerpoint/2010/main" val="743135784"/>
+        <p14:creationId xmlns:p14="http://schemas.microsoft.com/office/powerpoint/2010/main" val="4095133035"/>
       </p:ext>
     </p:extLst>
   </p:cSld>
@@ -2762,13 +3353,7 @@
       </p:grpSpPr>
       <p:sp>
         <p:nvSpPr>
-          <p:cNvPr id="2" name="Title Placeholder 1">
-            <a:extLst>
-              <a:ext uri="{FF2B5EF4-FFF2-40B4-BE49-F238E27FC236}">
-                <a16:creationId xmlns:a16="http://schemas.microsoft.com/office/drawing/2014/main" id="{C8C98C96-FD0D-4FA4-BC22-E7852A9459DE}"/>
-              </a:ext>
-            </a:extLst>
-          </p:cNvPr>
+          <p:cNvPr id="2" name="Title Placeholder 1"/>
           <p:cNvSpPr>
             <a:spLocks noGrp="1"/>
           </p:cNvSpPr>
@@ -2778,8 +3363,8 @@
         </p:nvSpPr>
         <p:spPr>
           <a:xfrm>
-            <a:off x="838200" y="365125"/>
-            <a:ext cx="10515600" cy="1325563"/>
+            <a:off x="1069848" y="484632"/>
+            <a:ext cx="10058400" cy="1609344"/>
           </a:xfrm>
           <a:prstGeom prst="rect">
             <a:avLst/>
@@ -2795,18 +3380,13 @@
               <a:rPr lang="en-US"/>
               <a:t>Click to edit Master title style</a:t>
             </a:r>
-          </a:p>
-        </p:txBody>
-      </p:sp>
-      <p:sp>
-        <p:nvSpPr>
-          <p:cNvPr id="3" name="Text Placeholder 2">
-            <a:extLst>
-              <a:ext uri="{FF2B5EF4-FFF2-40B4-BE49-F238E27FC236}">
-                <a16:creationId xmlns:a16="http://schemas.microsoft.com/office/drawing/2014/main" id="{F21B4836-D6D2-442A-A2FB-8CA4FD4CFAE4}"/>
-              </a:ext>
-            </a:extLst>
-          </p:cNvPr>
+            <a:endParaRPr lang="en-US" dirty="0"/>
+          </a:p>
+        </p:txBody>
+      </p:sp>
+      <p:sp>
+        <p:nvSpPr>
+          <p:cNvPr id="3" name="Text Placeholder 2"/>
           <p:cNvSpPr>
             <a:spLocks noGrp="1"/>
           </p:cNvSpPr>
@@ -2816,8 +3396,8 @@
         </p:nvSpPr>
         <p:spPr>
           <a:xfrm>
-            <a:off x="838200" y="1825625"/>
-            <a:ext cx="10515600" cy="4351338"/>
+            <a:off x="1069848" y="2121408"/>
+            <a:ext cx="10058400" cy="4050792"/>
           </a:xfrm>
           <a:prstGeom prst="rect">
             <a:avLst/>
@@ -2862,18 +3442,13 @@
               <a:rPr lang="en-US"/>
               <a:t>Fifth level</a:t>
             </a:r>
-          </a:p>
-        </p:txBody>
-      </p:sp>
-      <p:sp>
-        <p:nvSpPr>
-          <p:cNvPr id="4" name="Date Placeholder 3">
-            <a:extLst>
-              <a:ext uri="{FF2B5EF4-FFF2-40B4-BE49-F238E27FC236}">
-                <a16:creationId xmlns:a16="http://schemas.microsoft.com/office/drawing/2014/main" id="{D9FA832E-792D-4E91-8618-9B295FEA5973}"/>
-              </a:ext>
-            </a:extLst>
-          </p:cNvPr>
+            <a:endParaRPr lang="en-US" dirty="0"/>
+          </a:p>
+        </p:txBody>
+      </p:sp>
+      <p:sp>
+        <p:nvSpPr>
+          <p:cNvPr id="4" name="Date Placeholder 3"/>
           <p:cNvSpPr>
             <a:spLocks noGrp="1"/>
           </p:cNvSpPr>
@@ -2883,8 +3458,8 @@
         </p:nvSpPr>
         <p:spPr>
           <a:xfrm>
-            <a:off x="838200" y="6356350"/>
-            <a:ext cx="2743200" cy="365125"/>
+            <a:off x="7964424" y="6272784"/>
+            <a:ext cx="3273552" cy="365125"/>
           </a:xfrm>
           <a:prstGeom prst="rect">
             <a:avLst/>
@@ -2893,12 +3468,10 @@
         <p:txBody>
           <a:bodyPr vert="horz" lIns="91440" tIns="45720" rIns="91440" bIns="45720" rtlCol="0" anchor="ctr"/>
           <a:lstStyle>
-            <a:lvl1pPr algn="l">
-              <a:defRPr sz="1200">
+            <a:lvl1pPr algn="r">
+              <a:defRPr sz="1100">
                 <a:solidFill>
-                  <a:schemeClr val="tx1">
-                    <a:tint val="75000"/>
-                  </a:schemeClr>
+                  <a:schemeClr val="tx2"/>
                 </a:solidFill>
               </a:defRPr>
             </a:lvl1pPr>
@@ -2906,7 +3479,7 @@
           <a:p>
             <a:fld id="{C751E306-7163-4998-B8D2-ABA0A8BB88DE}" type="datetimeFigureOut">
               <a:rPr lang="en-US" smtClean="0"/>
-              <a:t>2/14/2018</a:t>
+              <a:t>2/18/2018</a:t>
             </a:fld>
             <a:endParaRPr lang="en-US"/>
           </a:p>
@@ -2914,13 +3487,7 @@
       </p:sp>
       <p:sp>
         <p:nvSpPr>
-          <p:cNvPr id="5" name="Footer Placeholder 4">
-            <a:extLst>
-              <a:ext uri="{FF2B5EF4-FFF2-40B4-BE49-F238E27FC236}">
-                <a16:creationId xmlns:a16="http://schemas.microsoft.com/office/drawing/2014/main" id="{CE520F39-F0E5-44F2-AE6F-AFCC88542FF9}"/>
-              </a:ext>
-            </a:extLst>
-          </p:cNvPr>
+          <p:cNvPr id="5" name="Footer Placeholder 4"/>
           <p:cNvSpPr>
             <a:spLocks noGrp="1"/>
           </p:cNvSpPr>
@@ -2930,8 +3497,8 @@
         </p:nvSpPr>
         <p:spPr>
           <a:xfrm>
-            <a:off x="4038600" y="6356350"/>
-            <a:ext cx="4114800" cy="365125"/>
+            <a:off x="1088136" y="6272784"/>
+            <a:ext cx="6327648" cy="365125"/>
           </a:xfrm>
           <a:prstGeom prst="rect">
             <a:avLst/>
@@ -2940,12 +3507,10 @@
         <p:txBody>
           <a:bodyPr vert="horz" lIns="91440" tIns="45720" rIns="91440" bIns="45720" rtlCol="0" anchor="ctr"/>
           <a:lstStyle>
-            <a:lvl1pPr algn="ctr">
-              <a:defRPr sz="1200">
+            <a:lvl1pPr algn="l">
+              <a:defRPr sz="1100">
                 <a:solidFill>
-                  <a:schemeClr val="tx1">
-                    <a:tint val="75000"/>
-                  </a:schemeClr>
+                  <a:schemeClr val="tx2"/>
                 </a:solidFill>
               </a:defRPr>
             </a:lvl1pPr>
@@ -2955,15 +3520,98 @@
           </a:p>
         </p:txBody>
       </p:sp>
-      <p:sp>
-        <p:nvSpPr>
-          <p:cNvPr id="6" name="Slide Number Placeholder 5">
-            <a:extLst>
-              <a:ext uri="{FF2B5EF4-FFF2-40B4-BE49-F238E27FC236}">
-                <a16:creationId xmlns:a16="http://schemas.microsoft.com/office/drawing/2014/main" id="{5516F24B-606C-44DE-9BDB-D63D05D9FAAB}"/>
-              </a:ext>
-            </a:extLst>
-          </p:cNvPr>
+      <p:grpSp>
+        <p:nvGrpSpPr>
+          <p:cNvPr id="7" name="Group 6"/>
+          <p:cNvGrpSpPr>
+            <a:grpSpLocks noChangeAspect="1"/>
+          </p:cNvGrpSpPr>
+          <p:nvPr/>
+        </p:nvGrpSpPr>
+        <p:grpSpPr>
+          <a:xfrm>
+            <a:off x="11401725" y="6229681"/>
+            <a:ext cx="457200" cy="457200"/>
+            <a:chOff x="11361456" y="6195813"/>
+            <a:chExt cx="548640" cy="548640"/>
+          </a:xfrm>
+        </p:grpSpPr>
+        <p:sp>
+          <p:nvSpPr>
+            <p:cNvPr id="8" name="Oval 7"/>
+            <p:cNvSpPr/>
+            <p:nvPr/>
+          </p:nvSpPr>
+          <p:spPr>
+            <a:xfrm>
+              <a:off x="11361456" y="6195813"/>
+              <a:ext cx="548640" cy="548640"/>
+            </a:xfrm>
+            <a:prstGeom prst="ellipse">
+              <a:avLst/>
+            </a:prstGeom>
+            <a:blipFill dpi="0" rotWithShape="1">
+              <a:blip r:embed="rId13">
+                <a:duotone>
+                  <a:schemeClr val="accent1">
+                    <a:shade val="45000"/>
+                    <a:satMod val="135000"/>
+                  </a:schemeClr>
+                  <a:prstClr val="white"/>
+                </a:duotone>
+                <a:extLst>
+                  <a:ext uri="{BEBA8EAE-BF5A-486C-A8C5-ECC9F3942E4B}">
+                    <a14:imgProps xmlns:a14="http://schemas.microsoft.com/office/drawing/2010/main">
+                      <a14:imgLayer r:embed="rId14">
+                        <a14:imgEffect>
+                          <a14:saturation sat="95000"/>
+                        </a14:imgEffect>
+                        <a14:imgEffect>
+                          <a14:brightnessContrast bright="-40000" contrast="20000"/>
+                        </a14:imgEffect>
+                      </a14:imgLayer>
+                    </a14:imgProps>
+                  </a:ext>
+                </a:extLst>
+              </a:blip>
+              <a:srcRect/>
+              <a:tile tx="50800" ty="0" sx="85000" sy="85000" flip="none" algn="tl"/>
+            </a:blipFill>
+            <a:ln w="25400" cap="flat" cmpd="sng" algn="ctr">
+              <a:noFill/>
+              <a:prstDash val="solid"/>
+            </a:ln>
+            <a:effectLst/>
+          </p:spPr>
+        </p:sp>
+        <p:sp>
+          <p:nvSpPr>
+            <p:cNvPr id="9" name="Oval 8"/>
+            <p:cNvSpPr/>
+            <p:nvPr/>
+          </p:nvSpPr>
+          <p:spPr>
+            <a:xfrm>
+              <a:off x="11396488" y="6230844"/>
+              <a:ext cx="478576" cy="478578"/>
+            </a:xfrm>
+            <a:prstGeom prst="ellipse">
+              <a:avLst/>
+            </a:prstGeom>
+            <a:noFill/>
+            <a:ln w="12700" cap="flat" cmpd="sng" algn="ctr">
+              <a:solidFill>
+                <a:srgbClr val="FFFFFF"/>
+              </a:solidFill>
+              <a:prstDash val="solid"/>
+            </a:ln>
+            <a:effectLst/>
+          </p:spPr>
+        </p:sp>
+      </p:grpSp>
+      <p:sp>
+        <p:nvSpPr>
+          <p:cNvPr id="6" name="Slide Number Placeholder 5"/>
           <p:cNvSpPr>
             <a:spLocks noGrp="1"/>
           </p:cNvSpPr>
@@ -2973,8 +3621,8 @@
         </p:nvSpPr>
         <p:spPr>
           <a:xfrm>
-            <a:off x="8610600" y="6356350"/>
-            <a:ext cx="2743200" cy="365125"/>
+            <a:off x="11311128" y="6272784"/>
+            <a:ext cx="640080" cy="365125"/>
           </a:xfrm>
           <a:prstGeom prst="rect">
             <a:avLst/>
@@ -2983,13 +3631,12 @@
         <p:txBody>
           <a:bodyPr vert="horz" lIns="91440" tIns="45720" rIns="91440" bIns="45720" rtlCol="0" anchor="ctr"/>
           <a:lstStyle>
-            <a:lvl1pPr algn="r">
-              <a:defRPr sz="1200">
+            <a:lvl1pPr algn="ctr">
+              <a:defRPr sz="1400" b="1">
                 <a:solidFill>
-                  <a:schemeClr val="tx1">
-                    <a:tint val="75000"/>
-                  </a:schemeClr>
+                  <a:srgbClr val="FFFFFF"/>
                 </a:solidFill>
+                <a:latin typeface="+mn-lt"/>
               </a:defRPr>
             </a:lvl1pPr>
           </a:lstStyle>
@@ -3005,23 +3652,23 @@
     </p:spTree>
     <p:extLst>
       <p:ext uri="{BB962C8B-B14F-4D97-AF65-F5344CB8AC3E}">
-        <p14:creationId xmlns:p14="http://schemas.microsoft.com/office/powerpoint/2010/main" val="2427927178"/>
+        <p14:creationId xmlns:p14="http://schemas.microsoft.com/office/powerpoint/2010/main" val="2896927643"/>
       </p:ext>
     </p:extLst>
   </p:cSld>
   <p:clrMap bg1="lt1" tx1="dk1" bg2="lt2" tx2="dk2" accent1="accent1" accent2="accent2" accent3="accent3" accent4="accent4" accent5="accent5" accent6="accent6" hlink="hlink" folHlink="folHlink"/>
   <p:sldLayoutIdLst>
-    <p:sldLayoutId id="2147483649" r:id="rId1"/>
-    <p:sldLayoutId id="2147483650" r:id="rId2"/>
-    <p:sldLayoutId id="2147483651" r:id="rId3"/>
-    <p:sldLayoutId id="2147483652" r:id="rId4"/>
-    <p:sldLayoutId id="2147483653" r:id="rId5"/>
-    <p:sldLayoutId id="2147483654" r:id="rId6"/>
-    <p:sldLayoutId id="2147483655" r:id="rId7"/>
-    <p:sldLayoutId id="2147483656" r:id="rId8"/>
-    <p:sldLayoutId id="2147483657" r:id="rId9"/>
-    <p:sldLayoutId id="2147483658" r:id="rId10"/>
-    <p:sldLayoutId id="2147483659" r:id="rId11"/>
+    <p:sldLayoutId id="2147484305" r:id="rId1"/>
+    <p:sldLayoutId id="2147484306" r:id="rId2"/>
+    <p:sldLayoutId id="2147484307" r:id="rId3"/>
+    <p:sldLayoutId id="2147484308" r:id="rId4"/>
+    <p:sldLayoutId id="2147484309" r:id="rId5"/>
+    <p:sldLayoutId id="2147484310" r:id="rId6"/>
+    <p:sldLayoutId id="2147484311" r:id="rId7"/>
+    <p:sldLayoutId id="2147484312" r:id="rId8"/>
+    <p:sldLayoutId id="2147484313" r:id="rId9"/>
+    <p:sldLayoutId id="2147484314" r:id="rId10"/>
+    <p:sldLayoutId id="2147484315" r:id="rId11"/>
   </p:sldLayoutIdLst>
   <p:txStyles>
     <p:titleStyle>
@@ -3033,10 +3680,17 @@
           <a:spcPct val="0"/>
         </a:spcBef>
         <a:buNone/>
-        <a:defRPr sz="4400" kern="1200">
-          <a:solidFill>
-            <a:schemeClr val="tx1"/>
-          </a:solidFill>
+        <a:defRPr sz="4800" b="1" kern="1200" cap="none" baseline="0">
+          <a:blipFill>
+            <a:blip r:embed="rId15">
+              <a:extLst>
+                <a:ext uri="{28A0092B-C50C-407E-A947-70E740481C1C}">
+                  <a14:useLocalDpi xmlns:a14="http://schemas.microsoft.com/office/drawing/2010/main" val="0"/>
+                </a:ext>
+              </a:extLst>
+            </a:blip>
+            <a:tile tx="6350" ty="-127000" sx="65000" sy="64000" flip="none" algn="tl"/>
+          </a:blipFill>
           <a:latin typeface="+mj-lt"/>
           <a:ea typeface="+mj-ea"/>
           <a:cs typeface="+mj-cs"/>
@@ -3044,16 +3698,22 @@
       </a:lvl1pPr>
     </p:titleStyle>
     <p:bodyStyle>
-      <a:lvl1pPr marL="228600" indent="-228600" algn="l" defTabSz="914400" rtl="0" eaLnBrk="1" latinLnBrk="0" hangingPunct="1">
+      <a:lvl1pPr marL="182880" indent="-182880" algn="l" defTabSz="914400" rtl="0" eaLnBrk="1" latinLnBrk="0" hangingPunct="1">
         <a:lnSpc>
           <a:spcPct val="90000"/>
         </a:lnSpc>
         <a:spcBef>
-          <a:spcPts val="1000"/>
+          <a:spcPts val="1200"/>
         </a:spcBef>
-        <a:buFont typeface="Arial" panose="020B0604020202020204" pitchFamily="34" charset="0"/>
-        <a:buChar char="•"/>
-        <a:defRPr sz="2800" kern="1200">
+        <a:buClr>
+          <a:schemeClr val="accent1">
+            <a:lumMod val="75000"/>
+          </a:schemeClr>
+        </a:buClr>
+        <a:buSzPct val="85000"/>
+        <a:buFont typeface="Wingdings" pitchFamily="2" charset="2"/>
+        <a:buChar char="§"/>
+        <a:defRPr sz="2000" kern="1200">
           <a:solidFill>
             <a:schemeClr val="tx1"/>
           </a:solidFill>
@@ -3062,16 +3722,25 @@
           <a:cs typeface="+mn-cs"/>
         </a:defRPr>
       </a:lvl1pPr>
-      <a:lvl2pPr marL="685800" indent="-228600" algn="l" defTabSz="914400" rtl="0" eaLnBrk="1" latinLnBrk="0" hangingPunct="1">
+      <a:lvl2pPr marL="457200" indent="-182880" algn="l" defTabSz="914400" rtl="0" eaLnBrk="1" latinLnBrk="0" hangingPunct="1">
         <a:lnSpc>
           <a:spcPct val="90000"/>
         </a:lnSpc>
         <a:spcBef>
-          <a:spcPts val="500"/>
+          <a:spcPts val="400"/>
         </a:spcBef>
-        <a:buFont typeface="Arial" panose="020B0604020202020204" pitchFamily="34" charset="0"/>
-        <a:buChar char="•"/>
-        <a:defRPr sz="2400" kern="1200">
+        <a:spcAft>
+          <a:spcPts val="200"/>
+        </a:spcAft>
+        <a:buClr>
+          <a:schemeClr val="accent1">
+            <a:lumMod val="75000"/>
+          </a:schemeClr>
+        </a:buClr>
+        <a:buSzPct val="85000"/>
+        <a:buFont typeface="Wingdings" pitchFamily="2" charset="2"/>
+        <a:buChar char="§"/>
+        <a:defRPr sz="1800" kern="1200">
           <a:solidFill>
             <a:schemeClr val="tx1"/>
           </a:solidFill>
@@ -3080,16 +3749,25 @@
           <a:cs typeface="+mn-cs"/>
         </a:defRPr>
       </a:lvl2pPr>
-      <a:lvl3pPr marL="1143000" indent="-228600" algn="l" defTabSz="914400" rtl="0" eaLnBrk="1" latinLnBrk="0" hangingPunct="1">
+      <a:lvl3pPr marL="731520" indent="-182880" algn="l" defTabSz="914400" rtl="0" eaLnBrk="1" latinLnBrk="0" hangingPunct="1">
         <a:lnSpc>
           <a:spcPct val="90000"/>
         </a:lnSpc>
         <a:spcBef>
-          <a:spcPts val="500"/>
+          <a:spcPts val="400"/>
         </a:spcBef>
-        <a:buFont typeface="Arial" panose="020B0604020202020204" pitchFamily="34" charset="0"/>
-        <a:buChar char="•"/>
-        <a:defRPr sz="2000" kern="1200">
+        <a:spcAft>
+          <a:spcPts val="200"/>
+        </a:spcAft>
+        <a:buClr>
+          <a:schemeClr val="accent1">
+            <a:lumMod val="75000"/>
+          </a:schemeClr>
+        </a:buClr>
+        <a:buSzPct val="85000"/>
+        <a:buFont typeface="Wingdings" pitchFamily="2" charset="2"/>
+        <a:buChar char="§"/>
+        <a:defRPr sz="1600" kern="1200">
           <a:solidFill>
             <a:schemeClr val="tx1"/>
           </a:solidFill>
@@ -3098,16 +3776,25 @@
           <a:cs typeface="+mn-cs"/>
         </a:defRPr>
       </a:lvl3pPr>
-      <a:lvl4pPr marL="1600200" indent="-228600" algn="l" defTabSz="914400" rtl="0" eaLnBrk="1" latinLnBrk="0" hangingPunct="1">
+      <a:lvl4pPr marL="1005840" indent="-182880" algn="l" defTabSz="914400" rtl="0" eaLnBrk="1" latinLnBrk="0" hangingPunct="1">
         <a:lnSpc>
           <a:spcPct val="90000"/>
         </a:lnSpc>
         <a:spcBef>
-          <a:spcPts val="500"/>
+          <a:spcPts val="400"/>
         </a:spcBef>
-        <a:buFont typeface="Arial" panose="020B0604020202020204" pitchFamily="34" charset="0"/>
-        <a:buChar char="•"/>
-        <a:defRPr sz="1800" kern="1200">
+        <a:spcAft>
+          <a:spcPts val="200"/>
+        </a:spcAft>
+        <a:buClr>
+          <a:schemeClr val="accent1">
+            <a:lumMod val="75000"/>
+          </a:schemeClr>
+        </a:buClr>
+        <a:buSzPct val="85000"/>
+        <a:buFont typeface="Wingdings" pitchFamily="2" charset="2"/>
+        <a:buChar char="§"/>
+        <a:defRPr sz="1600" kern="1200">
           <a:solidFill>
             <a:schemeClr val="tx1"/>
           </a:solidFill>
@@ -3116,16 +3803,25 @@
           <a:cs typeface="+mn-cs"/>
         </a:defRPr>
       </a:lvl4pPr>
-      <a:lvl5pPr marL="2057400" indent="-228600" algn="l" defTabSz="914400" rtl="0" eaLnBrk="1" latinLnBrk="0" hangingPunct="1">
+      <a:lvl5pPr marL="1280160" indent="-182880" algn="l" defTabSz="914400" rtl="0" eaLnBrk="1" latinLnBrk="0" hangingPunct="1">
         <a:lnSpc>
           <a:spcPct val="90000"/>
         </a:lnSpc>
         <a:spcBef>
-          <a:spcPts val="500"/>
+          <a:spcPts val="400"/>
         </a:spcBef>
-        <a:buFont typeface="Arial" panose="020B0604020202020204" pitchFamily="34" charset="0"/>
-        <a:buChar char="•"/>
-        <a:defRPr sz="1800" kern="1200">
+        <a:spcAft>
+          <a:spcPts val="200"/>
+        </a:spcAft>
+        <a:buClr>
+          <a:schemeClr val="accent1">
+            <a:lumMod val="75000"/>
+          </a:schemeClr>
+        </a:buClr>
+        <a:buSzPct val="85000"/>
+        <a:buFont typeface="Wingdings" pitchFamily="2" charset="2"/>
+        <a:buChar char="§"/>
+        <a:defRPr sz="1600" kern="1200">
           <a:solidFill>
             <a:schemeClr val="tx1"/>
           </a:solidFill>
@@ -3134,16 +3830,25 @@
           <a:cs typeface="+mn-cs"/>
         </a:defRPr>
       </a:lvl5pPr>
-      <a:lvl6pPr marL="2514600" indent="-228600" algn="l" defTabSz="914400" rtl="0" eaLnBrk="1" latinLnBrk="0" hangingPunct="1">
+      <a:lvl6pPr marL="1600000" indent="-228600" algn="l" defTabSz="914400" rtl="0" eaLnBrk="1" latinLnBrk="0" hangingPunct="1">
         <a:lnSpc>
           <a:spcPct val="90000"/>
         </a:lnSpc>
         <a:spcBef>
-          <a:spcPts val="500"/>
+          <a:spcPts val="400"/>
         </a:spcBef>
-        <a:buFont typeface="Arial" panose="020B0604020202020204" pitchFamily="34" charset="0"/>
-        <a:buChar char="•"/>
-        <a:defRPr sz="1800" kern="1200">
+        <a:spcAft>
+          <a:spcPts val="200"/>
+        </a:spcAft>
+        <a:buClr>
+          <a:schemeClr val="accent1">
+            <a:lumMod val="75000"/>
+          </a:schemeClr>
+        </a:buClr>
+        <a:buSzPct val="85000"/>
+        <a:buFont typeface="Wingdings" pitchFamily="2" charset="2"/>
+        <a:buChar char="§"/>
+        <a:defRPr sz="1600" kern="1200">
           <a:solidFill>
             <a:schemeClr val="tx1"/>
           </a:solidFill>
@@ -3152,16 +3857,25 @@
           <a:cs typeface="+mn-cs"/>
         </a:defRPr>
       </a:lvl6pPr>
-      <a:lvl7pPr marL="2971800" indent="-228600" algn="l" defTabSz="914400" rtl="0" eaLnBrk="1" latinLnBrk="0" hangingPunct="1">
+      <a:lvl7pPr marL="1900000" indent="-228600" algn="l" defTabSz="914400" rtl="0" eaLnBrk="1" latinLnBrk="0" hangingPunct="1">
         <a:lnSpc>
           <a:spcPct val="90000"/>
         </a:lnSpc>
         <a:spcBef>
-          <a:spcPts val="500"/>
+          <a:spcPts val="400"/>
         </a:spcBef>
-        <a:buFont typeface="Arial" panose="020B0604020202020204" pitchFamily="34" charset="0"/>
-        <a:buChar char="•"/>
-        <a:defRPr sz="1800" kern="1200">
+        <a:spcAft>
+          <a:spcPts val="200"/>
+        </a:spcAft>
+        <a:buClr>
+          <a:schemeClr val="accent1">
+            <a:lumMod val="75000"/>
+          </a:schemeClr>
+        </a:buClr>
+        <a:buSzPct val="85000"/>
+        <a:buFont typeface="Wingdings" pitchFamily="2" charset="2"/>
+        <a:buChar char="§"/>
+        <a:defRPr sz="1600" kern="1200">
           <a:solidFill>
             <a:schemeClr val="tx1"/>
           </a:solidFill>
@@ -3170,16 +3884,25 @@
           <a:cs typeface="+mn-cs"/>
         </a:defRPr>
       </a:lvl7pPr>
-      <a:lvl8pPr marL="3429000" indent="-228600" algn="l" defTabSz="914400" rtl="0" eaLnBrk="1" latinLnBrk="0" hangingPunct="1">
+      <a:lvl8pPr marL="2200000" indent="-228600" algn="l" defTabSz="914400" rtl="0" eaLnBrk="1" latinLnBrk="0" hangingPunct="1">
         <a:lnSpc>
           <a:spcPct val="90000"/>
         </a:lnSpc>
         <a:spcBef>
-          <a:spcPts val="500"/>
+          <a:spcPts val="400"/>
         </a:spcBef>
-        <a:buFont typeface="Arial" panose="020B0604020202020204" pitchFamily="34" charset="0"/>
-        <a:buChar char="•"/>
-        <a:defRPr sz="1800" kern="1200">
+        <a:spcAft>
+          <a:spcPts val="200"/>
+        </a:spcAft>
+        <a:buClr>
+          <a:schemeClr val="accent1">
+            <a:lumMod val="75000"/>
+          </a:schemeClr>
+        </a:buClr>
+        <a:buSzPct val="85000"/>
+        <a:buFont typeface="Wingdings" pitchFamily="2" charset="2"/>
+        <a:buChar char="§"/>
+        <a:defRPr sz="1600" kern="1200">
           <a:solidFill>
             <a:schemeClr val="tx1"/>
           </a:solidFill>
@@ -3188,16 +3911,25 @@
           <a:cs typeface="+mn-cs"/>
         </a:defRPr>
       </a:lvl8pPr>
-      <a:lvl9pPr marL="3886200" indent="-228600" algn="l" defTabSz="914400" rtl="0" eaLnBrk="1" latinLnBrk="0" hangingPunct="1">
+      <a:lvl9pPr marL="2500000" indent="-228600" algn="l" defTabSz="914400" rtl="0" eaLnBrk="1" latinLnBrk="0" hangingPunct="1">
         <a:lnSpc>
           <a:spcPct val="90000"/>
         </a:lnSpc>
         <a:spcBef>
-          <a:spcPts val="500"/>
+          <a:spcPts val="400"/>
         </a:spcBef>
-        <a:buFont typeface="Arial" panose="020B0604020202020204" pitchFamily="34" charset="0"/>
-        <a:buChar char="•"/>
-        <a:defRPr sz="1800" kern="1200">
+        <a:spcAft>
+          <a:spcPts val="200"/>
+        </a:spcAft>
+        <a:buClr>
+          <a:schemeClr val="accent1">
+            <a:lumMod val="75000"/>
+          </a:schemeClr>
+        </a:buClr>
+        <a:buSzPct val="85000"/>
+        <a:buFont typeface="Wingdings" pitchFamily="2" charset="2"/>
+        <a:buChar char="§"/>
+        <a:defRPr sz="1600" kern="1200">
           <a:solidFill>
             <a:schemeClr val="tx1"/>
           </a:solidFill>
@@ -3303,10 +4035,1288 @@
       </a:lvl9pPr>
     </p:otherStyle>
   </p:txStyles>
+  <p:extLst>
+    <p:ext uri="{27BBF7A9-308A-43DC-89C8-2F10F3537804}">
+      <p15:sldGuideLst xmlns:p15="http://schemas.microsoft.com/office/powerpoint/2012/main"/>
+    </p:ext>
+  </p:extLst>
 </p:sldMaster>
 </file>
 
 <file path=ppt/slides/slide1.xml><?xml version="1.0" encoding="utf-8"?>
+<p:sld xmlns:a="http://schemas.openxmlformats.org/drawingml/2006/main" xmlns:r="http://schemas.openxmlformats.org/officeDocument/2006/relationships" xmlns:p="http://schemas.openxmlformats.org/presentationml/2006/main">
+  <p:cSld>
+    <p:spTree>
+      <p:nvGrpSpPr>
+        <p:cNvPr id="1" name=""/>
+        <p:cNvGrpSpPr/>
+        <p:nvPr/>
+      </p:nvGrpSpPr>
+      <p:grpSpPr>
+        <a:xfrm>
+          <a:off x="0" y="0"/>
+          <a:ext cx="0" cy="0"/>
+          <a:chOff x="0" y="0"/>
+          <a:chExt cx="0" cy="0"/>
+        </a:xfrm>
+      </p:grpSpPr>
+      <p:sp>
+        <p:nvSpPr>
+          <p:cNvPr id="2" name="Title 1">
+            <a:extLst>
+              <a:ext uri="{FF2B5EF4-FFF2-40B4-BE49-F238E27FC236}">
+                <a16:creationId xmlns:a16="http://schemas.microsoft.com/office/drawing/2014/main" id="{446D00A4-8732-464C-9AC1-155DBA35912E}"/>
+              </a:ext>
+            </a:extLst>
+          </p:cNvPr>
+          <p:cNvSpPr>
+            <a:spLocks noGrp="1"/>
+          </p:cNvSpPr>
+          <p:nvPr>
+            <p:ph type="ctrTitle"/>
+          </p:nvPr>
+        </p:nvSpPr>
+        <p:spPr>
+          <a:xfrm>
+            <a:off x="1051560" y="1432223"/>
+            <a:ext cx="9966960" cy="3035808"/>
+          </a:xfrm>
+        </p:spPr>
+        <p:txBody>
+          <a:bodyPr/>
+          <a:lstStyle/>
+          <a:p>
+            <a:r>
+              <a:rPr lang="en-US" sz="4800" b="1" dirty="0"/>
+              <a:t>Craft Brewery Presentation</a:t>
+            </a:r>
+          </a:p>
+        </p:txBody>
+      </p:sp>
+      <p:sp>
+        <p:nvSpPr>
+          <p:cNvPr id="3" name="Content Placeholder 2">
+            <a:extLst>
+              <a:ext uri="{FF2B5EF4-FFF2-40B4-BE49-F238E27FC236}">
+                <a16:creationId xmlns:a16="http://schemas.microsoft.com/office/drawing/2014/main" id="{2C3DA84B-F8B7-45FD-9BEC-523B86211C74}"/>
+              </a:ext>
+            </a:extLst>
+          </p:cNvPr>
+          <p:cNvSpPr>
+            <a:spLocks noGrp="1"/>
+          </p:cNvSpPr>
+          <p:nvPr>
+            <p:ph type="subTitle" idx="1"/>
+          </p:nvPr>
+        </p:nvSpPr>
+        <p:spPr>
+          <a:xfrm>
+            <a:off x="1051560" y="4653109"/>
+            <a:ext cx="7891272" cy="1235627"/>
+          </a:xfrm>
+        </p:spPr>
+        <p:txBody>
+          <a:bodyPr>
+            <a:normAutofit fontScale="92500" lnSpcReduction="20000"/>
+          </a:bodyPr>
+          <a:lstStyle/>
+          <a:p>
+            <a:r>
+              <a:rPr lang="en-US" dirty="0"/>
+              <a:t>As Prepared By Team Uno Solutions, LLC</a:t>
+            </a:r>
+          </a:p>
+          <a:p>
+            <a:pPr lvl="1" algn="l"/>
+            <a:r>
+              <a:rPr lang="en-US" dirty="0" err="1"/>
+              <a:t>Afreen</a:t>
+            </a:r>
+            <a:r>
+              <a:rPr lang="en-US" dirty="0"/>
+              <a:t> Siddiqui</a:t>
+            </a:r>
+          </a:p>
+          <a:p>
+            <a:pPr lvl="1" algn="l"/>
+            <a:r>
+              <a:rPr lang="en-US" dirty="0"/>
+              <a:t>Anthony </a:t>
+            </a:r>
+            <a:r>
+              <a:rPr lang="en-US" dirty="0" err="1"/>
+              <a:t>Egbuniwe</a:t>
+            </a:r>
+            <a:endParaRPr lang="en-US" dirty="0"/>
+          </a:p>
+          <a:p>
+            <a:pPr lvl="1" algn="l"/>
+            <a:r>
+              <a:rPr lang="en-US" dirty="0"/>
+              <a:t>Bruce </a:t>
+            </a:r>
+            <a:r>
+              <a:rPr lang="en-US" dirty="0" err="1"/>
+              <a:t>Kimbark</a:t>
+            </a:r>
+            <a:endParaRPr lang="en-US" dirty="0"/>
+          </a:p>
+          <a:p>
+            <a:pPr lvl="1"/>
+            <a:endParaRPr lang="en-US" dirty="0"/>
+          </a:p>
+          <a:p>
+            <a:pPr marL="457200" lvl="1" indent="0">
+              <a:buNone/>
+            </a:pPr>
+            <a:endParaRPr lang="en-US" dirty="0"/>
+          </a:p>
+          <a:p>
+            <a:pPr marL="457200" lvl="1" indent="0">
+              <a:buNone/>
+            </a:pPr>
+            <a:endParaRPr lang="en-US" dirty="0"/>
+          </a:p>
+        </p:txBody>
+      </p:sp>
+      <p:pic>
+        <p:nvPicPr>
+          <p:cNvPr id="5" name="Picture 4">
+            <a:extLst>
+              <a:ext uri="{FF2B5EF4-FFF2-40B4-BE49-F238E27FC236}">
+                <a16:creationId xmlns:a16="http://schemas.microsoft.com/office/drawing/2014/main" id="{1F62F53A-85BD-4B3E-9890-7C955AD5D8D5}"/>
+              </a:ext>
+            </a:extLst>
+          </p:cNvPr>
+          <p:cNvPicPr>
+            <a:picLocks noChangeAspect="1"/>
+          </p:cNvPicPr>
+          <p:nvPr/>
+        </p:nvPicPr>
+        <p:blipFill>
+          <a:blip r:embed="rId2"/>
+          <a:stretch>
+            <a:fillRect/>
+          </a:stretch>
+        </p:blipFill>
+        <p:spPr>
+          <a:xfrm>
+            <a:off x="6444031" y="5585992"/>
+            <a:ext cx="5034177" cy="1036922"/>
+          </a:xfrm>
+          <a:prstGeom prst="rect">
+            <a:avLst/>
+          </a:prstGeom>
+        </p:spPr>
+      </p:pic>
+    </p:spTree>
+    <p:extLst>
+      <p:ext uri="{BB962C8B-B14F-4D97-AF65-F5344CB8AC3E}">
+        <p14:creationId xmlns:p14="http://schemas.microsoft.com/office/powerpoint/2010/main" val="280996535"/>
+      </p:ext>
+    </p:extLst>
+  </p:cSld>
+  <p:clrMapOvr>
+    <a:masterClrMapping/>
+  </p:clrMapOvr>
+</p:sld>
+</file>
+
+<file path=ppt/slides/slide2.xml><?xml version="1.0" encoding="utf-8"?>
+<p:sld xmlns:a="http://schemas.openxmlformats.org/drawingml/2006/main" xmlns:r="http://schemas.openxmlformats.org/officeDocument/2006/relationships" xmlns:p="http://schemas.openxmlformats.org/presentationml/2006/main">
+  <p:cSld>
+    <p:spTree>
+      <p:nvGrpSpPr>
+        <p:cNvPr id="1" name=""/>
+        <p:cNvGrpSpPr/>
+        <p:nvPr/>
+      </p:nvGrpSpPr>
+      <p:grpSpPr>
+        <a:xfrm>
+          <a:off x="0" y="0"/>
+          <a:ext cx="0" cy="0"/>
+          <a:chOff x="0" y="0"/>
+          <a:chExt cx="0" cy="0"/>
+        </a:xfrm>
+      </p:grpSpPr>
+      <p:sp>
+        <p:nvSpPr>
+          <p:cNvPr id="2" name="Title 1">
+            <a:extLst>
+              <a:ext uri="{FF2B5EF4-FFF2-40B4-BE49-F238E27FC236}">
+                <a16:creationId xmlns:a16="http://schemas.microsoft.com/office/drawing/2014/main" id="{446D00A4-8732-464C-9AC1-155DBA35912E}"/>
+              </a:ext>
+            </a:extLst>
+          </p:cNvPr>
+          <p:cNvSpPr>
+            <a:spLocks noGrp="1"/>
+          </p:cNvSpPr>
+          <p:nvPr>
+            <p:ph type="title"/>
+          </p:nvPr>
+        </p:nvSpPr>
+        <p:spPr/>
+        <p:txBody>
+          <a:bodyPr/>
+          <a:lstStyle/>
+          <a:p>
+            <a:r>
+              <a:rPr lang="en-US" b="1" dirty="0"/>
+              <a:t>Goals for this Presentation</a:t>
+            </a:r>
+          </a:p>
+        </p:txBody>
+      </p:sp>
+      <p:sp>
+        <p:nvSpPr>
+          <p:cNvPr id="3" name="Content Placeholder 2">
+            <a:extLst>
+              <a:ext uri="{FF2B5EF4-FFF2-40B4-BE49-F238E27FC236}">
+                <a16:creationId xmlns:a16="http://schemas.microsoft.com/office/drawing/2014/main" id="{2C3DA84B-F8B7-45FD-9BEC-523B86211C74}"/>
+              </a:ext>
+            </a:extLst>
+          </p:cNvPr>
+          <p:cNvSpPr>
+            <a:spLocks noGrp="1"/>
+          </p:cNvSpPr>
+          <p:nvPr>
+            <p:ph idx="1"/>
+          </p:nvPr>
+        </p:nvSpPr>
+        <p:spPr/>
+        <p:txBody>
+          <a:bodyPr/>
+          <a:lstStyle/>
+          <a:p>
+            <a:pPr lvl="1"/>
+            <a:r>
+              <a:rPr lang="en-US" dirty="0"/>
+              <a:t>You are interested in opening a craft brewery in the United States</a:t>
+            </a:r>
+          </a:p>
+          <a:p>
+            <a:pPr lvl="1"/>
+            <a:r>
+              <a:rPr lang="en-US" dirty="0"/>
+              <a:t>We have been hired to identify:</a:t>
+            </a:r>
+          </a:p>
+          <a:p>
+            <a:pPr lvl="1"/>
+            <a:endParaRPr lang="en-US" dirty="0"/>
+          </a:p>
+          <a:p>
+            <a:pPr marL="1371600" lvl="2" indent="-457200">
+              <a:buFont typeface="+mj-lt"/>
+              <a:buAutoNum type="arabicPeriod"/>
+            </a:pPr>
+            <a:r>
+              <a:rPr lang="en-US" dirty="0"/>
+              <a:t>The best locations to place a new brewery</a:t>
+            </a:r>
+          </a:p>
+          <a:p>
+            <a:pPr marL="1645920" lvl="3" indent="-457200">
+              <a:buFont typeface="Wingdings" panose="05000000000000000000" pitchFamily="2" charset="2"/>
+              <a:buChar char="v"/>
+            </a:pPr>
+            <a:r>
+              <a:rPr lang="en-US" dirty="0"/>
+              <a:t>Strong market opportunity</a:t>
+            </a:r>
+          </a:p>
+          <a:p>
+            <a:pPr marL="1645920" lvl="3" indent="-457200">
+              <a:buFont typeface="Wingdings" panose="05000000000000000000" pitchFamily="2" charset="2"/>
+              <a:buChar char="v"/>
+            </a:pPr>
+            <a:r>
+              <a:rPr lang="en-US" dirty="0"/>
+              <a:t>Consider existing competition against regional economic strength </a:t>
+            </a:r>
+          </a:p>
+          <a:p>
+            <a:pPr marL="1645920" lvl="3" indent="-457200">
+              <a:buFont typeface="Wingdings" panose="05000000000000000000" pitchFamily="2" charset="2"/>
+              <a:buChar char="v"/>
+            </a:pPr>
+            <a:r>
+              <a:rPr lang="en-US" dirty="0"/>
+              <a:t>Based upon current craft brewery landscape</a:t>
+            </a:r>
+          </a:p>
+          <a:p>
+            <a:pPr marL="1371600" lvl="2" indent="-457200">
+              <a:buFont typeface="+mj-lt"/>
+              <a:buAutoNum type="arabicPeriod"/>
+            </a:pPr>
+            <a:r>
+              <a:rPr lang="en-US" dirty="0"/>
+              <a:t>The best products to offer</a:t>
+            </a:r>
+          </a:p>
+          <a:p>
+            <a:pPr marL="1474470" lvl="3" indent="-285750">
+              <a:buFont typeface="Wingdings" panose="05000000000000000000" pitchFamily="2" charset="2"/>
+              <a:buChar char="v"/>
+            </a:pPr>
+            <a:r>
+              <a:rPr lang="en-US" dirty="0"/>
+              <a:t>Most popular products on the market today</a:t>
+            </a:r>
+          </a:p>
+          <a:p>
+            <a:pPr marL="1474470" lvl="3" indent="-285750">
+              <a:buFont typeface="Wingdings" panose="05000000000000000000" pitchFamily="2" charset="2"/>
+              <a:buChar char="v"/>
+            </a:pPr>
+            <a:r>
+              <a:rPr lang="en-US" dirty="0"/>
+              <a:t>Opportunity to choose popular choices as a baseline while offering a chance to produce some uncommon options to create a market niche</a:t>
+            </a:r>
+          </a:p>
+          <a:p>
+            <a:pPr marL="1474470" lvl="3" indent="-285750">
+              <a:buFont typeface="Wingdings" panose="05000000000000000000" pitchFamily="2" charset="2"/>
+              <a:buChar char="v"/>
+            </a:pPr>
+            <a:endParaRPr lang="en-US" dirty="0"/>
+          </a:p>
+        </p:txBody>
+      </p:sp>
+    </p:spTree>
+    <p:extLst>
+      <p:ext uri="{BB962C8B-B14F-4D97-AF65-F5344CB8AC3E}">
+        <p14:creationId xmlns:p14="http://schemas.microsoft.com/office/powerpoint/2010/main" val="103467556"/>
+      </p:ext>
+    </p:extLst>
+  </p:cSld>
+  <p:clrMapOvr>
+    <a:masterClrMapping/>
+  </p:clrMapOvr>
+  <p:timing>
+    <p:tnLst>
+      <p:par>
+        <p:cTn id="1" dur="indefinite" restart="never" nodeType="tmRoot">
+          <p:childTnLst>
+            <p:seq concurrent="1" nextAc="seek">
+              <p:cTn id="2" dur="indefinite" nodeType="mainSeq">
+                <p:childTnLst>
+                  <p:par>
+                    <p:cTn id="3" fill="hold">
+                      <p:stCondLst>
+                        <p:cond delay="indefinite"/>
+                      </p:stCondLst>
+                      <p:childTnLst>
+                        <p:par>
+                          <p:cTn id="4" fill="hold">
+                            <p:stCondLst>
+                              <p:cond delay="0"/>
+                            </p:stCondLst>
+                            <p:childTnLst>
+                              <p:par>
+                                <p:cTn id="5" presetID="1" presetClass="entr" presetSubtype="0" fill="hold" nodeType="clickEffect">
+                                  <p:stCondLst>
+                                    <p:cond delay="0"/>
+                                  </p:stCondLst>
+                                  <p:childTnLst>
+                                    <p:set>
+                                      <p:cBhvr>
+                                        <p:cTn id="6" dur="1" fill="hold">
+                                          <p:stCondLst>
+                                            <p:cond delay="0"/>
+                                          </p:stCondLst>
+                                        </p:cTn>
+                                        <p:tgtEl>
+                                          <p:spTgt spid="3">
+                                            <p:txEl>
+                                              <p:pRg st="3" end="3"/>
+                                            </p:txEl>
+                                          </p:spTgt>
+                                        </p:tgtEl>
+                                        <p:attrNameLst>
+                                          <p:attrName>style.visibility</p:attrName>
+                                        </p:attrNameLst>
+                                      </p:cBhvr>
+                                      <p:to>
+                                        <p:strVal val="visible"/>
+                                      </p:to>
+                                    </p:set>
+                                  </p:childTnLst>
+                                </p:cTn>
+                              </p:par>
+                            </p:childTnLst>
+                          </p:cTn>
+                        </p:par>
+                      </p:childTnLst>
+                    </p:cTn>
+                  </p:par>
+                  <p:par>
+                    <p:cTn id="7" fill="hold">
+                      <p:stCondLst>
+                        <p:cond delay="indefinite"/>
+                      </p:stCondLst>
+                      <p:childTnLst>
+                        <p:par>
+                          <p:cTn id="8" fill="hold">
+                            <p:stCondLst>
+                              <p:cond delay="0"/>
+                            </p:stCondLst>
+                            <p:childTnLst>
+                              <p:par>
+                                <p:cTn id="9" presetID="1" presetClass="entr" presetSubtype="0" fill="hold" nodeType="clickEffect">
+                                  <p:stCondLst>
+                                    <p:cond delay="0"/>
+                                  </p:stCondLst>
+                                  <p:childTnLst>
+                                    <p:set>
+                                      <p:cBhvr>
+                                        <p:cTn id="10" dur="1" fill="hold">
+                                          <p:stCondLst>
+                                            <p:cond delay="0"/>
+                                          </p:stCondLst>
+                                        </p:cTn>
+                                        <p:tgtEl>
+                                          <p:spTgt spid="3">
+                                            <p:txEl>
+                                              <p:pRg st="4" end="4"/>
+                                            </p:txEl>
+                                          </p:spTgt>
+                                        </p:tgtEl>
+                                        <p:attrNameLst>
+                                          <p:attrName>style.visibility</p:attrName>
+                                        </p:attrNameLst>
+                                      </p:cBhvr>
+                                      <p:to>
+                                        <p:strVal val="visible"/>
+                                      </p:to>
+                                    </p:set>
+                                  </p:childTnLst>
+                                </p:cTn>
+                              </p:par>
+                              <p:par>
+                                <p:cTn id="11" presetID="1" presetClass="entr" presetSubtype="0" fill="hold" nodeType="withEffect">
+                                  <p:stCondLst>
+                                    <p:cond delay="0"/>
+                                  </p:stCondLst>
+                                  <p:childTnLst>
+                                    <p:set>
+                                      <p:cBhvr>
+                                        <p:cTn id="12" dur="1" fill="hold">
+                                          <p:stCondLst>
+                                            <p:cond delay="0"/>
+                                          </p:stCondLst>
+                                        </p:cTn>
+                                        <p:tgtEl>
+                                          <p:spTgt spid="3">
+                                            <p:txEl>
+                                              <p:pRg st="5" end="5"/>
+                                            </p:txEl>
+                                          </p:spTgt>
+                                        </p:tgtEl>
+                                        <p:attrNameLst>
+                                          <p:attrName>style.visibility</p:attrName>
+                                        </p:attrNameLst>
+                                      </p:cBhvr>
+                                      <p:to>
+                                        <p:strVal val="visible"/>
+                                      </p:to>
+                                    </p:set>
+                                  </p:childTnLst>
+                                </p:cTn>
+                              </p:par>
+                              <p:par>
+                                <p:cTn id="13" presetID="1" presetClass="entr" presetSubtype="0" fill="hold" nodeType="withEffect">
+                                  <p:stCondLst>
+                                    <p:cond delay="0"/>
+                                  </p:stCondLst>
+                                  <p:childTnLst>
+                                    <p:set>
+                                      <p:cBhvr>
+                                        <p:cTn id="14" dur="1" fill="hold">
+                                          <p:stCondLst>
+                                            <p:cond delay="0"/>
+                                          </p:stCondLst>
+                                        </p:cTn>
+                                        <p:tgtEl>
+                                          <p:spTgt spid="3">
+                                            <p:txEl>
+                                              <p:pRg st="6" end="6"/>
+                                            </p:txEl>
+                                          </p:spTgt>
+                                        </p:tgtEl>
+                                        <p:attrNameLst>
+                                          <p:attrName>style.visibility</p:attrName>
+                                        </p:attrNameLst>
+                                      </p:cBhvr>
+                                      <p:to>
+                                        <p:strVal val="visible"/>
+                                      </p:to>
+                                    </p:set>
+                                  </p:childTnLst>
+                                </p:cTn>
+                              </p:par>
+                            </p:childTnLst>
+                          </p:cTn>
+                        </p:par>
+                      </p:childTnLst>
+                    </p:cTn>
+                  </p:par>
+                  <p:par>
+                    <p:cTn id="15" fill="hold">
+                      <p:stCondLst>
+                        <p:cond delay="indefinite"/>
+                      </p:stCondLst>
+                      <p:childTnLst>
+                        <p:par>
+                          <p:cTn id="16" fill="hold">
+                            <p:stCondLst>
+                              <p:cond delay="0"/>
+                            </p:stCondLst>
+                            <p:childTnLst>
+                              <p:par>
+                                <p:cTn id="17" presetID="1" presetClass="entr" presetSubtype="0" fill="hold" nodeType="clickEffect">
+                                  <p:stCondLst>
+                                    <p:cond delay="0"/>
+                                  </p:stCondLst>
+                                  <p:childTnLst>
+                                    <p:set>
+                                      <p:cBhvr>
+                                        <p:cTn id="18" dur="1" fill="hold">
+                                          <p:stCondLst>
+                                            <p:cond delay="0"/>
+                                          </p:stCondLst>
+                                        </p:cTn>
+                                        <p:tgtEl>
+                                          <p:spTgt spid="3">
+                                            <p:txEl>
+                                              <p:pRg st="7" end="7"/>
+                                            </p:txEl>
+                                          </p:spTgt>
+                                        </p:tgtEl>
+                                        <p:attrNameLst>
+                                          <p:attrName>style.visibility</p:attrName>
+                                        </p:attrNameLst>
+                                      </p:cBhvr>
+                                      <p:to>
+                                        <p:strVal val="visible"/>
+                                      </p:to>
+                                    </p:set>
+                                  </p:childTnLst>
+                                </p:cTn>
+                              </p:par>
+                            </p:childTnLst>
+                          </p:cTn>
+                        </p:par>
+                      </p:childTnLst>
+                    </p:cTn>
+                  </p:par>
+                  <p:par>
+                    <p:cTn id="19" fill="hold">
+                      <p:stCondLst>
+                        <p:cond delay="indefinite"/>
+                      </p:stCondLst>
+                      <p:childTnLst>
+                        <p:par>
+                          <p:cTn id="20" fill="hold">
+                            <p:stCondLst>
+                              <p:cond delay="0"/>
+                            </p:stCondLst>
+                            <p:childTnLst>
+                              <p:par>
+                                <p:cTn id="21" presetID="1" presetClass="entr" presetSubtype="0" fill="hold" nodeType="clickEffect">
+                                  <p:stCondLst>
+                                    <p:cond delay="0"/>
+                                  </p:stCondLst>
+                                  <p:childTnLst>
+                                    <p:set>
+                                      <p:cBhvr>
+                                        <p:cTn id="22" dur="1" fill="hold">
+                                          <p:stCondLst>
+                                            <p:cond delay="0"/>
+                                          </p:stCondLst>
+                                        </p:cTn>
+                                        <p:tgtEl>
+                                          <p:spTgt spid="3">
+                                            <p:txEl>
+                                              <p:pRg st="8" end="8"/>
+                                            </p:txEl>
+                                          </p:spTgt>
+                                        </p:tgtEl>
+                                        <p:attrNameLst>
+                                          <p:attrName>style.visibility</p:attrName>
+                                        </p:attrNameLst>
+                                      </p:cBhvr>
+                                      <p:to>
+                                        <p:strVal val="visible"/>
+                                      </p:to>
+                                    </p:set>
+                                  </p:childTnLst>
+                                </p:cTn>
+                              </p:par>
+                              <p:par>
+                                <p:cTn id="23" presetID="1" presetClass="entr" presetSubtype="0" fill="hold" nodeType="withEffect">
+                                  <p:stCondLst>
+                                    <p:cond delay="0"/>
+                                  </p:stCondLst>
+                                  <p:childTnLst>
+                                    <p:set>
+                                      <p:cBhvr>
+                                        <p:cTn id="24" dur="1" fill="hold">
+                                          <p:stCondLst>
+                                            <p:cond delay="0"/>
+                                          </p:stCondLst>
+                                        </p:cTn>
+                                        <p:tgtEl>
+                                          <p:spTgt spid="3">
+                                            <p:txEl>
+                                              <p:pRg st="9" end="9"/>
+                                            </p:txEl>
+                                          </p:spTgt>
+                                        </p:tgtEl>
+                                        <p:attrNameLst>
+                                          <p:attrName>style.visibility</p:attrName>
+                                        </p:attrNameLst>
+                                      </p:cBhvr>
+                                      <p:to>
+                                        <p:strVal val="visible"/>
+                                      </p:to>
+                                    </p:set>
+                                  </p:childTnLst>
+                                </p:cTn>
+                              </p:par>
+                            </p:childTnLst>
+                          </p:cTn>
+                        </p:par>
+                      </p:childTnLst>
+                    </p:cTn>
+                  </p:par>
+                </p:childTnLst>
+              </p:cTn>
+              <p:prevCondLst>
+                <p:cond evt="onPrev" delay="0">
+                  <p:tgtEl>
+                    <p:sldTgt/>
+                  </p:tgtEl>
+                </p:cond>
+              </p:prevCondLst>
+              <p:nextCondLst>
+                <p:cond evt="onNext" delay="0">
+                  <p:tgtEl>
+                    <p:sldTgt/>
+                  </p:tgtEl>
+                </p:cond>
+              </p:nextCondLst>
+            </p:seq>
+          </p:childTnLst>
+        </p:cTn>
+      </p:par>
+    </p:tnLst>
+  </p:timing>
+</p:sld>
+</file>
+
+<file path=ppt/slides/slide3.xml><?xml version="1.0" encoding="utf-8"?>
+<p:sld xmlns:a="http://schemas.openxmlformats.org/drawingml/2006/main" xmlns:r="http://schemas.openxmlformats.org/officeDocument/2006/relationships" xmlns:p="http://schemas.openxmlformats.org/presentationml/2006/main">
+  <p:cSld>
+    <p:spTree>
+      <p:nvGrpSpPr>
+        <p:cNvPr id="1" name=""/>
+        <p:cNvGrpSpPr/>
+        <p:nvPr/>
+      </p:nvGrpSpPr>
+      <p:grpSpPr>
+        <a:xfrm>
+          <a:off x="0" y="0"/>
+          <a:ext cx="0" cy="0"/>
+          <a:chOff x="0" y="0"/>
+          <a:chExt cx="0" cy="0"/>
+        </a:xfrm>
+      </p:grpSpPr>
+      <p:sp>
+        <p:nvSpPr>
+          <p:cNvPr id="2" name="Title 1">
+            <a:extLst>
+              <a:ext uri="{FF2B5EF4-FFF2-40B4-BE49-F238E27FC236}">
+                <a16:creationId xmlns:a16="http://schemas.microsoft.com/office/drawing/2014/main" id="{446D00A4-8732-464C-9AC1-155DBA35912E}"/>
+              </a:ext>
+            </a:extLst>
+          </p:cNvPr>
+          <p:cNvSpPr>
+            <a:spLocks noGrp="1"/>
+          </p:cNvSpPr>
+          <p:nvPr>
+            <p:ph type="title"/>
+          </p:nvPr>
+        </p:nvSpPr>
+        <p:spPr/>
+        <p:txBody>
+          <a:bodyPr/>
+          <a:lstStyle/>
+          <a:p>
+            <a:r>
+              <a:rPr lang="en-US" b="1" dirty="0"/>
+              <a:t>Overview</a:t>
+            </a:r>
+          </a:p>
+        </p:txBody>
+      </p:sp>
+      <p:sp>
+        <p:nvSpPr>
+          <p:cNvPr id="3" name="Content Placeholder 2">
+            <a:extLst>
+              <a:ext uri="{FF2B5EF4-FFF2-40B4-BE49-F238E27FC236}">
+                <a16:creationId xmlns:a16="http://schemas.microsoft.com/office/drawing/2014/main" id="{2C3DA84B-F8B7-45FD-9BEC-523B86211C74}"/>
+              </a:ext>
+            </a:extLst>
+          </p:cNvPr>
+          <p:cNvSpPr>
+            <a:spLocks noGrp="1"/>
+          </p:cNvSpPr>
+          <p:nvPr>
+            <p:ph idx="1"/>
+          </p:nvPr>
+        </p:nvSpPr>
+        <p:spPr/>
+        <p:txBody>
+          <a:bodyPr/>
+          <a:lstStyle/>
+          <a:p>
+            <a:pPr lvl="1"/>
+            <a:r>
+              <a:rPr lang="en-US" dirty="0"/>
+              <a:t>This presentation we will touch upon the following topics:</a:t>
+            </a:r>
+          </a:p>
+          <a:p>
+            <a:pPr lvl="2"/>
+            <a:r>
+              <a:rPr lang="en-US" dirty="0"/>
+              <a:t>A general overview of the craft beer industry</a:t>
+            </a:r>
+          </a:p>
+          <a:p>
+            <a:pPr lvl="2"/>
+            <a:r>
+              <a:rPr lang="en-US" dirty="0"/>
+              <a:t>A brief discussion of our data gathering and analysis</a:t>
+            </a:r>
+          </a:p>
+          <a:p>
+            <a:pPr lvl="2"/>
+            <a:r>
+              <a:rPr lang="en-US" dirty="0"/>
+              <a:t>Discussion of best opportunities for a new brewery</a:t>
+            </a:r>
+          </a:p>
+          <a:p>
+            <a:pPr lvl="2"/>
+            <a:r>
+              <a:rPr lang="en-US" dirty="0"/>
+              <a:t>An analysis of the craft beer data</a:t>
+            </a:r>
+          </a:p>
+          <a:p>
+            <a:pPr lvl="2"/>
+            <a:r>
+              <a:rPr lang="en-US" dirty="0"/>
+              <a:t>Discussion of the beer options available</a:t>
+            </a:r>
+          </a:p>
+          <a:p>
+            <a:pPr lvl="2"/>
+            <a:r>
+              <a:rPr lang="en-US" dirty="0"/>
+              <a:t>Conclusion with our recommendations</a:t>
+            </a:r>
+          </a:p>
+          <a:p>
+            <a:pPr lvl="2"/>
+            <a:endParaRPr lang="en-US" dirty="0"/>
+          </a:p>
+        </p:txBody>
+      </p:sp>
+    </p:spTree>
+    <p:extLst>
+      <p:ext uri="{BB962C8B-B14F-4D97-AF65-F5344CB8AC3E}">
+        <p14:creationId xmlns:p14="http://schemas.microsoft.com/office/powerpoint/2010/main" val="490979746"/>
+      </p:ext>
+    </p:extLst>
+  </p:cSld>
+  <p:clrMapOvr>
+    <a:masterClrMapping/>
+  </p:clrMapOvr>
+</p:sld>
+</file>
+
+<file path=ppt/slides/slide4.xml><?xml version="1.0" encoding="utf-8"?>
+<p:sld xmlns:a="http://schemas.openxmlformats.org/drawingml/2006/main" xmlns:r="http://schemas.openxmlformats.org/officeDocument/2006/relationships" xmlns:p="http://schemas.openxmlformats.org/presentationml/2006/main">
+  <p:cSld>
+    <p:spTree>
+      <p:nvGrpSpPr>
+        <p:cNvPr id="1" name=""/>
+        <p:cNvGrpSpPr/>
+        <p:nvPr/>
+      </p:nvGrpSpPr>
+      <p:grpSpPr>
+        <a:xfrm>
+          <a:off x="0" y="0"/>
+          <a:ext cx="0" cy="0"/>
+          <a:chOff x="0" y="0"/>
+          <a:chExt cx="0" cy="0"/>
+        </a:xfrm>
+      </p:grpSpPr>
+      <p:sp>
+        <p:nvSpPr>
+          <p:cNvPr id="5" name="Title 4">
+            <a:extLst>
+              <a:ext uri="{FF2B5EF4-FFF2-40B4-BE49-F238E27FC236}">
+                <a16:creationId xmlns:a16="http://schemas.microsoft.com/office/drawing/2014/main" id="{AE3EA2F5-A2F7-4DA8-9AEB-E0729A2F0AF9}"/>
+              </a:ext>
+            </a:extLst>
+          </p:cNvPr>
+          <p:cNvSpPr>
+            <a:spLocks noGrp="1"/>
+          </p:cNvSpPr>
+          <p:nvPr>
+            <p:ph type="title"/>
+          </p:nvPr>
+        </p:nvSpPr>
+        <p:spPr/>
+        <p:txBody>
+          <a:bodyPr>
+            <a:normAutofit/>
+          </a:bodyPr>
+          <a:lstStyle/>
+          <a:p>
+            <a:r>
+              <a:rPr lang="en-US" sz="6600" dirty="0"/>
+              <a:t>Craft Beer Industry</a:t>
+            </a:r>
+          </a:p>
+        </p:txBody>
+      </p:sp>
+      <p:sp>
+        <p:nvSpPr>
+          <p:cNvPr id="6" name="Text Placeholder 5">
+            <a:extLst>
+              <a:ext uri="{FF2B5EF4-FFF2-40B4-BE49-F238E27FC236}">
+                <a16:creationId xmlns:a16="http://schemas.microsoft.com/office/drawing/2014/main" id="{352CCDBF-347F-4EA0-B44A-EE1FF5FE09DC}"/>
+              </a:ext>
+            </a:extLst>
+          </p:cNvPr>
+          <p:cNvSpPr>
+            <a:spLocks noGrp="1"/>
+          </p:cNvSpPr>
+          <p:nvPr>
+            <p:ph type="body" idx="1"/>
+          </p:nvPr>
+        </p:nvSpPr>
+        <p:spPr/>
+        <p:txBody>
+          <a:bodyPr/>
+          <a:lstStyle/>
+          <a:p>
+            <a:endParaRPr lang="en-US" dirty="0"/>
+          </a:p>
+        </p:txBody>
+      </p:sp>
+    </p:spTree>
+    <p:extLst>
+      <p:ext uri="{BB962C8B-B14F-4D97-AF65-F5344CB8AC3E}">
+        <p14:creationId xmlns:p14="http://schemas.microsoft.com/office/powerpoint/2010/main" val="2813643832"/>
+      </p:ext>
+    </p:extLst>
+  </p:cSld>
+  <p:clrMapOvr>
+    <a:masterClrMapping/>
+  </p:clrMapOvr>
+</p:sld>
+</file>
+
+<file path=ppt/slides/slide5.xml><?xml version="1.0" encoding="utf-8"?>
+<p:sld xmlns:a="http://schemas.openxmlformats.org/drawingml/2006/main" xmlns:r="http://schemas.openxmlformats.org/officeDocument/2006/relationships" xmlns:p="http://schemas.openxmlformats.org/presentationml/2006/main">
+  <p:cSld>
+    <p:spTree>
+      <p:nvGrpSpPr>
+        <p:cNvPr id="1" name=""/>
+        <p:cNvGrpSpPr/>
+        <p:nvPr/>
+      </p:nvGrpSpPr>
+      <p:grpSpPr>
+        <a:xfrm>
+          <a:off x="0" y="0"/>
+          <a:ext cx="0" cy="0"/>
+          <a:chOff x="0" y="0"/>
+          <a:chExt cx="0" cy="0"/>
+        </a:xfrm>
+      </p:grpSpPr>
+      <p:sp>
+        <p:nvSpPr>
+          <p:cNvPr id="10" name="Title 9">
+            <a:extLst>
+              <a:ext uri="{FF2B5EF4-FFF2-40B4-BE49-F238E27FC236}">
+                <a16:creationId xmlns:a16="http://schemas.microsoft.com/office/drawing/2014/main" id="{53203CF2-179B-4CF6-A1D0-7F530507E06D}"/>
+              </a:ext>
+            </a:extLst>
+          </p:cNvPr>
+          <p:cNvSpPr>
+            <a:spLocks noGrp="1"/>
+          </p:cNvSpPr>
+          <p:nvPr>
+            <p:ph type="title"/>
+          </p:nvPr>
+        </p:nvSpPr>
+        <p:spPr/>
+        <p:txBody>
+          <a:bodyPr/>
+          <a:lstStyle/>
+          <a:p>
+            <a:r>
+              <a:rPr lang="en-US" dirty="0"/>
+              <a:t>Types of Craft Breweries</a:t>
+            </a:r>
+          </a:p>
+        </p:txBody>
+      </p:sp>
+      <p:sp>
+        <p:nvSpPr>
+          <p:cNvPr id="11" name="Content Placeholder 10">
+            <a:extLst>
+              <a:ext uri="{FF2B5EF4-FFF2-40B4-BE49-F238E27FC236}">
+                <a16:creationId xmlns:a16="http://schemas.microsoft.com/office/drawing/2014/main" id="{A0F1BB2F-6B7E-4C8D-BDD1-F5B2D16B35C3}"/>
+              </a:ext>
+            </a:extLst>
+          </p:cNvPr>
+          <p:cNvSpPr>
+            <a:spLocks noGrp="1"/>
+          </p:cNvSpPr>
+          <p:nvPr>
+            <p:ph idx="1"/>
+          </p:nvPr>
+        </p:nvSpPr>
+        <p:spPr/>
+        <p:txBody>
+          <a:bodyPr>
+            <a:normAutofit fontScale="92500" lnSpcReduction="20000"/>
+          </a:bodyPr>
+          <a:lstStyle/>
+          <a:p>
+            <a:r>
+              <a:rPr lang="en-US" dirty="0"/>
+              <a:t>Contract Brewery</a:t>
+            </a:r>
+          </a:p>
+          <a:p>
+            <a:pPr lvl="1"/>
+            <a:r>
+              <a:rPr lang="en-US" dirty="0"/>
+              <a:t>Two Types</a:t>
+            </a:r>
+          </a:p>
+          <a:p>
+            <a:pPr lvl="2"/>
+            <a:r>
+              <a:rPr lang="en-US" dirty="0"/>
+              <a:t>A company that hires another brewery to produce all the beer and they only handle distribution, marketing, sales, etc.</a:t>
+            </a:r>
+          </a:p>
+          <a:p>
+            <a:pPr lvl="2"/>
+            <a:r>
+              <a:rPr lang="en-US" dirty="0"/>
+              <a:t>A brewer hired to produce and bottle beer only</a:t>
+            </a:r>
+          </a:p>
+          <a:p>
+            <a:r>
+              <a:rPr lang="en-US" dirty="0"/>
+              <a:t>Brewpub</a:t>
+            </a:r>
+          </a:p>
+          <a:p>
+            <a:pPr lvl="1"/>
+            <a:r>
+              <a:rPr lang="en-US" dirty="0"/>
+              <a:t>A small brewery where the beer usually primarily brewed for on-site business</a:t>
+            </a:r>
+          </a:p>
+          <a:p>
+            <a:pPr lvl="1"/>
+            <a:r>
+              <a:rPr lang="en-US" dirty="0"/>
+              <a:t>At least 25% of the beer must be sold on-site</a:t>
+            </a:r>
+          </a:p>
+          <a:p>
+            <a:r>
+              <a:rPr lang="en-US" dirty="0"/>
+              <a:t>Microbrewery</a:t>
+            </a:r>
+          </a:p>
+          <a:p>
+            <a:pPr lvl="1"/>
+            <a:r>
+              <a:rPr lang="en-US" dirty="0"/>
+              <a:t>Still a small brewery that produces less than 15,000 barrels per year</a:t>
+            </a:r>
+          </a:p>
+          <a:p>
+            <a:pPr lvl="1"/>
+            <a:r>
+              <a:rPr lang="en-US" dirty="0"/>
+              <a:t>75% of sales must be sold off-site</a:t>
+            </a:r>
+          </a:p>
+          <a:p>
+            <a:r>
+              <a:rPr lang="en-US" dirty="0"/>
+              <a:t>Regional Brewery</a:t>
+            </a:r>
+          </a:p>
+          <a:p>
+            <a:pPr lvl="1"/>
+            <a:r>
+              <a:rPr lang="en-US" dirty="0"/>
+              <a:t>A brewery that produces over 15,000 barrels and produces beer in a traditional or non-mechanized way</a:t>
+            </a:r>
+          </a:p>
+          <a:p>
+            <a:pPr lvl="8"/>
+            <a:endParaRPr lang="en-US" dirty="0"/>
+          </a:p>
+        </p:txBody>
+      </p:sp>
+      <p:sp>
+        <p:nvSpPr>
+          <p:cNvPr id="12" name="TextBox 11">
+            <a:extLst>
+              <a:ext uri="{FF2B5EF4-FFF2-40B4-BE49-F238E27FC236}">
+                <a16:creationId xmlns:a16="http://schemas.microsoft.com/office/drawing/2014/main" id="{4F1E1BE3-7C82-4146-8485-8BA8CDA2CF90}"/>
+              </a:ext>
+            </a:extLst>
+          </p:cNvPr>
+          <p:cNvSpPr txBox="1"/>
+          <p:nvPr/>
+        </p:nvSpPr>
+        <p:spPr>
+          <a:xfrm>
+            <a:off x="8421624" y="6373368"/>
+            <a:ext cx="2953512" cy="276999"/>
+          </a:xfrm>
+          <a:prstGeom prst="rect">
+            <a:avLst/>
+          </a:prstGeom>
+          <a:noFill/>
+        </p:spPr>
+        <p:txBody>
+          <a:bodyPr wrap="square" rtlCol="0">
+            <a:spAutoFit/>
+          </a:bodyPr>
+          <a:lstStyle/>
+          <a:p>
+            <a:r>
+              <a:rPr lang="en-US" sz="1200" dirty="0"/>
+              <a:t>Definitions from Brewers Association</a:t>
+            </a:r>
+          </a:p>
+        </p:txBody>
+      </p:sp>
+    </p:spTree>
+    <p:extLst>
+      <p:ext uri="{BB962C8B-B14F-4D97-AF65-F5344CB8AC3E}">
+        <p14:creationId xmlns:p14="http://schemas.microsoft.com/office/powerpoint/2010/main" val="3235484023"/>
+      </p:ext>
+    </p:extLst>
+  </p:cSld>
+  <p:clrMapOvr>
+    <a:masterClrMapping/>
+  </p:clrMapOvr>
+</p:sld>
+</file>
+
+<file path=ppt/slides/slide6.xml><?xml version="1.0" encoding="utf-8"?>
+<p:sld xmlns:a="http://schemas.openxmlformats.org/drawingml/2006/main" xmlns:r="http://schemas.openxmlformats.org/officeDocument/2006/relationships" xmlns:p="http://schemas.openxmlformats.org/presentationml/2006/main">
+  <p:cSld>
+    <p:spTree>
+      <p:nvGrpSpPr>
+        <p:cNvPr id="1" name=""/>
+        <p:cNvGrpSpPr/>
+        <p:nvPr/>
+      </p:nvGrpSpPr>
+      <p:grpSpPr>
+        <a:xfrm>
+          <a:off x="0" y="0"/>
+          <a:ext cx="0" cy="0"/>
+          <a:chOff x="0" y="0"/>
+          <a:chExt cx="0" cy="0"/>
+        </a:xfrm>
+      </p:grpSpPr>
+      <p:pic>
+        <p:nvPicPr>
+          <p:cNvPr id="4" name="Picture 3">
+            <a:extLst>
+              <a:ext uri="{FF2B5EF4-FFF2-40B4-BE49-F238E27FC236}">
+                <a16:creationId xmlns:a16="http://schemas.microsoft.com/office/drawing/2014/main" id="{21C27861-F7A6-4434-814B-85F18ECE0902}"/>
+              </a:ext>
+            </a:extLst>
+          </p:cNvPr>
+          <p:cNvPicPr>
+            <a:picLocks noChangeAspect="1"/>
+          </p:cNvPicPr>
+          <p:nvPr/>
+        </p:nvPicPr>
+        <p:blipFill rotWithShape="1">
+          <a:blip r:embed="rId2"/>
+          <a:srcRect l="32350" t="25467" r="19784" b="26829"/>
+          <a:stretch/>
+        </p:blipFill>
+        <p:spPr>
+          <a:xfrm>
+            <a:off x="0" y="699180"/>
+            <a:ext cx="8324645" cy="5185317"/>
+          </a:xfrm>
+          <a:prstGeom prst="rect">
+            <a:avLst/>
+          </a:prstGeom>
+        </p:spPr>
+      </p:pic>
+      <p:sp>
+        <p:nvSpPr>
+          <p:cNvPr id="6" name="Title 5">
+            <a:extLst>
+              <a:ext uri="{FF2B5EF4-FFF2-40B4-BE49-F238E27FC236}">
+                <a16:creationId xmlns:a16="http://schemas.microsoft.com/office/drawing/2014/main" id="{111D5E8F-C338-43C4-8C39-AD240F6E008A}"/>
+              </a:ext>
+            </a:extLst>
+          </p:cNvPr>
+          <p:cNvSpPr>
+            <a:spLocks noGrp="1"/>
+          </p:cNvSpPr>
+          <p:nvPr>
+            <p:ph type="title"/>
+          </p:nvPr>
+        </p:nvSpPr>
+        <p:spPr/>
+        <p:txBody>
+          <a:bodyPr>
+            <a:normAutofit/>
+          </a:bodyPr>
+          <a:lstStyle/>
+          <a:p>
+            <a:r>
+              <a:rPr lang="en-US" sz="1800" dirty="0"/>
+              <a:t>The Craft Beer Industry is Still Growing</a:t>
+            </a:r>
+          </a:p>
+        </p:txBody>
+      </p:sp>
+      <p:sp>
+        <p:nvSpPr>
+          <p:cNvPr id="8" name="Text Placeholder 7">
+            <a:extLst>
+              <a:ext uri="{FF2B5EF4-FFF2-40B4-BE49-F238E27FC236}">
+                <a16:creationId xmlns:a16="http://schemas.microsoft.com/office/drawing/2014/main" id="{3429476E-56FA-4C99-9E2A-2A218F78D980}"/>
+              </a:ext>
+            </a:extLst>
+          </p:cNvPr>
+          <p:cNvSpPr>
+            <a:spLocks noGrp="1"/>
+          </p:cNvSpPr>
+          <p:nvPr>
+            <p:ph type="body" sz="half" idx="2"/>
+          </p:nvPr>
+        </p:nvSpPr>
+        <p:spPr/>
+        <p:txBody>
+          <a:bodyPr/>
+          <a:lstStyle/>
+          <a:p>
+            <a:pPr marL="285750" indent="-285750">
+              <a:buFont typeface="Arial" panose="020B0604020202020204" pitchFamily="34" charset="0"/>
+              <a:buChar char="•"/>
+            </a:pPr>
+            <a:r>
+              <a:rPr lang="en-US" dirty="0"/>
+              <a:t>After explosive growth the past few years, growth has slowed.</a:t>
+            </a:r>
+          </a:p>
+          <a:p>
+            <a:pPr marL="285750" indent="-285750">
+              <a:buFont typeface="Arial" panose="020B0604020202020204" pitchFamily="34" charset="0"/>
+              <a:buChar char="•"/>
+            </a:pPr>
+            <a:r>
+              <a:rPr lang="en-US" dirty="0"/>
+              <a:t>But there is still opportunity for a smart brewer.</a:t>
+            </a:r>
+          </a:p>
+          <a:p>
+            <a:pPr marL="285750" indent="-285750">
+              <a:buFont typeface="Arial" panose="020B0604020202020204" pitchFamily="34" charset="0"/>
+              <a:buChar char="•"/>
+            </a:pPr>
+            <a:r>
+              <a:rPr lang="en-US" dirty="0"/>
+              <a:t>Regional breweries make up approximately 71% of the craft beer industry</a:t>
+            </a:r>
+          </a:p>
+          <a:p>
+            <a:pPr marL="285750" indent="-285750">
+              <a:buFont typeface="Arial" panose="020B0604020202020204" pitchFamily="34" charset="0"/>
+              <a:buChar char="•"/>
+            </a:pPr>
+            <a:r>
+              <a:rPr lang="en-US" dirty="0"/>
+              <a:t>Microbreweries are gaining traction</a:t>
+            </a:r>
+          </a:p>
+        </p:txBody>
+      </p:sp>
+      <p:pic>
+        <p:nvPicPr>
+          <p:cNvPr id="9" name="Picture 8">
+            <a:extLst>
+              <a:ext uri="{FF2B5EF4-FFF2-40B4-BE49-F238E27FC236}">
+                <a16:creationId xmlns:a16="http://schemas.microsoft.com/office/drawing/2014/main" id="{FF7EFF8A-277F-49D3-8D3E-BE4D8FCCD6DA}"/>
+              </a:ext>
+            </a:extLst>
+          </p:cNvPr>
+          <p:cNvPicPr>
+            <a:picLocks noChangeAspect="1"/>
+          </p:cNvPicPr>
+          <p:nvPr/>
+        </p:nvPicPr>
+        <p:blipFill>
+          <a:blip r:embed="rId3"/>
+          <a:stretch>
+            <a:fillRect/>
+          </a:stretch>
+        </p:blipFill>
+        <p:spPr>
+          <a:xfrm>
+            <a:off x="5870448" y="5715000"/>
+            <a:ext cx="2310050" cy="278241"/>
+          </a:xfrm>
+          <a:prstGeom prst="rect">
+            <a:avLst/>
+          </a:prstGeom>
+        </p:spPr>
+      </p:pic>
+    </p:spTree>
+    <p:extLst>
+      <p:ext uri="{BB962C8B-B14F-4D97-AF65-F5344CB8AC3E}">
+        <p14:creationId xmlns:p14="http://schemas.microsoft.com/office/powerpoint/2010/main" val="3512249171"/>
+      </p:ext>
+    </p:extLst>
+  </p:cSld>
+  <p:clrMapOvr>
+    <a:masterClrMapping/>
+  </p:clrMapOvr>
+</p:sld>
+</file>
+
+<file path=ppt/slides/slide7.xml><?xml version="1.0" encoding="utf-8"?>
 <p:sld xmlns:a="http://schemas.openxmlformats.org/drawingml/2006/main" xmlns:r="http://schemas.openxmlformats.org/officeDocument/2006/relationships" xmlns:p="http://schemas.openxmlformats.org/presentationml/2006/main">
   <p:cSld>
     <p:spTree>
@@ -3344,14 +5354,105 @@
         </p:blipFill>
         <p:spPr>
           <a:xfrm>
-            <a:off x="715535" y="439177"/>
-            <a:ext cx="7502914" cy="5979645"/>
+            <a:off x="0" y="63405"/>
+            <a:ext cx="8287603" cy="6605024"/>
           </a:xfrm>
           <a:prstGeom prst="rect">
             <a:avLst/>
           </a:prstGeom>
         </p:spPr>
       </p:pic>
+      <p:sp>
+        <p:nvSpPr>
+          <p:cNvPr id="2" name="Title 1">
+            <a:extLst>
+              <a:ext uri="{FF2B5EF4-FFF2-40B4-BE49-F238E27FC236}">
+                <a16:creationId xmlns:a16="http://schemas.microsoft.com/office/drawing/2014/main" id="{183C56E2-5CA0-463D-8E07-8F447F9960C0}"/>
+              </a:ext>
+            </a:extLst>
+          </p:cNvPr>
+          <p:cNvSpPr>
+            <a:spLocks noGrp="1"/>
+          </p:cNvSpPr>
+          <p:nvPr>
+            <p:ph type="title"/>
+          </p:nvPr>
+        </p:nvSpPr>
+        <p:spPr/>
+        <p:txBody>
+          <a:bodyPr>
+            <a:normAutofit fontScale="90000"/>
+          </a:bodyPr>
+          <a:lstStyle/>
+          <a:p>
+            <a:r>
+              <a:rPr lang="en-US" dirty="0"/>
+              <a:t>The Craft Beer Industry is Gaining Larger Market Share</a:t>
+            </a:r>
+          </a:p>
+        </p:txBody>
+      </p:sp>
+      <p:sp>
+        <p:nvSpPr>
+          <p:cNvPr id="5" name="Text Placeholder 4">
+            <a:extLst>
+              <a:ext uri="{FF2B5EF4-FFF2-40B4-BE49-F238E27FC236}">
+                <a16:creationId xmlns:a16="http://schemas.microsoft.com/office/drawing/2014/main" id="{52BDECBA-C6C9-4569-82B4-0F7F5622F281}"/>
+              </a:ext>
+            </a:extLst>
+          </p:cNvPr>
+          <p:cNvSpPr>
+            <a:spLocks noGrp="1"/>
+          </p:cNvSpPr>
+          <p:nvPr>
+            <p:ph type="body" sz="half" idx="2"/>
+          </p:nvPr>
+        </p:nvSpPr>
+        <p:spPr/>
+        <p:txBody>
+          <a:bodyPr>
+            <a:normAutofit/>
+          </a:bodyPr>
+          <a:lstStyle/>
+          <a:p>
+            <a:pPr marL="171450" indent="-171450">
+              <a:buFont typeface="Arial" panose="020B0604020202020204" pitchFamily="34" charset="0"/>
+              <a:buChar char="•"/>
+            </a:pPr>
+            <a:r>
+              <a:rPr lang="en-US" sz="1200" dirty="0"/>
+              <a:t>While overall beer production is stagnant, craft beer grew 2016</a:t>
+            </a:r>
+          </a:p>
+          <a:p>
+            <a:pPr marL="171450" indent="-171450">
+              <a:buFont typeface="Arial" panose="020B0604020202020204" pitchFamily="34" charset="0"/>
+              <a:buChar char="•"/>
+            </a:pPr>
+            <a:r>
+              <a:rPr lang="en-US" sz="1200" dirty="0"/>
+              <a:t>12.3% of volume sold was craft. An increase of 6.2%</a:t>
+            </a:r>
+          </a:p>
+          <a:p>
+            <a:pPr marL="171450" indent="-171450">
+              <a:buFont typeface="Arial" panose="020B0604020202020204" pitchFamily="34" charset="0"/>
+              <a:buChar char="•"/>
+            </a:pPr>
+            <a:r>
+              <a:rPr lang="en-US" sz="1200" dirty="0"/>
+              <a:t>21.8% of the dollar sales was craft. An increase of 10%.</a:t>
+            </a:r>
+          </a:p>
+          <a:p>
+            <a:pPr marL="171450" indent="-171450">
+              <a:buFont typeface="Arial" panose="020B0604020202020204" pitchFamily="34" charset="0"/>
+              <a:buChar char="•"/>
+            </a:pPr>
+            <a:endParaRPr lang="en-US" sz="1200" dirty="0"/>
+          </a:p>
+        </p:txBody>
+      </p:sp>
     </p:spTree>
     <p:extLst>
       <p:ext uri="{BB962C8B-B14F-4D97-AF65-F5344CB8AC3E}">
@@ -3365,7 +5466,7 @@
 </p:sld>
 </file>
 
-<file path=ppt/slides/slide2.xml><?xml version="1.0" encoding="utf-8"?>
+<file path=ppt/slides/slide8.xml><?xml version="1.0" encoding="utf-8"?>
 <p:sld xmlns:a="http://schemas.openxmlformats.org/drawingml/2006/main" xmlns:r="http://schemas.openxmlformats.org/officeDocument/2006/relationships" xmlns:p="http://schemas.openxmlformats.org/presentationml/2006/main">
   <p:cSld>
     <p:spTree>
@@ -3382,39 +5483,79 @@
           <a:chExt cx="0" cy="0"/>
         </a:xfrm>
       </p:grpSpPr>
-      <p:pic>
-        <p:nvPicPr>
-          <p:cNvPr id="4" name="Picture 3">
+      <p:sp>
+        <p:nvSpPr>
+          <p:cNvPr id="2" name="Title 1">
             <a:extLst>
               <a:ext uri="{FF2B5EF4-FFF2-40B4-BE49-F238E27FC236}">
-                <a16:creationId xmlns:a16="http://schemas.microsoft.com/office/drawing/2014/main" id="{21C27861-F7A6-4434-814B-85F18ECE0902}"/>
+                <a16:creationId xmlns:a16="http://schemas.microsoft.com/office/drawing/2014/main" id="{0B2ACDDB-5455-4D18-ACBE-DB34E8442BDB}"/>
               </a:ext>
             </a:extLst>
           </p:cNvPr>
-          <p:cNvPicPr>
-            <a:picLocks noChangeAspect="1"/>
-          </p:cNvPicPr>
-          <p:nvPr/>
-        </p:nvPicPr>
-        <p:blipFill rotWithShape="1">
-          <a:blip r:embed="rId2"/>
-          <a:srcRect l="32350" t="25467" r="19784" b="26829"/>
-          <a:stretch/>
-        </p:blipFill>
-        <p:spPr>
-          <a:xfrm>
-            <a:off x="1920240" y="1168130"/>
-            <a:ext cx="7619405" cy="4746032"/>
-          </a:xfrm>
-          <a:prstGeom prst="rect">
-            <a:avLst/>
-          </a:prstGeom>
-        </p:spPr>
-      </p:pic>
+          <p:cNvSpPr>
+            <a:spLocks noGrp="1"/>
+          </p:cNvSpPr>
+          <p:nvPr>
+            <p:ph type="title"/>
+          </p:nvPr>
+        </p:nvSpPr>
+        <p:spPr/>
+        <p:txBody>
+          <a:bodyPr/>
+          <a:lstStyle/>
+          <a:p>
+            <a:r>
+              <a:rPr lang="en-US" dirty="0"/>
+              <a:t>What we are looking for</a:t>
+            </a:r>
+          </a:p>
+        </p:txBody>
+      </p:sp>
+      <p:sp>
+        <p:nvSpPr>
+          <p:cNvPr id="3" name="Content Placeholder 2">
+            <a:extLst>
+              <a:ext uri="{FF2B5EF4-FFF2-40B4-BE49-F238E27FC236}">
+                <a16:creationId xmlns:a16="http://schemas.microsoft.com/office/drawing/2014/main" id="{67F1943F-0141-49D3-AA5E-843CC66CDDB6}"/>
+              </a:ext>
+            </a:extLst>
+          </p:cNvPr>
+          <p:cNvSpPr>
+            <a:spLocks noGrp="1"/>
+          </p:cNvSpPr>
+          <p:nvPr>
+            <p:ph idx="1"/>
+          </p:nvPr>
+        </p:nvSpPr>
+        <p:spPr/>
+        <p:txBody>
+          <a:bodyPr/>
+          <a:lstStyle/>
+          <a:p>
+            <a:r>
+              <a:rPr lang="en-US" dirty="0"/>
+              <a:t>We want to be in the Microbrewery or Regional Brewery Space</a:t>
+            </a:r>
+          </a:p>
+          <a:p>
+            <a:pPr lvl="1"/>
+            <a:r>
+              <a:rPr lang="en-US" dirty="0"/>
+              <a:t>Both still growing, both significant opportunity</a:t>
+            </a:r>
+          </a:p>
+          <a:p>
+            <a:r>
+              <a:rPr lang="en-US" dirty="0"/>
+              <a:t>Craft Selections that mimic other successful breweries</a:t>
+            </a:r>
+          </a:p>
+        </p:txBody>
+      </p:sp>
     </p:spTree>
     <p:extLst>
       <p:ext uri="{BB962C8B-B14F-4D97-AF65-F5344CB8AC3E}">
-        <p14:creationId xmlns:p14="http://schemas.microsoft.com/office/powerpoint/2010/main" val="3512249171"/>
+        <p14:creationId xmlns:p14="http://schemas.microsoft.com/office/powerpoint/2010/main" val="2326915735"/>
       </p:ext>
     </p:extLst>
   </p:cSld>
@@ -3424,7 +5565,7 @@
 </p:sld>
 </file>
 
-<file path=ppt/slides/slide3.xml><?xml version="1.0" encoding="utf-8"?>
+<file path=ppt/slides/slide9.xml><?xml version="1.0" encoding="utf-8"?>
 <p:sld xmlns:a="http://schemas.openxmlformats.org/drawingml/2006/main" xmlns:r="http://schemas.openxmlformats.org/officeDocument/2006/relationships" xmlns:p="http://schemas.openxmlformats.org/presentationml/2006/main">
   <p:cSld>
     <p:spTree>
@@ -3572,9 +5713,9 @@
 </file>
 
 <file path=ppt/theme/theme1.xml><?xml version="1.0" encoding="utf-8"?>
-<a:theme xmlns:a="http://schemas.openxmlformats.org/drawingml/2006/main" name="Office Theme">
+<a:theme xmlns:a="http://schemas.openxmlformats.org/drawingml/2006/main" name="Wood Type">
   <a:themeElements>
-    <a:clrScheme name="Office">
+    <a:clrScheme name="Wood Type">
       <a:dk1>
         <a:sysClr val="windowText" lastClr="000000"/>
       </a:dk1>
@@ -3582,97 +5723,45 @@
         <a:sysClr val="window" lastClr="FFFFFF"/>
       </a:lt1>
       <a:dk2>
-        <a:srgbClr val="44546A"/>
+        <a:srgbClr val="775F55"/>
       </a:dk2>
       <a:lt2>
-        <a:srgbClr val="E7E6E6"/>
+        <a:srgbClr val="EBDDC3"/>
       </a:lt2>
       <a:accent1>
-        <a:srgbClr val="4472C4"/>
+        <a:srgbClr val="94B6D2"/>
       </a:accent1>
       <a:accent2>
-        <a:srgbClr val="ED7D31"/>
+        <a:srgbClr val="DD8047"/>
       </a:accent2>
       <a:accent3>
-        <a:srgbClr val="A5A5A5"/>
+        <a:srgbClr val="A5AB81"/>
       </a:accent3>
       <a:accent4>
-        <a:srgbClr val="FFC000"/>
+        <a:srgbClr val="D8B25C"/>
       </a:accent4>
       <a:accent5>
-        <a:srgbClr val="5B9BD5"/>
+        <a:srgbClr val="7BA79D"/>
       </a:accent5>
       <a:accent6>
-        <a:srgbClr val="70AD47"/>
+        <a:srgbClr val="968C8C"/>
       </a:accent6>
       <a:hlink>
-        <a:srgbClr val="0563C1"/>
+        <a:srgbClr val="F7B615"/>
       </a:hlink>
       <a:folHlink>
-        <a:srgbClr val="954F72"/>
+        <a:srgbClr val="704404"/>
       </a:folHlink>
     </a:clrScheme>
-    <a:fontScheme name="Office">
+    <a:fontScheme name="Wood Type">
       <a:majorFont>
-        <a:latin typeface="Calibri Light" panose="020F0302020204030204"/>
+        <a:latin typeface="Georgia" panose="02040502050405020303"/>
         <a:ea typeface=""/>
         <a:cs typeface=""/>
-        <a:font script="Jpan" typeface="游ゴシック Light"/>
-        <a:font script="Hang" typeface="맑은 고딕"/>
-        <a:font script="Hans" typeface="等线 Light"/>
-        <a:font script="Hant" typeface="新細明體"/>
-        <a:font script="Arab" typeface="Times New Roman"/>
-        <a:font script="Hebr" typeface="Times New Roman"/>
-        <a:font script="Thai" typeface="Angsana New"/>
-        <a:font script="Ethi" typeface="Nyala"/>
-        <a:font script="Beng" typeface="Vrinda"/>
-        <a:font script="Gujr" typeface="Shruti"/>
-        <a:font script="Khmr" typeface="MoolBoran"/>
-        <a:font script="Knda" typeface="Tunga"/>
-        <a:font script="Guru" typeface="Raavi"/>
-        <a:font script="Cans" typeface="Euphemia"/>
-        <a:font script="Cher" typeface="Plantagenet Cherokee"/>
-        <a:font script="Yiii" typeface="Microsoft Yi Baiti"/>
-        <a:font script="Tibt" typeface="Microsoft Himalaya"/>
-        <a:font script="Thaa" typeface="MV Boli"/>
-        <a:font script="Deva" typeface="Mangal"/>
-        <a:font script="Telu" typeface="Gautami"/>
-        <a:font script="Taml" typeface="Latha"/>
-        <a:font script="Syrc" typeface="Estrangelo Edessa"/>
-        <a:font script="Orya" typeface="Kalinga"/>
-        <a:font script="Mlym" typeface="Kartika"/>
-        <a:font script="Laoo" typeface="DokChampa"/>
-        <a:font script="Sinh" typeface="Iskoola Pota"/>
-        <a:font script="Mong" typeface="Mongolian Baiti"/>
-        <a:font script="Viet" typeface="Times New Roman"/>
-        <a:font script="Uigh" typeface="Microsoft Uighur"/>
-        <a:font script="Geor" typeface="Sylfaen"/>
-        <a:font script="Armn" typeface="Arial"/>
-        <a:font script="Bugi" typeface="Leelawadee UI"/>
-        <a:font script="Bopo" typeface="Microsoft JhengHei"/>
-        <a:font script="Java" typeface="Javanese Text"/>
-        <a:font script="Lisu" typeface="Segoe UI"/>
-        <a:font script="Mymr" typeface="Myanmar Text"/>
-        <a:font script="Nkoo" typeface="Ebrima"/>
-        <a:font script="Olck" typeface="Nirmala UI"/>
-        <a:font script="Osma" typeface="Ebrima"/>
-        <a:font script="Phag" typeface="Phagspa"/>
-        <a:font script="Syrn" typeface="Estrangelo Edessa"/>
-        <a:font script="Syrj" typeface="Estrangelo Edessa"/>
-        <a:font script="Syre" typeface="Estrangelo Edessa"/>
-        <a:font script="Sora" typeface="Nirmala UI"/>
-        <a:font script="Tale" typeface="Microsoft Tai Le"/>
-        <a:font script="Talu" typeface="Microsoft New Tai Lue"/>
-        <a:font script="Tfng" typeface="Ebrima"/>
-      </a:majorFont>
-      <a:minorFont>
-        <a:latin typeface="Calibri" panose="020F0502020204030204"/>
-        <a:ea typeface=""/>
-        <a:cs typeface=""/>
-        <a:font script="Jpan" typeface="游ゴシック"/>
-        <a:font script="Hang" typeface="맑은 고딕"/>
-        <a:font script="Hans" typeface="等线"/>
-        <a:font script="Hant" typeface="新細明體"/>
+        <a:font script="Jpan" typeface="ＭＳ Ｐゴシック"/>
+        <a:font script="Hang" typeface="돋움"/>
+        <a:font script="Hans" typeface="方正舒体"/>
+        <a:font script="Hant" typeface="微軟正黑體"/>
         <a:font script="Arab" typeface="Arial"/>
         <a:font script="Hebr" typeface="Arial"/>
         <a:font script="Thai" typeface="Cordia New"/>
@@ -3698,83 +5787,76 @@
         <a:font script="Mong" typeface="Mongolian Baiti"/>
         <a:font script="Viet" typeface="Arial"/>
         <a:font script="Uigh" typeface="Microsoft Uighur"/>
-        <a:font script="Geor" typeface="Sylfaen"/>
-        <a:font script="Armn" typeface="Arial"/>
-        <a:font script="Bugi" typeface="Leelawadee UI"/>
-        <a:font script="Bopo" typeface="Microsoft JhengHei"/>
-        <a:font script="Java" typeface="Javanese Text"/>
-        <a:font script="Lisu" typeface="Segoe UI"/>
-        <a:font script="Mymr" typeface="Myanmar Text"/>
-        <a:font script="Nkoo" typeface="Ebrima"/>
-        <a:font script="Olck" typeface="Nirmala UI"/>
-        <a:font script="Osma" typeface="Ebrima"/>
-        <a:font script="Phag" typeface="Phagspa"/>
-        <a:font script="Syrn" typeface="Estrangelo Edessa"/>
-        <a:font script="Syrj" typeface="Estrangelo Edessa"/>
-        <a:font script="Syre" typeface="Estrangelo Edessa"/>
-        <a:font script="Sora" typeface="Nirmala UI"/>
-        <a:font script="Tale" typeface="Microsoft Tai Le"/>
-        <a:font script="Talu" typeface="Microsoft New Tai Lue"/>
-        <a:font script="Tfng" typeface="Ebrima"/>
+      </a:majorFont>
+      <a:minorFont>
+        <a:latin typeface="Trebuchet MS" panose="020B0603020202020204"/>
+        <a:ea typeface=""/>
+        <a:cs typeface=""/>
+        <a:font script="Jpan" typeface="HG丸ｺﾞｼｯｸM-PRO"/>
+        <a:font script="Hang" typeface="HY그래픽M"/>
+        <a:font script="Hans" typeface="华文新魏"/>
+        <a:font script="Hant" typeface="微軟正黑體"/>
+        <a:font script="Arab" typeface="Tahoma"/>
+        <a:font script="Hebr" typeface="Gisha"/>
+        <a:font script="Thai" typeface="IrisUPC"/>
+        <a:font script="Ethi" typeface="Nyala"/>
+        <a:font script="Beng" typeface="Vrinda"/>
+        <a:font script="Gujr" typeface="Shruti"/>
+        <a:font script="Khmr" typeface="DaunPenh"/>
+        <a:font script="Knda" typeface="Tunga"/>
+        <a:font script="Guru" typeface="Raavi"/>
+        <a:font script="Cans" typeface="Euphemia"/>
+        <a:font script="Cher" typeface="Plantagenet Cherokee"/>
+        <a:font script="Yiii" typeface="Microsoft Yi Baiti"/>
+        <a:font script="Tibt" typeface="Microsoft Himalaya"/>
+        <a:font script="Thaa" typeface="MV Boli"/>
+        <a:font script="Deva" typeface="Mangal"/>
+        <a:font script="Telu" typeface="Gautami"/>
+        <a:font script="Taml" typeface="Latha"/>
+        <a:font script="Syrc" typeface="Estrangelo Edessa"/>
+        <a:font script="Orya" typeface="Kalinga"/>
+        <a:font script="Mlym" typeface="Kartika"/>
+        <a:font script="Laoo" typeface="DokChampa"/>
+        <a:font script="Sinh" typeface="Iskoola Pota"/>
+        <a:font script="Mong" typeface="Mongolian Baiti"/>
+        <a:font script="Viet" typeface="Arial"/>
+        <a:font script="Uigh" typeface="Microsoft Uighur"/>
       </a:minorFont>
     </a:fontScheme>
-    <a:fmtScheme name="Office">
+    <a:fmtScheme name="Wood Type">
       <a:fillStyleLst>
         <a:solidFill>
           <a:schemeClr val="phClr"/>
         </a:solidFill>
-        <a:gradFill rotWithShape="1">
-          <a:gsLst>
-            <a:gs pos="0">
+        <a:blipFill rotWithShape="1">
+          <a:blip xmlns:r="http://schemas.openxmlformats.org/officeDocument/2006/relationships" r:embed="rId1">
+            <a:duotone>
               <a:schemeClr val="phClr">
-                <a:lumMod val="110000"/>
-                <a:satMod val="105000"/>
-                <a:tint val="67000"/>
+                <a:tint val="70000"/>
+                <a:shade val="63000"/>
               </a:schemeClr>
-            </a:gs>
-            <a:gs pos="50000">
               <a:schemeClr val="phClr">
-                <a:lumMod val="105000"/>
-                <a:satMod val="103000"/>
-                <a:tint val="73000"/>
+                <a:tint val="10000"/>
+                <a:satMod val="150000"/>
               </a:schemeClr>
-            </a:gs>
-            <a:gs pos="100000">
+            </a:duotone>
+          </a:blip>
+          <a:tile tx="0" ty="0" sx="60000" sy="59000" flip="none" algn="tl"/>
+        </a:blipFill>
+        <a:blipFill rotWithShape="1">
+          <a:blip xmlns:r="http://schemas.openxmlformats.org/officeDocument/2006/relationships" r:embed="rId1">
+            <a:duotone>
               <a:schemeClr val="phClr">
-                <a:lumMod val="105000"/>
-                <a:satMod val="109000"/>
-                <a:tint val="81000"/>
+                <a:shade val="36000"/>
+                <a:satMod val="120000"/>
               </a:schemeClr>
-            </a:gs>
-          </a:gsLst>
-          <a:lin ang="5400000" scaled="0"/>
-        </a:gradFill>
-        <a:gradFill rotWithShape="1">
-          <a:gsLst>
-            <a:gs pos="0">
               <a:schemeClr val="phClr">
-                <a:satMod val="103000"/>
-                <a:lumMod val="102000"/>
-                <a:tint val="94000"/>
+                <a:tint val="40000"/>
               </a:schemeClr>
-            </a:gs>
-            <a:gs pos="50000">
-              <a:schemeClr val="phClr">
-                <a:satMod val="110000"/>
-                <a:lumMod val="100000"/>
-                <a:shade val="100000"/>
-              </a:schemeClr>
-            </a:gs>
-            <a:gs pos="100000">
-              <a:schemeClr val="phClr">
-                <a:lumMod val="99000"/>
-                <a:satMod val="120000"/>
-                <a:shade val="78000"/>
-              </a:schemeClr>
-            </a:gs>
-          </a:gsLst>
-          <a:lin ang="5400000" scaled="0"/>
-        </a:gradFill>
+            </a:duotone>
+          </a:blip>
+          <a:tile tx="0" ty="0" sx="60000" sy="59000" flip="none" algn="tl"/>
+        </a:blipFill>
       </a:fillStyleLst>
       <a:lnStyleLst>
         <a:ln w="6350" cap="flat" cmpd="sng" algn="ctr">
@@ -3782,21 +5864,18 @@
             <a:schemeClr val="phClr"/>
           </a:solidFill>
           <a:prstDash val="solid"/>
-          <a:miter lim="800000"/>
         </a:ln>
         <a:ln w="12700" cap="flat" cmpd="sng" algn="ctr">
           <a:solidFill>
             <a:schemeClr val="phClr"/>
           </a:solidFill>
           <a:prstDash val="solid"/>
-          <a:miter lim="800000"/>
         </a:ln>
         <a:ln w="19050" cap="flat" cmpd="sng" algn="ctr">
           <a:solidFill>
             <a:schemeClr val="phClr"/>
           </a:solidFill>
           <a:prstDash val="solid"/>
-          <a:miter lim="800000"/>
         </a:ln>
       </a:lnStyleLst>
       <a:effectStyleLst>
@@ -3804,15 +5883,18 @@
           <a:effectLst/>
         </a:effectStyle>
         <a:effectStyle>
-          <a:effectLst/>
+          <a:effectLst>
+            <a:softEdge rad="12700"/>
+          </a:effectLst>
         </a:effectStyle>
         <a:effectStyle>
           <a:effectLst>
-            <a:outerShdw blurRad="57150" dist="19050" dir="5400000" algn="ctr" rotWithShape="0">
+            <a:outerShdw blurRad="50800" dist="19050" dir="5400000" algn="tl" rotWithShape="0">
               <a:srgbClr val="000000">
-                <a:alpha val="63000"/>
+                <a:alpha val="60000"/>
               </a:srgbClr>
             </a:outerShdw>
+            <a:softEdge rad="12700"/>
           </a:effectLst>
         </a:effectStyle>
       </a:effectStyleLst>
@@ -3822,37 +5904,26 @@
         </a:solidFill>
         <a:solidFill>
           <a:schemeClr val="phClr">
-            <a:tint val="95000"/>
-            <a:satMod val="170000"/>
+            <a:shade val="97000"/>
+            <a:satMod val="150000"/>
           </a:schemeClr>
         </a:solidFill>
-        <a:gradFill rotWithShape="1">
-          <a:gsLst>
-            <a:gs pos="0">
+        <a:blipFill rotWithShape="1">
+          <a:blip xmlns:r="http://schemas.openxmlformats.org/officeDocument/2006/relationships" r:embed="rId1">
+            <a:duotone>
               <a:schemeClr val="phClr">
-                <a:tint val="93000"/>
-                <a:satMod val="150000"/>
-                <a:shade val="98000"/>
-                <a:lumMod val="102000"/>
-              </a:schemeClr>
-            </a:gs>
-            <a:gs pos="50000">
-              <a:schemeClr val="phClr">
-                <a:tint val="98000"/>
-                <a:satMod val="130000"/>
-                <a:shade val="90000"/>
-                <a:lumMod val="103000"/>
-              </a:schemeClr>
-            </a:gs>
-            <a:gs pos="100000">
-              <a:schemeClr val="phClr">
-                <a:shade val="63000"/>
+                <a:tint val="75000"/>
+                <a:shade val="58000"/>
                 <a:satMod val="120000"/>
               </a:schemeClr>
-            </a:gs>
-          </a:gsLst>
-          <a:lin ang="5400000" scaled="0"/>
-        </a:gradFill>
+              <a:schemeClr val="phClr">
+                <a:tint val="50000"/>
+                <a:shade val="96000"/>
+              </a:schemeClr>
+            </a:duotone>
+          </a:blip>
+          <a:tile tx="0" ty="0" sx="100000" sy="100000" flip="none" algn="tl"/>
+        </a:blipFill>
       </a:bgFillStyleLst>
     </a:fmtScheme>
   </a:themeElements>
@@ -3860,7 +5931,7 @@
   <a:extraClrSchemeLst/>
   <a:extLst>
     <a:ext uri="{05A4C25C-085E-4340-85A3-A5531E510DB2}">
-      <thm15:themeFamily xmlns:thm15="http://schemas.microsoft.com/office/thememl/2012/main" name="Office Theme" id="{62F939B6-93AF-4DB8-9C6B-D6C7DFDC589F}" vid="{4A3C46E8-61CC-4603-A589-7422A47A8E4A}"/>
+      <thm15:themeFamily xmlns:thm15="http://schemas.microsoft.com/office/thememl/2012/main" name="Wood Type" id="{7ACABC62-BF99-48CF-A9DC-4DB89C7B13DC}" vid="{C6AE0645-98FF-411B-B0E9-59ABD78A0CCE}"/>
     </a:ext>
   </a:extLst>
 </a:theme>

--- a/Presentation/DraftPresentation.pptx
+++ b/Presentation/DraftPresentation.pptx
@@ -9,9 +9,9 @@
     <p:sldId id="261" r:id="rId3"/>
     <p:sldId id="262" r:id="rId4"/>
     <p:sldId id="263" r:id="rId5"/>
-    <p:sldId id="264" r:id="rId6"/>
-    <p:sldId id="257" r:id="rId7"/>
-    <p:sldId id="256" r:id="rId8"/>
+    <p:sldId id="257" r:id="rId6"/>
+    <p:sldId id="256" r:id="rId7"/>
+    <p:sldId id="266" r:id="rId8"/>
     <p:sldId id="265" r:id="rId9"/>
     <p:sldId id="258" r:id="rId10"/>
   </p:sldIdLst>
@@ -523,7 +523,7 @@
           <a:p>
             <a:fld id="{C751E306-7163-4998-B8D2-ABA0A8BB88DE}" type="datetimeFigureOut">
               <a:rPr lang="en-US" smtClean="0"/>
-              <a:t>2/18/2018</a:t>
+              <a:t>2/19/2018</a:t>
             </a:fld>
             <a:endParaRPr lang="en-US"/>
           </a:p>
@@ -707,7 +707,7 @@
           <a:p>
             <a:fld id="{C751E306-7163-4998-B8D2-ABA0A8BB88DE}" type="datetimeFigureOut">
               <a:rPr lang="en-US" smtClean="0"/>
-              <a:t>2/18/2018</a:t>
+              <a:t>2/19/2018</a:t>
             </a:fld>
             <a:endParaRPr lang="en-US"/>
           </a:p>
@@ -887,7 +887,7 @@
           <a:p>
             <a:fld id="{C751E306-7163-4998-B8D2-ABA0A8BB88DE}" type="datetimeFigureOut">
               <a:rPr lang="en-US" smtClean="0"/>
-              <a:t>2/18/2018</a:t>
+              <a:t>2/19/2018</a:t>
             </a:fld>
             <a:endParaRPr lang="en-US"/>
           </a:p>
@@ -1057,7 +1057,7 @@
           <a:p>
             <a:fld id="{C751E306-7163-4998-B8D2-ABA0A8BB88DE}" type="datetimeFigureOut">
               <a:rPr lang="en-US" smtClean="0"/>
-              <a:t>2/18/2018</a:t>
+              <a:t>2/19/2018</a:t>
             </a:fld>
             <a:endParaRPr lang="en-US"/>
           </a:p>
@@ -1370,7 +1370,7 @@
           <a:p>
             <a:fld id="{C751E306-7163-4998-B8D2-ABA0A8BB88DE}" type="datetimeFigureOut">
               <a:rPr lang="en-US" smtClean="0"/>
-              <a:t>2/18/2018</a:t>
+              <a:t>2/19/2018</a:t>
             </a:fld>
             <a:endParaRPr lang="en-US"/>
           </a:p>
@@ -1756,7 +1756,7 @@
           <a:p>
             <a:fld id="{C751E306-7163-4998-B8D2-ABA0A8BB88DE}" type="datetimeFigureOut">
               <a:rPr lang="en-US" smtClean="0"/>
-              <a:t>2/18/2018</a:t>
+              <a:t>2/19/2018</a:t>
             </a:fld>
             <a:endParaRPr lang="en-US"/>
           </a:p>
@@ -2195,7 +2195,7 @@
           <a:p>
             <a:fld id="{C751E306-7163-4998-B8D2-ABA0A8BB88DE}" type="datetimeFigureOut">
               <a:rPr lang="en-US" smtClean="0"/>
-              <a:t>2/18/2018</a:t>
+              <a:t>2/19/2018</a:t>
             </a:fld>
             <a:endParaRPr lang="en-US"/>
           </a:p>
@@ -2318,7 +2318,7 @@
           <a:p>
             <a:fld id="{C751E306-7163-4998-B8D2-ABA0A8BB88DE}" type="datetimeFigureOut">
               <a:rPr lang="en-US" smtClean="0"/>
-              <a:t>2/18/2018</a:t>
+              <a:t>2/19/2018</a:t>
             </a:fld>
             <a:endParaRPr lang="en-US"/>
           </a:p>
@@ -2413,7 +2413,7 @@
           <a:p>
             <a:fld id="{C751E306-7163-4998-B8D2-ABA0A8BB88DE}" type="datetimeFigureOut">
               <a:rPr lang="en-US" smtClean="0"/>
-              <a:t>2/18/2018</a:t>
+              <a:t>2/19/2018</a:t>
             </a:fld>
             <a:endParaRPr lang="en-US"/>
           </a:p>
@@ -2768,7 +2768,7 @@
           <a:p>
             <a:fld id="{C751E306-7163-4998-B8D2-ABA0A8BB88DE}" type="datetimeFigureOut">
               <a:rPr lang="en-US" smtClean="0"/>
-              <a:t>2/18/2018</a:t>
+              <a:t>2/19/2018</a:t>
             </a:fld>
             <a:endParaRPr lang="en-US"/>
           </a:p>
@@ -3198,7 +3198,7 @@
           <a:p>
             <a:fld id="{C751E306-7163-4998-B8D2-ABA0A8BB88DE}" type="datetimeFigureOut">
               <a:rPr lang="en-US" smtClean="0"/>
-              <a:t>2/18/2018</a:t>
+              <a:t>2/19/2018</a:t>
             </a:fld>
             <a:endParaRPr lang="en-US"/>
           </a:p>
@@ -3479,7 +3479,7 @@
           <a:p>
             <a:fld id="{C751E306-7163-4998-B8D2-ABA0A8BB88DE}" type="datetimeFigureOut">
               <a:rPr lang="en-US" smtClean="0"/>
-              <a:t>2/18/2018</a:t>
+              <a:t>2/19/2018</a:t>
             </a:fld>
             <a:endParaRPr lang="en-US"/>
           </a:p>
@@ -4896,31 +4896,6 @@
           </a:p>
         </p:txBody>
       </p:sp>
-      <p:sp>
-        <p:nvSpPr>
-          <p:cNvPr id="6" name="Text Placeholder 5">
-            <a:extLst>
-              <a:ext uri="{FF2B5EF4-FFF2-40B4-BE49-F238E27FC236}">
-                <a16:creationId xmlns:a16="http://schemas.microsoft.com/office/drawing/2014/main" id="{352CCDBF-347F-4EA0-B44A-EE1FF5FE09DC}"/>
-              </a:ext>
-            </a:extLst>
-          </p:cNvPr>
-          <p:cNvSpPr>
-            <a:spLocks noGrp="1"/>
-          </p:cNvSpPr>
-          <p:nvPr>
-            <p:ph type="body" idx="1"/>
-          </p:nvPr>
-        </p:nvSpPr>
-        <p:spPr/>
-        <p:txBody>
-          <a:bodyPr/>
-          <a:lstStyle/>
-          <a:p>
-            <a:endParaRPr lang="en-US" dirty="0"/>
-          </a:p>
-        </p:txBody>
-      </p:sp>
     </p:spTree>
     <p:extLst>
       <p:ext uri="{BB962C8B-B14F-4D97-AF65-F5344CB8AC3E}">
@@ -4935,207 +4910,6 @@
 </file>
 
 <file path=ppt/slides/slide5.xml><?xml version="1.0" encoding="utf-8"?>
-<p:sld xmlns:a="http://schemas.openxmlformats.org/drawingml/2006/main" xmlns:r="http://schemas.openxmlformats.org/officeDocument/2006/relationships" xmlns:p="http://schemas.openxmlformats.org/presentationml/2006/main">
-  <p:cSld>
-    <p:spTree>
-      <p:nvGrpSpPr>
-        <p:cNvPr id="1" name=""/>
-        <p:cNvGrpSpPr/>
-        <p:nvPr/>
-      </p:nvGrpSpPr>
-      <p:grpSpPr>
-        <a:xfrm>
-          <a:off x="0" y="0"/>
-          <a:ext cx="0" cy="0"/>
-          <a:chOff x="0" y="0"/>
-          <a:chExt cx="0" cy="0"/>
-        </a:xfrm>
-      </p:grpSpPr>
-      <p:sp>
-        <p:nvSpPr>
-          <p:cNvPr id="10" name="Title 9">
-            <a:extLst>
-              <a:ext uri="{FF2B5EF4-FFF2-40B4-BE49-F238E27FC236}">
-                <a16:creationId xmlns:a16="http://schemas.microsoft.com/office/drawing/2014/main" id="{53203CF2-179B-4CF6-A1D0-7F530507E06D}"/>
-              </a:ext>
-            </a:extLst>
-          </p:cNvPr>
-          <p:cNvSpPr>
-            <a:spLocks noGrp="1"/>
-          </p:cNvSpPr>
-          <p:nvPr>
-            <p:ph type="title"/>
-          </p:nvPr>
-        </p:nvSpPr>
-        <p:spPr/>
-        <p:txBody>
-          <a:bodyPr/>
-          <a:lstStyle/>
-          <a:p>
-            <a:r>
-              <a:rPr lang="en-US" dirty="0"/>
-              <a:t>Types of Craft Breweries</a:t>
-            </a:r>
-          </a:p>
-        </p:txBody>
-      </p:sp>
-      <p:sp>
-        <p:nvSpPr>
-          <p:cNvPr id="11" name="Content Placeholder 10">
-            <a:extLst>
-              <a:ext uri="{FF2B5EF4-FFF2-40B4-BE49-F238E27FC236}">
-                <a16:creationId xmlns:a16="http://schemas.microsoft.com/office/drawing/2014/main" id="{A0F1BB2F-6B7E-4C8D-BDD1-F5B2D16B35C3}"/>
-              </a:ext>
-            </a:extLst>
-          </p:cNvPr>
-          <p:cNvSpPr>
-            <a:spLocks noGrp="1"/>
-          </p:cNvSpPr>
-          <p:nvPr>
-            <p:ph idx="1"/>
-          </p:nvPr>
-        </p:nvSpPr>
-        <p:spPr/>
-        <p:txBody>
-          <a:bodyPr>
-            <a:normAutofit fontScale="92500" lnSpcReduction="20000"/>
-          </a:bodyPr>
-          <a:lstStyle/>
-          <a:p>
-            <a:r>
-              <a:rPr lang="en-US" dirty="0"/>
-              <a:t>Contract Brewery</a:t>
-            </a:r>
-          </a:p>
-          <a:p>
-            <a:pPr lvl="1"/>
-            <a:r>
-              <a:rPr lang="en-US" dirty="0"/>
-              <a:t>Two Types</a:t>
-            </a:r>
-          </a:p>
-          <a:p>
-            <a:pPr lvl="2"/>
-            <a:r>
-              <a:rPr lang="en-US" dirty="0"/>
-              <a:t>A company that hires another brewery to produce all the beer and they only handle distribution, marketing, sales, etc.</a:t>
-            </a:r>
-          </a:p>
-          <a:p>
-            <a:pPr lvl="2"/>
-            <a:r>
-              <a:rPr lang="en-US" dirty="0"/>
-              <a:t>A brewer hired to produce and bottle beer only</a:t>
-            </a:r>
-          </a:p>
-          <a:p>
-            <a:r>
-              <a:rPr lang="en-US" dirty="0"/>
-              <a:t>Brewpub</a:t>
-            </a:r>
-          </a:p>
-          <a:p>
-            <a:pPr lvl="1"/>
-            <a:r>
-              <a:rPr lang="en-US" dirty="0"/>
-              <a:t>A small brewery where the beer usually primarily brewed for on-site business</a:t>
-            </a:r>
-          </a:p>
-          <a:p>
-            <a:pPr lvl="1"/>
-            <a:r>
-              <a:rPr lang="en-US" dirty="0"/>
-              <a:t>At least 25% of the beer must be sold on-site</a:t>
-            </a:r>
-          </a:p>
-          <a:p>
-            <a:r>
-              <a:rPr lang="en-US" dirty="0"/>
-              <a:t>Microbrewery</a:t>
-            </a:r>
-          </a:p>
-          <a:p>
-            <a:pPr lvl="1"/>
-            <a:r>
-              <a:rPr lang="en-US" dirty="0"/>
-              <a:t>Still a small brewery that produces less than 15,000 barrels per year</a:t>
-            </a:r>
-          </a:p>
-          <a:p>
-            <a:pPr lvl="1"/>
-            <a:r>
-              <a:rPr lang="en-US" dirty="0"/>
-              <a:t>75% of sales must be sold off-site</a:t>
-            </a:r>
-          </a:p>
-          <a:p>
-            <a:r>
-              <a:rPr lang="en-US" dirty="0"/>
-              <a:t>Regional Brewery</a:t>
-            </a:r>
-          </a:p>
-          <a:p>
-            <a:pPr lvl="1"/>
-            <a:r>
-              <a:rPr lang="en-US" dirty="0"/>
-              <a:t>A brewery that produces over 15,000 barrels and produces beer in a traditional or non-mechanized way</a:t>
-            </a:r>
-          </a:p>
-          <a:p>
-            <a:pPr lvl="8"/>
-            <a:endParaRPr lang="en-US" dirty="0"/>
-          </a:p>
-        </p:txBody>
-      </p:sp>
-      <p:sp>
-        <p:nvSpPr>
-          <p:cNvPr id="12" name="TextBox 11">
-            <a:extLst>
-              <a:ext uri="{FF2B5EF4-FFF2-40B4-BE49-F238E27FC236}">
-                <a16:creationId xmlns:a16="http://schemas.microsoft.com/office/drawing/2014/main" id="{4F1E1BE3-7C82-4146-8485-8BA8CDA2CF90}"/>
-              </a:ext>
-            </a:extLst>
-          </p:cNvPr>
-          <p:cNvSpPr txBox="1"/>
-          <p:nvPr/>
-        </p:nvSpPr>
-        <p:spPr>
-          <a:xfrm>
-            <a:off x="8421624" y="6373368"/>
-            <a:ext cx="2953512" cy="276999"/>
-          </a:xfrm>
-          <a:prstGeom prst="rect">
-            <a:avLst/>
-          </a:prstGeom>
-          <a:noFill/>
-        </p:spPr>
-        <p:txBody>
-          <a:bodyPr wrap="square" rtlCol="0">
-            <a:spAutoFit/>
-          </a:bodyPr>
-          <a:lstStyle/>
-          <a:p>
-            <a:r>
-              <a:rPr lang="en-US" sz="1200" dirty="0"/>
-              <a:t>Definitions from Brewers Association</a:t>
-            </a:r>
-          </a:p>
-        </p:txBody>
-      </p:sp>
-    </p:spTree>
-    <p:extLst>
-      <p:ext uri="{BB962C8B-B14F-4D97-AF65-F5344CB8AC3E}">
-        <p14:creationId xmlns:p14="http://schemas.microsoft.com/office/powerpoint/2010/main" val="3235484023"/>
-      </p:ext>
-    </p:extLst>
-  </p:cSld>
-  <p:clrMapOvr>
-    <a:masterClrMapping/>
-  </p:clrMapOvr>
-</p:sld>
-</file>
-
-<file path=ppt/slides/slide6.xml><?xml version="1.0" encoding="utf-8"?>
 <p:sld xmlns:a="http://schemas.openxmlformats.org/drawingml/2006/main" xmlns:r="http://schemas.openxmlformats.org/officeDocument/2006/relationships" xmlns:p="http://schemas.openxmlformats.org/presentationml/2006/main">
   <p:cSld>
     <p:spTree>
@@ -5229,7 +5003,9 @@
         </p:nvSpPr>
         <p:spPr/>
         <p:txBody>
-          <a:bodyPr/>
+          <a:bodyPr>
+            <a:normAutofit fontScale="92500" lnSpcReduction="10000"/>
+          </a:bodyPr>
           <a:lstStyle/>
           <a:p>
             <a:pPr marL="285750" indent="-285750">
@@ -5269,6 +5045,26 @@
             <a:r>
               <a:rPr lang="en-US" dirty="0"/>
               <a:t>Microbreweries are gaining traction</a:t>
+            </a:r>
+          </a:p>
+          <a:p>
+            <a:pPr marL="285750" indent="-285750">
+              <a:buFont typeface="Arial" panose="020B0604020202020204" pitchFamily="34" charset="0"/>
+              <a:buChar char="•"/>
+            </a:pPr>
+            <a:r>
+              <a:rPr lang="en-US" dirty="0"/>
+              <a:t>Regional Brewery: A brewery that produces over 15,000 barrels and produces beer in a traditional or non-mechanized way</a:t>
+            </a:r>
+          </a:p>
+          <a:p>
+            <a:pPr marL="285750" indent="-285750">
+              <a:buFont typeface="Arial" panose="020B0604020202020204" pitchFamily="34" charset="0"/>
+              <a:buChar char="•"/>
+            </a:pPr>
+            <a:r>
+              <a:rPr lang="en-US" dirty="0"/>
+              <a:t>A regional brewery is the goal</a:t>
             </a:r>
           </a:p>
         </p:txBody>
@@ -5316,7 +5112,7 @@
 </p:sld>
 </file>
 
-<file path=ppt/slides/slide7.xml><?xml version="1.0" encoding="utf-8"?>
+<file path=ppt/slides/slide6.xml><?xml version="1.0" encoding="utf-8"?>
 <p:sld xmlns:a="http://schemas.openxmlformats.org/drawingml/2006/main" xmlns:r="http://schemas.openxmlformats.org/officeDocument/2006/relationships" xmlns:p="http://schemas.openxmlformats.org/presentationml/2006/main">
   <p:cSld>
     <p:spTree>
@@ -5449,7 +5245,10 @@
               <a:buFont typeface="Arial" panose="020B0604020202020204" pitchFamily="34" charset="0"/>
               <a:buChar char="•"/>
             </a:pPr>
-            <a:endParaRPr lang="en-US" sz="1200" dirty="0"/>
+            <a:r>
+              <a:rPr lang="en-US" sz="1200" dirty="0"/>
+              <a:t>The average craft beer six pack sells for $25-$36. Far higher than the typical price for a national brewer’s products.</a:t>
+            </a:r>
           </a:p>
         </p:txBody>
       </p:sp>
@@ -5457,6 +5256,66 @@
     <p:extLst>
       <p:ext uri="{BB962C8B-B14F-4D97-AF65-F5344CB8AC3E}">
         <p14:creationId xmlns:p14="http://schemas.microsoft.com/office/powerpoint/2010/main" val="904869987"/>
+      </p:ext>
+    </p:extLst>
+  </p:cSld>
+  <p:clrMapOvr>
+    <a:masterClrMapping/>
+  </p:clrMapOvr>
+</p:sld>
+</file>
+
+<file path=ppt/slides/slide7.xml><?xml version="1.0" encoding="utf-8"?>
+<p:sld xmlns:a="http://schemas.openxmlformats.org/drawingml/2006/main" xmlns:r="http://schemas.openxmlformats.org/officeDocument/2006/relationships" xmlns:p="http://schemas.openxmlformats.org/presentationml/2006/main">
+  <p:cSld>
+    <p:spTree>
+      <p:nvGrpSpPr>
+        <p:cNvPr id="1" name=""/>
+        <p:cNvGrpSpPr/>
+        <p:nvPr/>
+      </p:nvGrpSpPr>
+      <p:grpSpPr>
+        <a:xfrm>
+          <a:off x="0" y="0"/>
+          <a:ext cx="0" cy="0"/>
+          <a:chOff x="0" y="0"/>
+          <a:chExt cx="0" cy="0"/>
+        </a:xfrm>
+      </p:grpSpPr>
+      <p:sp>
+        <p:nvSpPr>
+          <p:cNvPr id="5" name="Title 4">
+            <a:extLst>
+              <a:ext uri="{FF2B5EF4-FFF2-40B4-BE49-F238E27FC236}">
+                <a16:creationId xmlns:a16="http://schemas.microsoft.com/office/drawing/2014/main" id="{AE3EA2F5-A2F7-4DA8-9AEB-E0729A2F0AF9}"/>
+              </a:ext>
+            </a:extLst>
+          </p:cNvPr>
+          <p:cNvSpPr>
+            <a:spLocks noGrp="1"/>
+          </p:cNvSpPr>
+          <p:nvPr>
+            <p:ph type="title"/>
+          </p:nvPr>
+        </p:nvSpPr>
+        <p:spPr/>
+        <p:txBody>
+          <a:bodyPr>
+            <a:normAutofit/>
+          </a:bodyPr>
+          <a:lstStyle/>
+          <a:p>
+            <a:r>
+              <a:rPr lang="en-US" sz="6600" dirty="0"/>
+              <a:t>Craft Beer Industry</a:t>
+            </a:r>
+          </a:p>
+        </p:txBody>
+      </p:sp>
+    </p:spTree>
+    <p:extLst>
+      <p:ext uri="{BB962C8B-B14F-4D97-AF65-F5344CB8AC3E}">
+        <p14:creationId xmlns:p14="http://schemas.microsoft.com/office/powerpoint/2010/main" val="2543460946"/>
       </p:ext>
     </p:extLst>
   </p:cSld>
@@ -5534,14 +5393,14 @@
           <a:p>
             <a:r>
               <a:rPr lang="en-US" dirty="0"/>
-              <a:t>We want to be in the Microbrewery or Regional Brewery Space</a:t>
+              <a:t>We want to be in the Regional Brewery Space</a:t>
             </a:r>
           </a:p>
           <a:p>
             <a:pPr lvl="1"/>
             <a:r>
               <a:rPr lang="en-US" dirty="0"/>
-              <a:t>Both still growing, both significant opportunity</a:t>
+              <a:t>Still growing, with significant opportunity</a:t>
             </a:r>
           </a:p>
           <a:p>
